--- a/projects/capstone/training_images.pptx
+++ b/projects/capstone/training_images.pptx
@@ -4,10 +4,14 @@
   <p:sldMasterIdLst>
     <p:sldMasterId id="2147483648" r:id="rId1"/>
   </p:sldMasterIdLst>
+  <p:notesMasterIdLst>
+    <p:notesMasterId r:id="rId6"/>
+  </p:notesMasterIdLst>
   <p:sldIdLst>
     <p:sldId id="256" r:id="rId2"/>
     <p:sldId id="258" r:id="rId3"/>
     <p:sldId id="257" r:id="rId4"/>
+    <p:sldId id="259" r:id="rId5"/>
   </p:sldIdLst>
   <p:sldSz cx="12192000" cy="6858000"/>
   <p:notesSz cx="6858000" cy="9144000"/>
@@ -106,7 +110,961 @@
       </a:defRPr>
     </a:lvl9pPr>
   </p:defaultTextStyle>
+  <p:extLst>
+    <p:ext uri="{EFAFB233-063F-42B5-8137-9DF3F51BA10A}">
+      <p15:sldGuideLst xmlns:p15="http://schemas.microsoft.com/office/powerpoint/2012/main"/>
+    </p:ext>
+  </p:extLst>
 </p:presentation>
+</file>
+
+<file path=ppt/charts/chart1.xml><?xml version="1.0" encoding="utf-8"?>
+<c:chartSpace xmlns:c="http://schemas.openxmlformats.org/drawingml/2006/chart" xmlns:a="http://schemas.openxmlformats.org/drawingml/2006/main" xmlns:r="http://schemas.openxmlformats.org/officeDocument/2006/relationships">
+  <c:date1904 val="0"/>
+  <c:lang val="en-US"/>
+  <c:roundedCorners val="0"/>
+  <mc:AlternateContent xmlns:mc="http://schemas.openxmlformats.org/markup-compatibility/2006">
+    <mc:Choice xmlns:c14="http://schemas.microsoft.com/office/drawing/2007/8/2/chart" Requires="c14">
+      <c14:style val="102"/>
+    </mc:Choice>
+    <mc:Fallback>
+      <c:style val="2"/>
+    </mc:Fallback>
+  </mc:AlternateContent>
+  <c:chart>
+    <c:title>
+      <c:tx>
+        <c:rich>
+          <a:bodyPr rot="0" spcFirstLastPara="1" vertOverflow="ellipsis" vert="horz" wrap="square" anchor="ctr" anchorCtr="1"/>
+          <a:lstStyle/>
+          <a:p>
+            <a:pPr>
+              <a:defRPr sz="1862" b="0" i="0" u="none" strike="noStrike" kern="1200" spc="0" baseline="0">
+                <a:solidFill>
+                  <a:schemeClr val="tx1">
+                    <a:lumMod val="65000"/>
+                    <a:lumOff val="35000"/>
+                  </a:schemeClr>
+                </a:solidFill>
+                <a:latin typeface="+mn-lt"/>
+                <a:ea typeface="+mn-ea"/>
+                <a:cs typeface="+mn-cs"/>
+              </a:defRPr>
+            </a:pPr>
+            <a:r>
+              <a:rPr lang="en-US" dirty="0" smtClean="0"/>
+              <a:t>Log Loss</a:t>
+            </a:r>
+            <a:r>
+              <a:rPr lang="en-US" baseline="0" dirty="0" smtClean="0"/>
+              <a:t> of different models(smaller is better)</a:t>
+            </a:r>
+            <a:endParaRPr lang="en-US" dirty="0"/>
+          </a:p>
+        </c:rich>
+      </c:tx>
+      <c:layout/>
+      <c:overlay val="0"/>
+      <c:spPr>
+        <a:noFill/>
+        <a:ln>
+          <a:noFill/>
+        </a:ln>
+        <a:effectLst/>
+      </c:spPr>
+      <c:txPr>
+        <a:bodyPr rot="0" spcFirstLastPara="1" vertOverflow="ellipsis" vert="horz" wrap="square" anchor="ctr" anchorCtr="1"/>
+        <a:lstStyle/>
+        <a:p>
+          <a:pPr>
+            <a:defRPr sz="1862" b="0" i="0" u="none" strike="noStrike" kern="1200" spc="0" baseline="0">
+              <a:solidFill>
+                <a:schemeClr val="tx1">
+                  <a:lumMod val="65000"/>
+                  <a:lumOff val="35000"/>
+                </a:schemeClr>
+              </a:solidFill>
+              <a:latin typeface="+mn-lt"/>
+              <a:ea typeface="+mn-ea"/>
+              <a:cs typeface="+mn-cs"/>
+            </a:defRPr>
+          </a:pPr>
+          <a:endParaRPr lang="en-US"/>
+        </a:p>
+      </c:txPr>
+    </c:title>
+    <c:autoTitleDeleted val="0"/>
+    <c:plotArea>
+      <c:layout/>
+      <c:barChart>
+        <c:barDir val="col"/>
+        <c:grouping val="clustered"/>
+        <c:varyColors val="0"/>
+        <c:ser>
+          <c:idx val="0"/>
+          <c:order val="0"/>
+          <c:tx>
+            <c:strRef>
+              <c:f>Sheet1!$B$1</c:f>
+              <c:strCache>
+                <c:ptCount val="1"/>
+                <c:pt idx="0">
+                  <c:v>Baseline</c:v>
+                </c:pt>
+              </c:strCache>
+            </c:strRef>
+          </c:tx>
+          <c:spPr>
+            <a:solidFill>
+              <a:schemeClr val="accent1"/>
+            </a:solidFill>
+            <a:ln>
+              <a:noFill/>
+            </a:ln>
+            <a:effectLst/>
+          </c:spPr>
+          <c:invertIfNegative val="0"/>
+          <c:cat>
+            <c:numRef>
+              <c:f>Sheet1!$A$2</c:f>
+              <c:numCache>
+                <c:formatCode>General</c:formatCode>
+                <c:ptCount val="1"/>
+              </c:numCache>
+            </c:numRef>
+          </c:cat>
+          <c:val>
+            <c:numRef>
+              <c:f>Sheet1!$B$2</c:f>
+              <c:numCache>
+                <c:formatCode>General</c:formatCode>
+                <c:ptCount val="1"/>
+                <c:pt idx="0">
+                  <c:v>0.29</c:v>
+                </c:pt>
+              </c:numCache>
+            </c:numRef>
+          </c:val>
+        </c:ser>
+        <c:ser>
+          <c:idx val="1"/>
+          <c:order val="1"/>
+          <c:tx>
+            <c:strRef>
+              <c:f>Sheet1!$C$1</c:f>
+              <c:strCache>
+                <c:ptCount val="1"/>
+                <c:pt idx="0">
+                  <c:v>Competition Winner</c:v>
+                </c:pt>
+              </c:strCache>
+            </c:strRef>
+          </c:tx>
+          <c:spPr>
+            <a:solidFill>
+              <a:schemeClr val="accent2"/>
+            </a:solidFill>
+            <a:ln>
+              <a:noFill/>
+            </a:ln>
+            <a:effectLst/>
+          </c:spPr>
+          <c:invertIfNegative val="0"/>
+          <c:cat>
+            <c:numRef>
+              <c:f>Sheet1!$A$2</c:f>
+              <c:numCache>
+                <c:formatCode>General</c:formatCode>
+                <c:ptCount val="1"/>
+              </c:numCache>
+            </c:numRef>
+          </c:cat>
+          <c:val>
+            <c:numRef>
+              <c:f>Sheet1!$C$2</c:f>
+              <c:numCache>
+                <c:formatCode>General</c:formatCode>
+                <c:ptCount val="1"/>
+                <c:pt idx="0">
+                  <c:v>0.024</c:v>
+                </c:pt>
+              </c:numCache>
+            </c:numRef>
+          </c:val>
+        </c:ser>
+        <c:ser>
+          <c:idx val="2"/>
+          <c:order val="2"/>
+          <c:tx>
+            <c:strRef>
+              <c:f>Sheet1!$D$1</c:f>
+              <c:strCache>
+                <c:ptCount val="1"/>
+                <c:pt idx="0">
+                  <c:v>Model</c:v>
+                </c:pt>
+              </c:strCache>
+            </c:strRef>
+          </c:tx>
+          <c:spPr>
+            <a:solidFill>
+              <a:schemeClr val="accent3"/>
+            </a:solidFill>
+            <a:ln>
+              <a:noFill/>
+            </a:ln>
+            <a:effectLst/>
+          </c:spPr>
+          <c:invertIfNegative val="0"/>
+          <c:cat>
+            <c:numRef>
+              <c:f>Sheet1!$A$2</c:f>
+              <c:numCache>
+                <c:formatCode>General</c:formatCode>
+                <c:ptCount val="1"/>
+              </c:numCache>
+            </c:numRef>
+          </c:cat>
+          <c:val>
+            <c:numRef>
+              <c:f>Sheet1!$D$2</c:f>
+              <c:numCache>
+                <c:formatCode>General</c:formatCode>
+                <c:ptCount val="1"/>
+                <c:pt idx="0">
+                  <c:v>0.086</c:v>
+                </c:pt>
+              </c:numCache>
+            </c:numRef>
+          </c:val>
+        </c:ser>
+        <c:dLbls>
+          <c:showLegendKey val="0"/>
+          <c:showVal val="0"/>
+          <c:showCatName val="0"/>
+          <c:showSerName val="0"/>
+          <c:showPercent val="0"/>
+          <c:showBubbleSize val="0"/>
+        </c:dLbls>
+        <c:gapWidth val="219"/>
+        <c:overlap val="-27"/>
+        <c:axId val="1890787040"/>
+        <c:axId val="1890789360"/>
+      </c:barChart>
+      <c:catAx>
+        <c:axId val="1890787040"/>
+        <c:scaling>
+          <c:orientation val="minMax"/>
+        </c:scaling>
+        <c:delete val="0"/>
+        <c:axPos val="b"/>
+        <c:numFmt formatCode="General" sourceLinked="1"/>
+        <c:majorTickMark val="none"/>
+        <c:minorTickMark val="none"/>
+        <c:tickLblPos val="nextTo"/>
+        <c:spPr>
+          <a:noFill/>
+          <a:ln w="9525" cap="flat" cmpd="sng" algn="ctr">
+            <a:solidFill>
+              <a:schemeClr val="tx1">
+                <a:lumMod val="15000"/>
+                <a:lumOff val="85000"/>
+              </a:schemeClr>
+            </a:solidFill>
+            <a:round/>
+          </a:ln>
+          <a:effectLst/>
+        </c:spPr>
+        <c:txPr>
+          <a:bodyPr rot="-60000000" spcFirstLastPara="1" vertOverflow="ellipsis" vert="horz" wrap="square" anchor="ctr" anchorCtr="1"/>
+          <a:lstStyle/>
+          <a:p>
+            <a:pPr>
+              <a:defRPr sz="1197" b="0" i="0" u="none" strike="noStrike" kern="1200" baseline="0">
+                <a:solidFill>
+                  <a:schemeClr val="tx1">
+                    <a:lumMod val="65000"/>
+                    <a:lumOff val="35000"/>
+                  </a:schemeClr>
+                </a:solidFill>
+                <a:latin typeface="+mn-lt"/>
+                <a:ea typeface="+mn-ea"/>
+                <a:cs typeface="+mn-cs"/>
+              </a:defRPr>
+            </a:pPr>
+            <a:endParaRPr lang="en-US"/>
+          </a:p>
+        </c:txPr>
+        <c:crossAx val="1890789360"/>
+        <c:crosses val="autoZero"/>
+        <c:auto val="1"/>
+        <c:lblAlgn val="ctr"/>
+        <c:lblOffset val="100"/>
+        <c:noMultiLvlLbl val="0"/>
+      </c:catAx>
+      <c:valAx>
+        <c:axId val="1890789360"/>
+        <c:scaling>
+          <c:orientation val="minMax"/>
+        </c:scaling>
+        <c:delete val="0"/>
+        <c:axPos val="l"/>
+        <c:majorGridlines>
+          <c:spPr>
+            <a:ln w="9525" cap="flat" cmpd="sng" algn="ctr">
+              <a:solidFill>
+                <a:schemeClr val="tx1">
+                  <a:lumMod val="15000"/>
+                  <a:lumOff val="85000"/>
+                </a:schemeClr>
+              </a:solidFill>
+              <a:round/>
+            </a:ln>
+            <a:effectLst/>
+          </c:spPr>
+        </c:majorGridlines>
+        <c:majorTickMark val="none"/>
+        <c:minorTickMark val="none"/>
+        <c:tickLblPos val="nextTo"/>
+        <c:spPr>
+          <a:noFill/>
+          <a:ln>
+            <a:noFill/>
+          </a:ln>
+          <a:effectLst/>
+        </c:spPr>
+        <c:txPr>
+          <a:bodyPr rot="-60000000" spcFirstLastPara="1" vertOverflow="ellipsis" vert="horz" wrap="square" anchor="ctr" anchorCtr="1"/>
+          <a:lstStyle/>
+          <a:p>
+            <a:pPr>
+              <a:defRPr sz="1197" b="0" i="0" u="none" strike="noStrike" kern="1200" baseline="0">
+                <a:solidFill>
+                  <a:schemeClr val="tx1">
+                    <a:lumMod val="65000"/>
+                    <a:lumOff val="35000"/>
+                  </a:schemeClr>
+                </a:solidFill>
+                <a:latin typeface="+mn-lt"/>
+                <a:ea typeface="+mn-ea"/>
+                <a:cs typeface="+mn-cs"/>
+              </a:defRPr>
+            </a:pPr>
+            <a:endParaRPr lang="en-US"/>
+          </a:p>
+        </c:txPr>
+        <c:crossAx val="1890787040"/>
+        <c:crosses val="autoZero"/>
+        <c:crossBetween val="between"/>
+      </c:valAx>
+      <c:spPr>
+        <a:noFill/>
+        <a:ln>
+          <a:noFill/>
+        </a:ln>
+        <a:effectLst/>
+      </c:spPr>
+    </c:plotArea>
+    <c:legend>
+      <c:legendPos val="b"/>
+      <c:layout/>
+      <c:overlay val="0"/>
+      <c:spPr>
+        <a:noFill/>
+        <a:ln>
+          <a:noFill/>
+        </a:ln>
+        <a:effectLst/>
+      </c:spPr>
+      <c:txPr>
+        <a:bodyPr rot="0" spcFirstLastPara="1" vertOverflow="ellipsis" vert="horz" wrap="square" anchor="ctr" anchorCtr="1"/>
+        <a:lstStyle/>
+        <a:p>
+          <a:pPr>
+            <a:defRPr sz="1197" b="0" i="0" u="none" strike="noStrike" kern="1200" baseline="0">
+              <a:solidFill>
+                <a:schemeClr val="tx1">
+                  <a:lumMod val="65000"/>
+                  <a:lumOff val="35000"/>
+                </a:schemeClr>
+              </a:solidFill>
+              <a:latin typeface="+mn-lt"/>
+              <a:ea typeface="+mn-ea"/>
+              <a:cs typeface="+mn-cs"/>
+            </a:defRPr>
+          </a:pPr>
+          <a:endParaRPr lang="en-US"/>
+        </a:p>
+      </c:txPr>
+    </c:legend>
+    <c:plotVisOnly val="1"/>
+    <c:dispBlanksAs val="gap"/>
+    <c:showDLblsOverMax val="0"/>
+  </c:chart>
+  <c:spPr>
+    <a:noFill/>
+    <a:ln>
+      <a:noFill/>
+    </a:ln>
+    <a:effectLst/>
+  </c:spPr>
+  <c:txPr>
+    <a:bodyPr/>
+    <a:lstStyle/>
+    <a:p>
+      <a:pPr>
+        <a:defRPr/>
+      </a:pPr>
+      <a:endParaRPr lang="en-US"/>
+    </a:p>
+  </c:txPr>
+  <c:externalData r:id="rId3">
+    <c:autoUpdate val="0"/>
+  </c:externalData>
+</c:chartSpace>
+</file>
+
+<file path=ppt/charts/colors1.xml><?xml version="1.0" encoding="utf-8"?>
+<cs:colorStyle xmlns:cs="http://schemas.microsoft.com/office/drawing/2012/chartStyle" xmlns:a="http://schemas.openxmlformats.org/drawingml/2006/main" meth="cycle" id="10">
+  <a:schemeClr val="accent1"/>
+  <a:schemeClr val="accent2"/>
+  <a:schemeClr val="accent3"/>
+  <a:schemeClr val="accent4"/>
+  <a:schemeClr val="accent5"/>
+  <a:schemeClr val="accent6"/>
+  <cs:variation/>
+  <cs:variation>
+    <a:lumMod val="60000"/>
+  </cs:variation>
+  <cs:variation>
+    <a:lumMod val="80000"/>
+    <a:lumOff val="20000"/>
+  </cs:variation>
+  <cs:variation>
+    <a:lumMod val="80000"/>
+  </cs:variation>
+  <cs:variation>
+    <a:lumMod val="60000"/>
+    <a:lumOff val="40000"/>
+  </cs:variation>
+  <cs:variation>
+    <a:lumMod val="50000"/>
+  </cs:variation>
+  <cs:variation>
+    <a:lumMod val="70000"/>
+    <a:lumOff val="30000"/>
+  </cs:variation>
+  <cs:variation>
+    <a:lumMod val="70000"/>
+  </cs:variation>
+  <cs:variation>
+    <a:lumMod val="50000"/>
+    <a:lumOff val="50000"/>
+  </cs:variation>
+</cs:colorStyle>
+</file>
+
+<file path=ppt/charts/style1.xml><?xml version="1.0" encoding="utf-8"?>
+<cs:chartStyle xmlns:cs="http://schemas.microsoft.com/office/drawing/2012/chartStyle" xmlns:a="http://schemas.openxmlformats.org/drawingml/2006/main" id="201">
+  <cs:axisTitle>
+    <cs:lnRef idx="0"/>
+    <cs:fillRef idx="0"/>
+    <cs:effectRef idx="0"/>
+    <cs:fontRef idx="minor">
+      <a:schemeClr val="tx1">
+        <a:lumMod val="65000"/>
+        <a:lumOff val="35000"/>
+      </a:schemeClr>
+    </cs:fontRef>
+    <cs:defRPr sz="1330" kern="1200"/>
+  </cs:axisTitle>
+  <cs:categoryAxis>
+    <cs:lnRef idx="0"/>
+    <cs:fillRef idx="0"/>
+    <cs:effectRef idx="0"/>
+    <cs:fontRef idx="minor">
+      <a:schemeClr val="tx1">
+        <a:lumMod val="65000"/>
+        <a:lumOff val="35000"/>
+      </a:schemeClr>
+    </cs:fontRef>
+    <cs:spPr>
+      <a:ln w="9525" cap="flat" cmpd="sng" algn="ctr">
+        <a:solidFill>
+          <a:schemeClr val="tx1">
+            <a:lumMod val="15000"/>
+            <a:lumOff val="85000"/>
+          </a:schemeClr>
+        </a:solidFill>
+        <a:round/>
+      </a:ln>
+    </cs:spPr>
+    <cs:defRPr sz="1197" kern="1200"/>
+  </cs:categoryAxis>
+  <cs:chartArea mods="allowNoFillOverride allowNoLineOverride">
+    <cs:lnRef idx="0"/>
+    <cs:fillRef idx="0"/>
+    <cs:effectRef idx="0"/>
+    <cs:fontRef idx="minor">
+      <a:schemeClr val="tx1"/>
+    </cs:fontRef>
+    <cs:spPr>
+      <a:solidFill>
+        <a:schemeClr val="bg1"/>
+      </a:solidFill>
+      <a:ln w="9525" cap="flat" cmpd="sng" algn="ctr">
+        <a:solidFill>
+          <a:schemeClr val="tx1">
+            <a:lumMod val="15000"/>
+            <a:lumOff val="85000"/>
+          </a:schemeClr>
+        </a:solidFill>
+        <a:round/>
+      </a:ln>
+    </cs:spPr>
+    <cs:defRPr sz="1330" kern="1200"/>
+  </cs:chartArea>
+  <cs:dataLabel>
+    <cs:lnRef idx="0"/>
+    <cs:fillRef idx="0"/>
+    <cs:effectRef idx="0"/>
+    <cs:fontRef idx="minor">
+      <a:schemeClr val="tx1">
+        <a:lumMod val="75000"/>
+        <a:lumOff val="25000"/>
+      </a:schemeClr>
+    </cs:fontRef>
+    <cs:defRPr sz="1197" kern="1200"/>
+  </cs:dataLabel>
+  <cs:dataLabelCallout>
+    <cs:lnRef idx="0"/>
+    <cs:fillRef idx="0"/>
+    <cs:effectRef idx="0"/>
+    <cs:fontRef idx="minor">
+      <a:schemeClr val="dk1">
+        <a:lumMod val="65000"/>
+        <a:lumOff val="35000"/>
+      </a:schemeClr>
+    </cs:fontRef>
+    <cs:spPr>
+      <a:solidFill>
+        <a:schemeClr val="lt1"/>
+      </a:solidFill>
+      <a:ln>
+        <a:solidFill>
+          <a:schemeClr val="dk1">
+            <a:lumMod val="25000"/>
+            <a:lumOff val="75000"/>
+          </a:schemeClr>
+        </a:solidFill>
+      </a:ln>
+    </cs:spPr>
+    <cs:defRPr sz="1197" kern="1200"/>
+    <cs:bodyPr rot="0" spcFirstLastPara="1" vertOverflow="clip" horzOverflow="clip" vert="horz" wrap="square" lIns="36576" tIns="18288" rIns="36576" bIns="18288" anchor="ctr" anchorCtr="1">
+      <a:spAutoFit/>
+    </cs:bodyPr>
+  </cs:dataLabelCallout>
+  <cs:dataPoint>
+    <cs:lnRef idx="0"/>
+    <cs:fillRef idx="1">
+      <cs:styleClr val="auto"/>
+    </cs:fillRef>
+    <cs:effectRef idx="0"/>
+    <cs:fontRef idx="minor">
+      <a:schemeClr val="tx1"/>
+    </cs:fontRef>
+  </cs:dataPoint>
+  <cs:dataPoint3D>
+    <cs:lnRef idx="0"/>
+    <cs:fillRef idx="1">
+      <cs:styleClr val="auto"/>
+    </cs:fillRef>
+    <cs:effectRef idx="0"/>
+    <cs:fontRef idx="minor">
+      <a:schemeClr val="tx1"/>
+    </cs:fontRef>
+  </cs:dataPoint3D>
+  <cs:dataPointLine>
+    <cs:lnRef idx="0">
+      <cs:styleClr val="auto"/>
+    </cs:lnRef>
+    <cs:fillRef idx="1"/>
+    <cs:effectRef idx="0"/>
+    <cs:fontRef idx="minor">
+      <a:schemeClr val="tx1"/>
+    </cs:fontRef>
+    <cs:spPr>
+      <a:ln w="28575" cap="rnd">
+        <a:solidFill>
+          <a:schemeClr val="phClr"/>
+        </a:solidFill>
+        <a:round/>
+      </a:ln>
+    </cs:spPr>
+  </cs:dataPointLine>
+  <cs:dataPointMarker>
+    <cs:lnRef idx="0">
+      <cs:styleClr val="auto"/>
+    </cs:lnRef>
+    <cs:fillRef idx="1">
+      <cs:styleClr val="auto"/>
+    </cs:fillRef>
+    <cs:effectRef idx="0"/>
+    <cs:fontRef idx="minor">
+      <a:schemeClr val="tx1"/>
+    </cs:fontRef>
+    <cs:spPr>
+      <a:ln w="9525">
+        <a:solidFill>
+          <a:schemeClr val="phClr"/>
+        </a:solidFill>
+      </a:ln>
+    </cs:spPr>
+  </cs:dataPointMarker>
+  <cs:dataPointMarkerLayout symbol="circle" size="5"/>
+  <cs:dataPointWireframe>
+    <cs:lnRef idx="0">
+      <cs:styleClr val="auto"/>
+    </cs:lnRef>
+    <cs:fillRef idx="1"/>
+    <cs:effectRef idx="0"/>
+    <cs:fontRef idx="minor">
+      <a:schemeClr val="tx1"/>
+    </cs:fontRef>
+    <cs:spPr>
+      <a:ln w="9525" cap="rnd">
+        <a:solidFill>
+          <a:schemeClr val="phClr"/>
+        </a:solidFill>
+        <a:round/>
+      </a:ln>
+    </cs:spPr>
+  </cs:dataPointWireframe>
+  <cs:dataTable>
+    <cs:lnRef idx="0"/>
+    <cs:fillRef idx="0"/>
+    <cs:effectRef idx="0"/>
+    <cs:fontRef idx="minor">
+      <a:schemeClr val="tx1">
+        <a:lumMod val="65000"/>
+        <a:lumOff val="35000"/>
+      </a:schemeClr>
+    </cs:fontRef>
+    <cs:spPr>
+      <a:noFill/>
+      <a:ln w="9525" cap="flat" cmpd="sng" algn="ctr">
+        <a:solidFill>
+          <a:schemeClr val="tx1">
+            <a:lumMod val="15000"/>
+            <a:lumOff val="85000"/>
+          </a:schemeClr>
+        </a:solidFill>
+        <a:round/>
+      </a:ln>
+    </cs:spPr>
+    <cs:defRPr sz="1197" kern="1200"/>
+  </cs:dataTable>
+  <cs:downBar>
+    <cs:lnRef idx="0"/>
+    <cs:fillRef idx="0"/>
+    <cs:effectRef idx="0"/>
+    <cs:fontRef idx="minor">
+      <a:schemeClr val="dk1"/>
+    </cs:fontRef>
+    <cs:spPr>
+      <a:solidFill>
+        <a:schemeClr val="dk1">
+          <a:lumMod val="65000"/>
+          <a:lumOff val="35000"/>
+        </a:schemeClr>
+      </a:solidFill>
+      <a:ln w="9525">
+        <a:solidFill>
+          <a:schemeClr val="tx1">
+            <a:lumMod val="65000"/>
+            <a:lumOff val="35000"/>
+          </a:schemeClr>
+        </a:solidFill>
+      </a:ln>
+    </cs:spPr>
+  </cs:downBar>
+  <cs:dropLine>
+    <cs:lnRef idx="0"/>
+    <cs:fillRef idx="0"/>
+    <cs:effectRef idx="0"/>
+    <cs:fontRef idx="minor">
+      <a:schemeClr val="tx1"/>
+    </cs:fontRef>
+    <cs:spPr>
+      <a:ln w="9525" cap="flat" cmpd="sng" algn="ctr">
+        <a:solidFill>
+          <a:schemeClr val="tx1">
+            <a:lumMod val="35000"/>
+            <a:lumOff val="65000"/>
+          </a:schemeClr>
+        </a:solidFill>
+        <a:round/>
+      </a:ln>
+    </cs:spPr>
+  </cs:dropLine>
+  <cs:errorBar>
+    <cs:lnRef idx="0"/>
+    <cs:fillRef idx="0"/>
+    <cs:effectRef idx="0"/>
+    <cs:fontRef idx="minor">
+      <a:schemeClr val="tx1"/>
+    </cs:fontRef>
+    <cs:spPr>
+      <a:ln w="9525" cap="flat" cmpd="sng" algn="ctr">
+        <a:solidFill>
+          <a:schemeClr val="tx1">
+            <a:lumMod val="65000"/>
+            <a:lumOff val="35000"/>
+          </a:schemeClr>
+        </a:solidFill>
+        <a:round/>
+      </a:ln>
+    </cs:spPr>
+  </cs:errorBar>
+  <cs:floor>
+    <cs:lnRef idx="0"/>
+    <cs:fillRef idx="0"/>
+    <cs:effectRef idx="0"/>
+    <cs:fontRef idx="minor">
+      <a:schemeClr val="tx1"/>
+    </cs:fontRef>
+    <cs:spPr>
+      <a:noFill/>
+      <a:ln>
+        <a:noFill/>
+      </a:ln>
+    </cs:spPr>
+  </cs:floor>
+  <cs:gridlineMajor>
+    <cs:lnRef idx="0"/>
+    <cs:fillRef idx="0"/>
+    <cs:effectRef idx="0"/>
+    <cs:fontRef idx="minor">
+      <a:schemeClr val="tx1"/>
+    </cs:fontRef>
+    <cs:spPr>
+      <a:ln w="9525" cap="flat" cmpd="sng" algn="ctr">
+        <a:solidFill>
+          <a:schemeClr val="tx1">
+            <a:lumMod val="15000"/>
+            <a:lumOff val="85000"/>
+          </a:schemeClr>
+        </a:solidFill>
+        <a:round/>
+      </a:ln>
+    </cs:spPr>
+  </cs:gridlineMajor>
+  <cs:gridlineMinor>
+    <cs:lnRef idx="0"/>
+    <cs:fillRef idx="0"/>
+    <cs:effectRef idx="0"/>
+    <cs:fontRef idx="minor">
+      <a:schemeClr val="tx1"/>
+    </cs:fontRef>
+    <cs:spPr>
+      <a:ln w="9525" cap="flat" cmpd="sng" algn="ctr">
+        <a:solidFill>
+          <a:schemeClr val="tx1">
+            <a:lumMod val="5000"/>
+            <a:lumOff val="95000"/>
+          </a:schemeClr>
+        </a:solidFill>
+        <a:round/>
+      </a:ln>
+    </cs:spPr>
+  </cs:gridlineMinor>
+  <cs:hiLoLine>
+    <cs:lnRef idx="0"/>
+    <cs:fillRef idx="0"/>
+    <cs:effectRef idx="0"/>
+    <cs:fontRef idx="minor">
+      <a:schemeClr val="tx1"/>
+    </cs:fontRef>
+    <cs:spPr>
+      <a:ln w="9525" cap="flat" cmpd="sng" algn="ctr">
+        <a:solidFill>
+          <a:schemeClr val="tx1">
+            <a:lumMod val="75000"/>
+            <a:lumOff val="25000"/>
+          </a:schemeClr>
+        </a:solidFill>
+        <a:round/>
+      </a:ln>
+    </cs:spPr>
+  </cs:hiLoLine>
+  <cs:leaderLine>
+    <cs:lnRef idx="0"/>
+    <cs:fillRef idx="0"/>
+    <cs:effectRef idx="0"/>
+    <cs:fontRef idx="minor">
+      <a:schemeClr val="tx1"/>
+    </cs:fontRef>
+    <cs:spPr>
+      <a:ln w="9525" cap="flat" cmpd="sng" algn="ctr">
+        <a:solidFill>
+          <a:schemeClr val="tx1">
+            <a:lumMod val="35000"/>
+            <a:lumOff val="65000"/>
+          </a:schemeClr>
+        </a:solidFill>
+        <a:round/>
+      </a:ln>
+    </cs:spPr>
+  </cs:leaderLine>
+  <cs:legend>
+    <cs:lnRef idx="0"/>
+    <cs:fillRef idx="0"/>
+    <cs:effectRef idx="0"/>
+    <cs:fontRef idx="minor">
+      <a:schemeClr val="tx1">
+        <a:lumMod val="65000"/>
+        <a:lumOff val="35000"/>
+      </a:schemeClr>
+    </cs:fontRef>
+    <cs:defRPr sz="1197" kern="1200"/>
+  </cs:legend>
+  <cs:plotArea mods="allowNoFillOverride allowNoLineOverride">
+    <cs:lnRef idx="0"/>
+    <cs:fillRef idx="0"/>
+    <cs:effectRef idx="0"/>
+    <cs:fontRef idx="minor">
+      <a:schemeClr val="tx1"/>
+    </cs:fontRef>
+  </cs:plotArea>
+  <cs:plotArea3D mods="allowNoFillOverride allowNoLineOverride">
+    <cs:lnRef idx="0"/>
+    <cs:fillRef idx="0"/>
+    <cs:effectRef idx="0"/>
+    <cs:fontRef idx="minor">
+      <a:schemeClr val="tx1"/>
+    </cs:fontRef>
+  </cs:plotArea3D>
+  <cs:seriesAxis>
+    <cs:lnRef idx="0"/>
+    <cs:fillRef idx="0"/>
+    <cs:effectRef idx="0"/>
+    <cs:fontRef idx="minor">
+      <a:schemeClr val="tx1">
+        <a:lumMod val="65000"/>
+        <a:lumOff val="35000"/>
+      </a:schemeClr>
+    </cs:fontRef>
+    <cs:defRPr sz="1197" kern="1200"/>
+  </cs:seriesAxis>
+  <cs:seriesLine>
+    <cs:lnRef idx="0"/>
+    <cs:fillRef idx="0"/>
+    <cs:effectRef idx="0"/>
+    <cs:fontRef idx="minor">
+      <a:schemeClr val="tx1"/>
+    </cs:fontRef>
+    <cs:spPr>
+      <a:ln w="9525" cap="flat" cmpd="sng" algn="ctr">
+        <a:solidFill>
+          <a:schemeClr val="tx1">
+            <a:lumMod val="35000"/>
+            <a:lumOff val="65000"/>
+          </a:schemeClr>
+        </a:solidFill>
+        <a:round/>
+      </a:ln>
+    </cs:spPr>
+  </cs:seriesLine>
+  <cs:title>
+    <cs:lnRef idx="0"/>
+    <cs:fillRef idx="0"/>
+    <cs:effectRef idx="0"/>
+    <cs:fontRef idx="minor">
+      <a:schemeClr val="tx1">
+        <a:lumMod val="65000"/>
+        <a:lumOff val="35000"/>
+      </a:schemeClr>
+    </cs:fontRef>
+    <cs:defRPr sz="1862" b="0" kern="1200" spc="0" baseline="0"/>
+  </cs:title>
+  <cs:trendline>
+    <cs:lnRef idx="0">
+      <cs:styleClr val="auto"/>
+    </cs:lnRef>
+    <cs:fillRef idx="0"/>
+    <cs:effectRef idx="0"/>
+    <cs:fontRef idx="minor">
+      <a:schemeClr val="tx1"/>
+    </cs:fontRef>
+    <cs:spPr>
+      <a:ln w="19050" cap="rnd">
+        <a:solidFill>
+          <a:schemeClr val="phClr"/>
+        </a:solidFill>
+        <a:prstDash val="sysDot"/>
+      </a:ln>
+    </cs:spPr>
+  </cs:trendline>
+  <cs:trendlineLabel>
+    <cs:lnRef idx="0"/>
+    <cs:fillRef idx="0"/>
+    <cs:effectRef idx="0"/>
+    <cs:fontRef idx="minor">
+      <a:schemeClr val="tx1">
+        <a:lumMod val="65000"/>
+        <a:lumOff val="35000"/>
+      </a:schemeClr>
+    </cs:fontRef>
+    <cs:defRPr sz="1197" kern="1200"/>
+  </cs:trendlineLabel>
+  <cs:upBar>
+    <cs:lnRef idx="0"/>
+    <cs:fillRef idx="0"/>
+    <cs:effectRef idx="0"/>
+    <cs:fontRef idx="minor">
+      <a:schemeClr val="dk1"/>
+    </cs:fontRef>
+    <cs:spPr>
+      <a:solidFill>
+        <a:schemeClr val="lt1"/>
+      </a:solidFill>
+      <a:ln w="9525">
+        <a:solidFill>
+          <a:schemeClr val="tx1">
+            <a:lumMod val="15000"/>
+            <a:lumOff val="85000"/>
+          </a:schemeClr>
+        </a:solidFill>
+      </a:ln>
+    </cs:spPr>
+  </cs:upBar>
+  <cs:valueAxis>
+    <cs:lnRef idx="0"/>
+    <cs:fillRef idx="0"/>
+    <cs:effectRef idx="0"/>
+    <cs:fontRef idx="minor">
+      <a:schemeClr val="tx1">
+        <a:lumMod val="65000"/>
+        <a:lumOff val="35000"/>
+      </a:schemeClr>
+    </cs:fontRef>
+    <cs:defRPr sz="1197" kern="1200"/>
+  </cs:valueAxis>
+  <cs:wall>
+    <cs:lnRef idx="0"/>
+    <cs:fillRef idx="0"/>
+    <cs:effectRef idx="0"/>
+    <cs:fontRef idx="minor">
+      <a:schemeClr val="tx1"/>
+    </cs:fontRef>
+    <cs:spPr>
+      <a:noFill/>
+      <a:ln>
+        <a:noFill/>
+      </a:ln>
+    </cs:spPr>
+  </cs:wall>
+</cs:chartStyle>
 </file>
 
 <file path=ppt/diagrams/colors1.xml><?xml version="1.0" encoding="utf-8"?>
@@ -1968,6 +2926,13 @@
         </dgm:presLayoutVars>
       </dgm:prSet>
       <dgm:spPr/>
+      <dgm:t>
+        <a:bodyPr/>
+        <a:lstStyle/>
+        <a:p>
+          <a:endParaRPr lang="en-US"/>
+        </a:p>
+      </dgm:t>
     </dgm:pt>
     <dgm:pt modelId="{5F5DECE6-56AB-E141-8CEC-1B88DEEB5757}" type="pres">
       <dgm:prSet presAssocID="{C7D20305-062E-AA43-80B7-BB8057F0D48C}" presName="composite" presStyleCnt="0"/>
@@ -1982,10 +2947,24 @@
         </dgm:presLayoutVars>
       </dgm:prSet>
       <dgm:spPr/>
+      <dgm:t>
+        <a:bodyPr/>
+        <a:lstStyle/>
+        <a:p>
+          <a:endParaRPr lang="en-US"/>
+        </a:p>
+      </dgm:t>
     </dgm:pt>
     <dgm:pt modelId="{2CEE873A-1DC1-EA4F-B880-48BC48CCC002}" type="pres">
       <dgm:prSet presAssocID="{C7D20305-062E-AA43-80B7-BB8057F0D48C}" presName="parSh" presStyleLbl="node1" presStyleIdx="0" presStyleCnt="5"/>
       <dgm:spPr/>
+      <dgm:t>
+        <a:bodyPr/>
+        <a:lstStyle/>
+        <a:p>
+          <a:endParaRPr lang="en-US"/>
+        </a:p>
+      </dgm:t>
     </dgm:pt>
     <dgm:pt modelId="{820BD4EC-A137-7F4D-86B7-F0C000DC288C}" type="pres">
       <dgm:prSet presAssocID="{C7D20305-062E-AA43-80B7-BB8057F0D48C}" presName="desTx" presStyleLbl="fgAcc1" presStyleIdx="0" presStyleCnt="5">
@@ -2005,10 +2984,24 @@
     <dgm:pt modelId="{F90B3326-971A-BE41-A198-68596959762C}" type="pres">
       <dgm:prSet presAssocID="{678E93EC-E4A6-D349-8AEE-B9A9F703E082}" presName="sibTrans" presStyleLbl="sibTrans2D1" presStyleIdx="0" presStyleCnt="4"/>
       <dgm:spPr/>
+      <dgm:t>
+        <a:bodyPr/>
+        <a:lstStyle/>
+        <a:p>
+          <a:endParaRPr lang="en-US"/>
+        </a:p>
+      </dgm:t>
     </dgm:pt>
     <dgm:pt modelId="{AABD0DAB-AEAA-1F40-8ADA-60102D990865}" type="pres">
       <dgm:prSet presAssocID="{678E93EC-E4A6-D349-8AEE-B9A9F703E082}" presName="connTx" presStyleLbl="sibTrans2D1" presStyleIdx="0" presStyleCnt="4"/>
       <dgm:spPr/>
+      <dgm:t>
+        <a:bodyPr/>
+        <a:lstStyle/>
+        <a:p>
+          <a:endParaRPr lang="en-US"/>
+        </a:p>
+      </dgm:t>
     </dgm:pt>
     <dgm:pt modelId="{5269ACA5-ACA3-E247-BF8C-9AB660B79227}" type="pres">
       <dgm:prSet presAssocID="{F9EC990D-B97F-1149-A8A9-8E88AA4447DD}" presName="composite" presStyleCnt="0"/>
@@ -2023,10 +3016,24 @@
         </dgm:presLayoutVars>
       </dgm:prSet>
       <dgm:spPr/>
+      <dgm:t>
+        <a:bodyPr/>
+        <a:lstStyle/>
+        <a:p>
+          <a:endParaRPr lang="en-US"/>
+        </a:p>
+      </dgm:t>
     </dgm:pt>
     <dgm:pt modelId="{A0E639DA-5188-5141-84AC-E8EEDE912C54}" type="pres">
       <dgm:prSet presAssocID="{F9EC990D-B97F-1149-A8A9-8E88AA4447DD}" presName="parSh" presStyleLbl="node1" presStyleIdx="1" presStyleCnt="5"/>
       <dgm:spPr/>
+      <dgm:t>
+        <a:bodyPr/>
+        <a:lstStyle/>
+        <a:p>
+          <a:endParaRPr lang="en-US"/>
+        </a:p>
+      </dgm:t>
     </dgm:pt>
     <dgm:pt modelId="{61FA27BC-CDBA-BB43-9A80-FD4E1E9C00B5}" type="pres">
       <dgm:prSet presAssocID="{F9EC990D-B97F-1149-A8A9-8E88AA4447DD}" presName="desTx" presStyleLbl="fgAcc1" presStyleIdx="1" presStyleCnt="5">
@@ -2057,6 +3064,13 @@
     <dgm:pt modelId="{BBFA2221-21CF-CC41-8E09-C94ACAC75265}" type="pres">
       <dgm:prSet presAssocID="{654BED99-263D-5349-9A26-7AFE524E62ED}" presName="connTx" presStyleLbl="sibTrans2D1" presStyleIdx="1" presStyleCnt="4"/>
       <dgm:spPr/>
+      <dgm:t>
+        <a:bodyPr/>
+        <a:lstStyle/>
+        <a:p>
+          <a:endParaRPr lang="en-US"/>
+        </a:p>
+      </dgm:t>
     </dgm:pt>
     <dgm:pt modelId="{AC3FF46A-A0B6-6445-AE97-066AFC240A50}" type="pres">
       <dgm:prSet presAssocID="{043AA1FF-C178-B745-B706-ABC0876F47FA}" presName="composite" presStyleCnt="0"/>
@@ -2108,10 +3122,24 @@
     <dgm:pt modelId="{F53B34AC-23A3-2D4F-9202-86D00B42F93B}" type="pres">
       <dgm:prSet presAssocID="{B0C82D74-FD12-1949-9880-C17F9F28F6D3}" presName="sibTrans" presStyleLbl="sibTrans2D1" presStyleIdx="2" presStyleCnt="4"/>
       <dgm:spPr/>
+      <dgm:t>
+        <a:bodyPr/>
+        <a:lstStyle/>
+        <a:p>
+          <a:endParaRPr lang="en-US"/>
+        </a:p>
+      </dgm:t>
     </dgm:pt>
     <dgm:pt modelId="{771D56DF-F2E4-9541-A3DD-A89BDB2A79B9}" type="pres">
       <dgm:prSet presAssocID="{B0C82D74-FD12-1949-9880-C17F9F28F6D3}" presName="connTx" presStyleLbl="sibTrans2D1" presStyleIdx="2" presStyleCnt="4"/>
       <dgm:spPr/>
+      <dgm:t>
+        <a:bodyPr/>
+        <a:lstStyle/>
+        <a:p>
+          <a:endParaRPr lang="en-US"/>
+        </a:p>
+      </dgm:t>
     </dgm:pt>
     <dgm:pt modelId="{BB91C52F-B441-324D-96AE-761E6E53F3B4}" type="pres">
       <dgm:prSet presAssocID="{99F8A0B1-57CD-9D48-B599-CA85048EFFDC}" presName="composite" presStyleCnt="0"/>
@@ -2126,10 +3154,24 @@
         </dgm:presLayoutVars>
       </dgm:prSet>
       <dgm:spPr/>
+      <dgm:t>
+        <a:bodyPr/>
+        <a:lstStyle/>
+        <a:p>
+          <a:endParaRPr lang="en-US"/>
+        </a:p>
+      </dgm:t>
     </dgm:pt>
     <dgm:pt modelId="{6941DC78-4DEF-DD4A-8D9D-051918BA99F3}" type="pres">
       <dgm:prSet presAssocID="{99F8A0B1-57CD-9D48-B599-CA85048EFFDC}" presName="parSh" presStyleLbl="node1" presStyleIdx="3" presStyleCnt="5"/>
       <dgm:spPr/>
+      <dgm:t>
+        <a:bodyPr/>
+        <a:lstStyle/>
+        <a:p>
+          <a:endParaRPr lang="en-US"/>
+        </a:p>
+      </dgm:t>
     </dgm:pt>
     <dgm:pt modelId="{1E01EB3E-04B7-5347-91D8-C8C56D34711B}" type="pres">
       <dgm:prSet presAssocID="{99F8A0B1-57CD-9D48-B599-CA85048EFFDC}" presName="desTx" presStyleLbl="fgAcc1" presStyleIdx="3" presStyleCnt="5">
@@ -2138,14 +3180,35 @@
         </dgm:presLayoutVars>
       </dgm:prSet>
       <dgm:spPr/>
+      <dgm:t>
+        <a:bodyPr/>
+        <a:lstStyle/>
+        <a:p>
+          <a:endParaRPr lang="en-US"/>
+        </a:p>
+      </dgm:t>
     </dgm:pt>
     <dgm:pt modelId="{C2D3F0FA-A42B-CC44-A62E-757EA42F77D3}" type="pres">
       <dgm:prSet presAssocID="{3E5B351E-E986-E64F-9081-16A76CA41048}" presName="sibTrans" presStyleLbl="sibTrans2D1" presStyleIdx="3" presStyleCnt="4"/>
       <dgm:spPr/>
+      <dgm:t>
+        <a:bodyPr/>
+        <a:lstStyle/>
+        <a:p>
+          <a:endParaRPr lang="en-US"/>
+        </a:p>
+      </dgm:t>
     </dgm:pt>
     <dgm:pt modelId="{CDC437F4-F716-F041-8365-B7C06B2ECC60}" type="pres">
       <dgm:prSet presAssocID="{3E5B351E-E986-E64F-9081-16A76CA41048}" presName="connTx" presStyleLbl="sibTrans2D1" presStyleIdx="3" presStyleCnt="4"/>
       <dgm:spPr/>
+      <dgm:t>
+        <a:bodyPr/>
+        <a:lstStyle/>
+        <a:p>
+          <a:endParaRPr lang="en-US"/>
+        </a:p>
+      </dgm:t>
     </dgm:pt>
     <dgm:pt modelId="{908A7833-FFFA-2144-B6C1-408AE6614192}" type="pres">
       <dgm:prSet presAssocID="{60FF0778-8468-384F-9024-1DC74618611E}" presName="composite" presStyleCnt="0"/>
@@ -2160,10 +3223,24 @@
         </dgm:presLayoutVars>
       </dgm:prSet>
       <dgm:spPr/>
+      <dgm:t>
+        <a:bodyPr/>
+        <a:lstStyle/>
+        <a:p>
+          <a:endParaRPr lang="en-US"/>
+        </a:p>
+      </dgm:t>
     </dgm:pt>
     <dgm:pt modelId="{577C30F7-C311-CB4C-B159-607894FE7458}" type="pres">
       <dgm:prSet presAssocID="{60FF0778-8468-384F-9024-1DC74618611E}" presName="parSh" presStyleLbl="node1" presStyleIdx="4" presStyleCnt="5"/>
       <dgm:spPr/>
+      <dgm:t>
+        <a:bodyPr/>
+        <a:lstStyle/>
+        <a:p>
+          <a:endParaRPr lang="en-US"/>
+        </a:p>
+      </dgm:t>
     </dgm:pt>
     <dgm:pt modelId="{C4D24326-2744-914E-B7BB-DE059C964BB4}" type="pres">
       <dgm:prSet presAssocID="{60FF0778-8468-384F-9024-1DC74618611E}" presName="desTx" presStyleLbl="fgAcc1" presStyleIdx="4" presStyleCnt="5">
@@ -2191,8 +3268,8 @@
     <dgm:cxn modelId="{0F51D13F-36EC-264A-BB59-8273F32A8657}" type="presOf" srcId="{60FF0778-8468-384F-9024-1DC74618611E}" destId="{F62286F1-983E-FE43-812E-8641F9AFF6FA}" srcOrd="0" destOrd="0" presId="urn:microsoft.com/office/officeart/2005/8/layout/process3"/>
     <dgm:cxn modelId="{A7304B50-9A59-834A-B798-24D20DDDB745}" srcId="{2CAF6568-E9EA-4341-8356-5BD887BDFAAF}" destId="{60FF0778-8468-384F-9024-1DC74618611E}" srcOrd="4" destOrd="0" parTransId="{0DC2D339-1938-E848-9E2A-30B9696DD548}" sibTransId="{12633E25-3ECA-8842-9FE7-C8E593F50F3D}"/>
     <dgm:cxn modelId="{21E8CBEB-067A-B74F-8FC5-FB367C2C1241}" srcId="{043AA1FF-C178-B745-B706-ABC0876F47FA}" destId="{86E10BE3-3ABF-6E4D-93A0-6C58DE3A0F62}" srcOrd="0" destOrd="0" parTransId="{F66753BD-EEBE-0D44-BE93-070AA45574C9}" sibTransId="{C2062D52-9063-C845-B809-89B7C140C582}"/>
+    <dgm:cxn modelId="{8F2D74DF-521A-8C48-8BD0-29318AECF975}" srcId="{60FF0778-8468-384F-9024-1DC74618611E}" destId="{3AEB93F6-1713-BA46-8A37-663F54BECDB0}" srcOrd="0" destOrd="0" parTransId="{2AB43063-CDEA-7645-A444-C4126C7C93CF}" sibTransId="{C4157D96-F39C-5543-A200-7EBCD8C139C5}"/>
     <dgm:cxn modelId="{B89A3F71-95EB-3B4B-A4D6-C9CDEBB8E201}" type="presOf" srcId="{86E10BE3-3ABF-6E4D-93A0-6C58DE3A0F62}" destId="{32E1DD20-A810-804D-AA57-E472D043C530}" srcOrd="0" destOrd="0" presId="urn:microsoft.com/office/officeart/2005/8/layout/process3"/>
-    <dgm:cxn modelId="{8F2D74DF-521A-8C48-8BD0-29318AECF975}" srcId="{60FF0778-8468-384F-9024-1DC74618611E}" destId="{3AEB93F6-1713-BA46-8A37-663F54BECDB0}" srcOrd="0" destOrd="0" parTransId="{2AB43063-CDEA-7645-A444-C4126C7C93CF}" sibTransId="{C4157D96-F39C-5543-A200-7EBCD8C139C5}"/>
     <dgm:cxn modelId="{BB1F41C5-C0BB-E64A-BE2F-7EE4AAE4460B}" srcId="{2CAF6568-E9EA-4341-8356-5BD887BDFAAF}" destId="{F9EC990D-B97F-1149-A8A9-8E88AA4447DD}" srcOrd="1" destOrd="0" parTransId="{5D2D3679-C363-C04C-9667-8C299BB0E0B3}" sibTransId="{654BED99-263D-5349-9A26-7AFE524E62ED}"/>
     <dgm:cxn modelId="{A03A7317-FA00-3F44-A17B-EF453D391165}" type="presOf" srcId="{F9EC990D-B97F-1149-A8A9-8E88AA4447DD}" destId="{A0E639DA-5188-5141-84AC-E8EEDE912C54}" srcOrd="1" destOrd="0" presId="urn:microsoft.com/office/officeart/2005/8/layout/process3"/>
     <dgm:cxn modelId="{D27D2C02-6720-2642-B277-02E90311AEB9}" type="presOf" srcId="{654BED99-263D-5349-9A26-7AFE524E62ED}" destId="{BBFA2221-21CF-CC41-8E09-C94ACAC75265}" srcOrd="1" destOrd="0" presId="urn:microsoft.com/office/officeart/2005/8/layout/process3"/>
@@ -2734,6 +3811,13 @@
         </dgm:presLayoutVars>
       </dgm:prSet>
       <dgm:spPr/>
+      <dgm:t>
+        <a:bodyPr/>
+        <a:lstStyle/>
+        <a:p>
+          <a:endParaRPr lang="en-US"/>
+        </a:p>
+      </dgm:t>
     </dgm:pt>
     <dgm:pt modelId="{F8EFB1EF-3A6E-6441-BC43-3A66F645DEB2}" type="pres">
       <dgm:prSet presAssocID="{399C817B-8F5C-AB49-9805-C90F10AA361D}" presName="compNode" presStyleCnt="0"/>
@@ -2777,6 +3861,13 @@
         </dgm:presLayoutVars>
       </dgm:prSet>
       <dgm:spPr/>
+      <dgm:t>
+        <a:bodyPr/>
+        <a:lstStyle/>
+        <a:p>
+          <a:endParaRPr lang="en-US"/>
+        </a:p>
+      </dgm:t>
     </dgm:pt>
     <dgm:pt modelId="{AB67A4D5-E113-7244-B68C-74B1B82BAD36}" type="pres">
       <dgm:prSet presAssocID="{399C817B-8F5C-AB49-9805-C90F10AA361D}" presName="aSpace" presStyleCnt="0"/>
@@ -2824,6 +3915,13 @@
         </dgm:presLayoutVars>
       </dgm:prSet>
       <dgm:spPr/>
+      <dgm:t>
+        <a:bodyPr/>
+        <a:lstStyle/>
+        <a:p>
+          <a:endParaRPr lang="en-US"/>
+        </a:p>
+      </dgm:t>
     </dgm:pt>
     <dgm:pt modelId="{FC860023-2D01-1142-8392-038B408C6BDF}" type="pres">
       <dgm:prSet presAssocID="{EB89D8EC-E05A-434D-B734-3B23DBAF51E8}" presName="aSpace" presStyleCnt="0"/>
@@ -2925,6 +4023,13 @@
         </dgm:presLayoutVars>
       </dgm:prSet>
       <dgm:spPr/>
+      <dgm:t>
+        <a:bodyPr/>
+        <a:lstStyle/>
+        <a:p>
+          <a:endParaRPr lang="en-US"/>
+        </a:p>
+      </dgm:t>
     </dgm:pt>
     <dgm:pt modelId="{53BB14C4-FAC9-194D-811B-2A7A543C48BF}" type="pres">
       <dgm:prSet presAssocID="{C3904F83-22D3-044D-AAD6-E95582D207A5}" presName="aSpace" presStyleCnt="0"/>
@@ -3054,8 +4159,8 @@
     <dgm:cxn modelId="{4C57DCAA-7147-A54C-864A-B309FDAA48FB}" srcId="{C3904F83-22D3-044D-AAD6-E95582D207A5}" destId="{50DF17A7-2026-0242-8175-6F47B4390974}" srcOrd="0" destOrd="0" parTransId="{3C5D6C04-5745-E64C-9F44-A5D9F396C943}" sibTransId="{DE247417-5163-9144-BB87-B48FC1FF7B20}"/>
     <dgm:cxn modelId="{00253FBF-7FDD-024D-82C7-0D83D577DC0A}" srcId="{EAD63E08-3579-0241-A4F4-89A86CD6F932}" destId="{8D2BC512-A0A7-2B4E-8E42-73E0DD0C39BB}" srcOrd="0" destOrd="0" parTransId="{B146CBD4-A3E6-3643-97DD-DAF2A2F7A7C5}" sibTransId="{9BEB4A5B-E6FD-9B40-ACBE-59B185E2025C}"/>
     <dgm:cxn modelId="{20EE9797-1F93-4B4E-8682-D9E86A8AE0F8}" type="presOf" srcId="{50DF17A7-2026-0242-8175-6F47B4390974}" destId="{5D1B6395-72A0-E842-B897-CA9E16F06162}" srcOrd="1" destOrd="0" presId="urn:microsoft.com/office/officeart/2005/8/layout/hProcess6"/>
+    <dgm:cxn modelId="{CAF1FC9A-0445-B645-903C-8A956A71CE96}" srcId="{6B00F5A9-65B7-BE47-AB18-040749EA853E}" destId="{399C817B-8F5C-AB49-9805-C90F10AA361D}" srcOrd="0" destOrd="0" parTransId="{8664D9E4-4FC6-FC47-AF69-DC7A9E1E14AD}" sibTransId="{35CE221C-07D5-DC4B-B571-A4E40565D721}"/>
     <dgm:cxn modelId="{7324A8C2-F842-CC46-89BF-726C048979AF}" type="presOf" srcId="{E2112E71-AF84-EB4F-8F3B-F07A14347353}" destId="{626EEDF6-F89D-B645-B35C-8BEDE548FECD}" srcOrd="1" destOrd="0" presId="urn:microsoft.com/office/officeart/2005/8/layout/hProcess6"/>
-    <dgm:cxn modelId="{CAF1FC9A-0445-B645-903C-8A956A71CE96}" srcId="{6B00F5A9-65B7-BE47-AB18-040749EA853E}" destId="{399C817B-8F5C-AB49-9805-C90F10AA361D}" srcOrd="0" destOrd="0" parTransId="{8664D9E4-4FC6-FC47-AF69-DC7A9E1E14AD}" sibTransId="{35CE221C-07D5-DC4B-B571-A4E40565D721}"/>
     <dgm:cxn modelId="{7CD393F8-08A5-9042-9E39-28B4240AB6D3}" srcId="{6B00F5A9-65B7-BE47-AB18-040749EA853E}" destId="{EAD63E08-3579-0241-A4F4-89A86CD6F932}" srcOrd="5" destOrd="0" parTransId="{78CFCAA1-3D91-9946-8353-3977E829E800}" sibTransId="{A813B251-1B5E-2446-AEF0-45EF73E306BC}"/>
     <dgm:cxn modelId="{69B4BEFF-36C1-E84A-ACB5-65014ED032F6}" srcId="{6B00F5A9-65B7-BE47-AB18-040749EA853E}" destId="{EB89D8EC-E05A-434D-B734-3B23DBAF51E8}" srcOrd="1" destOrd="0" parTransId="{3579E35C-B6FF-A944-BC7C-22E87FDC2043}" sibTransId="{7A4C4A6A-BB5E-9E41-A094-9E11D134DE81}"/>
     <dgm:cxn modelId="{E9BAEE00-7B08-1C4C-880B-5E05BBB61E99}" type="presOf" srcId="{B2508055-7A2E-0642-8DAA-D92AA853346C}" destId="{F1DCD5BA-F1F9-A148-89D7-FE46F4D152B3}" srcOrd="0" destOrd="0" presId="urn:microsoft.com/office/officeart/2005/8/layout/hProcess6"/>
@@ -3288,7 +4393,7 @@
             <a:spcAft>
               <a:spcPct val="15000"/>
             </a:spcAft>
-            <a:buChar char="••"/>
+            <a:buChar char="•"/>
           </a:pPr>
           <a:r>
             <a:rPr lang="en-US" sz="1400" kern="1200" dirty="0" smtClean="0"/>
@@ -3570,7 +4675,7 @@
             <a:spcAft>
               <a:spcPct val="15000"/>
             </a:spcAft>
-            <a:buChar char="••"/>
+            <a:buChar char="•"/>
           </a:pPr>
           <a:r>
             <a:rPr lang="en-US" sz="1400" kern="1200" dirty="0" smtClean="0"/>
@@ -3852,7 +4957,7 @@
             <a:spcAft>
               <a:spcPct val="15000"/>
             </a:spcAft>
-            <a:buChar char="••"/>
+            <a:buChar char="•"/>
           </a:pPr>
           <a:r>
             <a:rPr lang="en-US" sz="1400" kern="1200" dirty="0" smtClean="0"/>
@@ -4134,7 +5239,7 @@
             <a:spcAft>
               <a:spcPct val="15000"/>
             </a:spcAft>
-            <a:buChar char="••"/>
+            <a:buChar char="•"/>
           </a:pPr>
           <a:r>
             <a:rPr lang="en-US" sz="1400" kern="1200" dirty="0" smtClean="0"/>
@@ -4416,7 +5521,7 @@
             <a:spcAft>
               <a:spcPct val="15000"/>
             </a:spcAft>
-            <a:buChar char="••"/>
+            <a:buChar char="•"/>
           </a:pPr>
           <a:r>
             <a:rPr lang="en-US" sz="1400" kern="1200" dirty="0" smtClean="0"/>
@@ -8213,6 +9318,440 @@
 </dgm:styleDef>
 </file>
 
+<file path=ppt/notesMasters/notesMaster1.xml><?xml version="1.0" encoding="utf-8"?>
+<p:notesMaster xmlns:a="http://schemas.openxmlformats.org/drawingml/2006/main" xmlns:r="http://schemas.openxmlformats.org/officeDocument/2006/relationships" xmlns:p="http://schemas.openxmlformats.org/presentationml/2006/main">
+  <p:cSld>
+    <p:bg>
+      <p:bgRef idx="1001">
+        <a:schemeClr val="bg1"/>
+      </p:bgRef>
+    </p:bg>
+    <p:spTree>
+      <p:nvGrpSpPr>
+        <p:cNvPr id="1" name=""/>
+        <p:cNvGrpSpPr/>
+        <p:nvPr/>
+      </p:nvGrpSpPr>
+      <p:grpSpPr>
+        <a:xfrm>
+          <a:off x="0" y="0"/>
+          <a:ext cx="0" cy="0"/>
+          <a:chOff x="0" y="0"/>
+          <a:chExt cx="0" cy="0"/>
+        </a:xfrm>
+      </p:grpSpPr>
+      <p:sp>
+        <p:nvSpPr>
+          <p:cNvPr id="2" name="Header Placeholder 1"/>
+          <p:cNvSpPr>
+            <a:spLocks noGrp="1"/>
+          </p:cNvSpPr>
+          <p:nvPr>
+            <p:ph type="hdr" sz="quarter"/>
+          </p:nvPr>
+        </p:nvSpPr>
+        <p:spPr>
+          <a:xfrm>
+            <a:off x="0" y="0"/>
+            <a:ext cx="2971800" cy="458788"/>
+          </a:xfrm>
+          <a:prstGeom prst="rect">
+            <a:avLst/>
+          </a:prstGeom>
+        </p:spPr>
+        <p:txBody>
+          <a:bodyPr vert="horz" lIns="91440" tIns="45720" rIns="91440" bIns="45720" rtlCol="0"/>
+          <a:lstStyle>
+            <a:lvl1pPr algn="l">
+              <a:defRPr sz="1200"/>
+            </a:lvl1pPr>
+          </a:lstStyle>
+          <a:p>
+            <a:endParaRPr lang="en-US"/>
+          </a:p>
+        </p:txBody>
+      </p:sp>
+      <p:sp>
+        <p:nvSpPr>
+          <p:cNvPr id="3" name="Date Placeholder 2"/>
+          <p:cNvSpPr>
+            <a:spLocks noGrp="1"/>
+          </p:cNvSpPr>
+          <p:nvPr>
+            <p:ph type="dt" idx="1"/>
+          </p:nvPr>
+        </p:nvSpPr>
+        <p:spPr>
+          <a:xfrm>
+            <a:off x="3884613" y="0"/>
+            <a:ext cx="2971800" cy="458788"/>
+          </a:xfrm>
+          <a:prstGeom prst="rect">
+            <a:avLst/>
+          </a:prstGeom>
+        </p:spPr>
+        <p:txBody>
+          <a:bodyPr vert="horz" lIns="91440" tIns="45720" rIns="91440" bIns="45720" rtlCol="0"/>
+          <a:lstStyle>
+            <a:lvl1pPr algn="r">
+              <a:defRPr sz="1200"/>
+            </a:lvl1pPr>
+          </a:lstStyle>
+          <a:p>
+            <a:fld id="{CCFAD113-D016-A949-A671-595EC1D4BEB7}" type="datetimeFigureOut">
+              <a:rPr lang="en-US" smtClean="0"/>
+              <a:t>1/15/18</a:t>
+            </a:fld>
+            <a:endParaRPr lang="en-US"/>
+          </a:p>
+        </p:txBody>
+      </p:sp>
+      <p:sp>
+        <p:nvSpPr>
+          <p:cNvPr id="4" name="Slide Image Placeholder 3"/>
+          <p:cNvSpPr>
+            <a:spLocks noGrp="1" noRot="1" noChangeAspect="1"/>
+          </p:cNvSpPr>
+          <p:nvPr>
+            <p:ph type="sldImg" idx="2"/>
+          </p:nvPr>
+        </p:nvSpPr>
+        <p:spPr>
+          <a:xfrm>
+            <a:off x="685800" y="1143000"/>
+            <a:ext cx="5486400" cy="3086100"/>
+          </a:xfrm>
+          <a:prstGeom prst="rect">
+            <a:avLst/>
+          </a:prstGeom>
+          <a:noFill/>
+          <a:ln w="12700">
+            <a:solidFill>
+              <a:prstClr val="black"/>
+            </a:solidFill>
+          </a:ln>
+        </p:spPr>
+        <p:txBody>
+          <a:bodyPr vert="horz" lIns="91440" tIns="45720" rIns="91440" bIns="45720" rtlCol="0" anchor="ctr"/>
+          <a:lstStyle/>
+          <a:p>
+            <a:endParaRPr lang="en-US"/>
+          </a:p>
+        </p:txBody>
+      </p:sp>
+      <p:sp>
+        <p:nvSpPr>
+          <p:cNvPr id="5" name="Notes Placeholder 4"/>
+          <p:cNvSpPr>
+            <a:spLocks noGrp="1"/>
+          </p:cNvSpPr>
+          <p:nvPr>
+            <p:ph type="body" sz="quarter" idx="3"/>
+          </p:nvPr>
+        </p:nvSpPr>
+        <p:spPr>
+          <a:xfrm>
+            <a:off x="685800" y="4400550"/>
+            <a:ext cx="5486400" cy="3600450"/>
+          </a:xfrm>
+          <a:prstGeom prst="rect">
+            <a:avLst/>
+          </a:prstGeom>
+        </p:spPr>
+        <p:txBody>
+          <a:bodyPr vert="horz" lIns="91440" tIns="45720" rIns="91440" bIns="45720" rtlCol="0"/>
+          <a:lstStyle/>
+          <a:p>
+            <a:pPr lvl="0"/>
+            <a:r>
+              <a:rPr lang="en-US" smtClean="0"/>
+              <a:t>Click to edit Master text styles</a:t>
+            </a:r>
+          </a:p>
+          <a:p>
+            <a:pPr lvl="1"/>
+            <a:r>
+              <a:rPr lang="en-US" smtClean="0"/>
+              <a:t>Second level</a:t>
+            </a:r>
+          </a:p>
+          <a:p>
+            <a:pPr lvl="2"/>
+            <a:r>
+              <a:rPr lang="en-US" smtClean="0"/>
+              <a:t>Third level</a:t>
+            </a:r>
+          </a:p>
+          <a:p>
+            <a:pPr lvl="3"/>
+            <a:r>
+              <a:rPr lang="en-US" smtClean="0"/>
+              <a:t>Fourth level</a:t>
+            </a:r>
+          </a:p>
+          <a:p>
+            <a:pPr lvl="4"/>
+            <a:r>
+              <a:rPr lang="en-US" smtClean="0"/>
+              <a:t>Fifth level</a:t>
+            </a:r>
+            <a:endParaRPr lang="en-US"/>
+          </a:p>
+        </p:txBody>
+      </p:sp>
+      <p:sp>
+        <p:nvSpPr>
+          <p:cNvPr id="6" name="Footer Placeholder 5"/>
+          <p:cNvSpPr>
+            <a:spLocks noGrp="1"/>
+          </p:cNvSpPr>
+          <p:nvPr>
+            <p:ph type="ftr" sz="quarter" idx="4"/>
+          </p:nvPr>
+        </p:nvSpPr>
+        <p:spPr>
+          <a:xfrm>
+            <a:off x="0" y="8685213"/>
+            <a:ext cx="2971800" cy="458787"/>
+          </a:xfrm>
+          <a:prstGeom prst="rect">
+            <a:avLst/>
+          </a:prstGeom>
+        </p:spPr>
+        <p:txBody>
+          <a:bodyPr vert="horz" lIns="91440" tIns="45720" rIns="91440" bIns="45720" rtlCol="0" anchor="b"/>
+          <a:lstStyle>
+            <a:lvl1pPr algn="l">
+              <a:defRPr sz="1200"/>
+            </a:lvl1pPr>
+          </a:lstStyle>
+          <a:p>
+            <a:endParaRPr lang="en-US"/>
+          </a:p>
+        </p:txBody>
+      </p:sp>
+      <p:sp>
+        <p:nvSpPr>
+          <p:cNvPr id="7" name="Slide Number Placeholder 6"/>
+          <p:cNvSpPr>
+            <a:spLocks noGrp="1"/>
+          </p:cNvSpPr>
+          <p:nvPr>
+            <p:ph type="sldNum" sz="quarter" idx="5"/>
+          </p:nvPr>
+        </p:nvSpPr>
+        <p:spPr>
+          <a:xfrm>
+            <a:off x="3884613" y="8685213"/>
+            <a:ext cx="2971800" cy="458787"/>
+          </a:xfrm>
+          <a:prstGeom prst="rect">
+            <a:avLst/>
+          </a:prstGeom>
+        </p:spPr>
+        <p:txBody>
+          <a:bodyPr vert="horz" lIns="91440" tIns="45720" rIns="91440" bIns="45720" rtlCol="0" anchor="b"/>
+          <a:lstStyle>
+            <a:lvl1pPr algn="r">
+              <a:defRPr sz="1200"/>
+            </a:lvl1pPr>
+          </a:lstStyle>
+          <a:p>
+            <a:fld id="{BAB88F4D-3CE0-4E4A-8EB1-D5493B0CD771}" type="slidenum">
+              <a:rPr lang="en-US" smtClean="0"/>
+              <a:t>‹#›</a:t>
+            </a:fld>
+            <a:endParaRPr lang="en-US"/>
+          </a:p>
+        </p:txBody>
+      </p:sp>
+    </p:spTree>
+    <p:extLst>
+      <p:ext uri="{BB962C8B-B14F-4D97-AF65-F5344CB8AC3E}">
+        <p14:creationId xmlns:p14="http://schemas.microsoft.com/office/powerpoint/2010/main" val="2107241272"/>
+      </p:ext>
+    </p:extLst>
+  </p:cSld>
+  <p:clrMap bg1="lt1" tx1="dk1" bg2="lt2" tx2="dk2" accent1="accent1" accent2="accent2" accent3="accent3" accent4="accent4" accent5="accent5" accent6="accent6" hlink="hlink" folHlink="folHlink"/>
+  <p:notesStyle>
+    <a:lvl1pPr marL="0" algn="l" defTabSz="914400" rtl="0" eaLnBrk="1" latinLnBrk="0" hangingPunct="1">
+      <a:defRPr sz="1200" kern="1200">
+        <a:solidFill>
+          <a:schemeClr val="tx1"/>
+        </a:solidFill>
+        <a:latin typeface="+mn-lt"/>
+        <a:ea typeface="+mn-ea"/>
+        <a:cs typeface="+mn-cs"/>
+      </a:defRPr>
+    </a:lvl1pPr>
+    <a:lvl2pPr marL="457200" algn="l" defTabSz="914400" rtl="0" eaLnBrk="1" latinLnBrk="0" hangingPunct="1">
+      <a:defRPr sz="1200" kern="1200">
+        <a:solidFill>
+          <a:schemeClr val="tx1"/>
+        </a:solidFill>
+        <a:latin typeface="+mn-lt"/>
+        <a:ea typeface="+mn-ea"/>
+        <a:cs typeface="+mn-cs"/>
+      </a:defRPr>
+    </a:lvl2pPr>
+    <a:lvl3pPr marL="914400" algn="l" defTabSz="914400" rtl="0" eaLnBrk="1" latinLnBrk="0" hangingPunct="1">
+      <a:defRPr sz="1200" kern="1200">
+        <a:solidFill>
+          <a:schemeClr val="tx1"/>
+        </a:solidFill>
+        <a:latin typeface="+mn-lt"/>
+        <a:ea typeface="+mn-ea"/>
+        <a:cs typeface="+mn-cs"/>
+      </a:defRPr>
+    </a:lvl3pPr>
+    <a:lvl4pPr marL="1371600" algn="l" defTabSz="914400" rtl="0" eaLnBrk="1" latinLnBrk="0" hangingPunct="1">
+      <a:defRPr sz="1200" kern="1200">
+        <a:solidFill>
+          <a:schemeClr val="tx1"/>
+        </a:solidFill>
+        <a:latin typeface="+mn-lt"/>
+        <a:ea typeface="+mn-ea"/>
+        <a:cs typeface="+mn-cs"/>
+      </a:defRPr>
+    </a:lvl4pPr>
+    <a:lvl5pPr marL="1828800" algn="l" defTabSz="914400" rtl="0" eaLnBrk="1" latinLnBrk="0" hangingPunct="1">
+      <a:defRPr sz="1200" kern="1200">
+        <a:solidFill>
+          <a:schemeClr val="tx1"/>
+        </a:solidFill>
+        <a:latin typeface="+mn-lt"/>
+        <a:ea typeface="+mn-ea"/>
+        <a:cs typeface="+mn-cs"/>
+      </a:defRPr>
+    </a:lvl5pPr>
+    <a:lvl6pPr marL="2286000" algn="l" defTabSz="914400" rtl="0" eaLnBrk="1" latinLnBrk="0" hangingPunct="1">
+      <a:defRPr sz="1200" kern="1200">
+        <a:solidFill>
+          <a:schemeClr val="tx1"/>
+        </a:solidFill>
+        <a:latin typeface="+mn-lt"/>
+        <a:ea typeface="+mn-ea"/>
+        <a:cs typeface="+mn-cs"/>
+      </a:defRPr>
+    </a:lvl6pPr>
+    <a:lvl7pPr marL="2743200" algn="l" defTabSz="914400" rtl="0" eaLnBrk="1" latinLnBrk="0" hangingPunct="1">
+      <a:defRPr sz="1200" kern="1200">
+        <a:solidFill>
+          <a:schemeClr val="tx1"/>
+        </a:solidFill>
+        <a:latin typeface="+mn-lt"/>
+        <a:ea typeface="+mn-ea"/>
+        <a:cs typeface="+mn-cs"/>
+      </a:defRPr>
+    </a:lvl7pPr>
+    <a:lvl8pPr marL="3200400" algn="l" defTabSz="914400" rtl="0" eaLnBrk="1" latinLnBrk="0" hangingPunct="1">
+      <a:defRPr sz="1200" kern="1200">
+        <a:solidFill>
+          <a:schemeClr val="tx1"/>
+        </a:solidFill>
+        <a:latin typeface="+mn-lt"/>
+        <a:ea typeface="+mn-ea"/>
+        <a:cs typeface="+mn-cs"/>
+      </a:defRPr>
+    </a:lvl8pPr>
+    <a:lvl9pPr marL="3657600" algn="l" defTabSz="914400" rtl="0" eaLnBrk="1" latinLnBrk="0" hangingPunct="1">
+      <a:defRPr sz="1200" kern="1200">
+        <a:solidFill>
+          <a:schemeClr val="tx1"/>
+        </a:solidFill>
+        <a:latin typeface="+mn-lt"/>
+        <a:ea typeface="+mn-ea"/>
+        <a:cs typeface="+mn-cs"/>
+      </a:defRPr>
+    </a:lvl9pPr>
+  </p:notesStyle>
+</p:notesMaster>
+</file>
+
+<file path=ppt/notesSlides/notesSlide1.xml><?xml version="1.0" encoding="utf-8"?>
+<p:notes xmlns:a="http://schemas.openxmlformats.org/drawingml/2006/main" xmlns:r="http://schemas.openxmlformats.org/officeDocument/2006/relationships" xmlns:p="http://schemas.openxmlformats.org/presentationml/2006/main">
+  <p:cSld>
+    <p:spTree>
+      <p:nvGrpSpPr>
+        <p:cNvPr id="1" name=""/>
+        <p:cNvGrpSpPr/>
+        <p:nvPr/>
+      </p:nvGrpSpPr>
+      <p:grpSpPr>
+        <a:xfrm>
+          <a:off x="0" y="0"/>
+          <a:ext cx="0" cy="0"/>
+          <a:chOff x="0" y="0"/>
+          <a:chExt cx="0" cy="0"/>
+        </a:xfrm>
+      </p:grpSpPr>
+      <p:sp>
+        <p:nvSpPr>
+          <p:cNvPr id="2" name="Slide Image Placeholder 1"/>
+          <p:cNvSpPr>
+            <a:spLocks noGrp="1" noRot="1" noChangeAspect="1"/>
+          </p:cNvSpPr>
+          <p:nvPr>
+            <p:ph type="sldImg"/>
+          </p:nvPr>
+        </p:nvSpPr>
+        <p:spPr/>
+      </p:sp>
+      <p:sp>
+        <p:nvSpPr>
+          <p:cNvPr id="3" name="Notes Placeholder 2"/>
+          <p:cNvSpPr>
+            <a:spLocks noGrp="1"/>
+          </p:cNvSpPr>
+          <p:nvPr>
+            <p:ph type="body" idx="1"/>
+          </p:nvPr>
+        </p:nvSpPr>
+        <p:spPr/>
+        <p:txBody>
+          <a:bodyPr/>
+          <a:lstStyle/>
+          <a:p>
+            <a:endParaRPr lang="en-US"/>
+          </a:p>
+        </p:txBody>
+      </p:sp>
+      <p:sp>
+        <p:nvSpPr>
+          <p:cNvPr id="4" name="Slide Number Placeholder 3"/>
+          <p:cNvSpPr>
+            <a:spLocks noGrp="1"/>
+          </p:cNvSpPr>
+          <p:nvPr>
+            <p:ph type="sldNum" sz="quarter" idx="10"/>
+          </p:nvPr>
+        </p:nvSpPr>
+        <p:spPr/>
+        <p:txBody>
+          <a:bodyPr/>
+          <a:lstStyle/>
+          <a:p>
+            <a:fld id="{BAB88F4D-3CE0-4E4A-8EB1-D5493B0CD771}" type="slidenum">
+              <a:rPr lang="en-US" smtClean="0"/>
+              <a:t>4</a:t>
+            </a:fld>
+            <a:endParaRPr lang="en-US"/>
+          </a:p>
+        </p:txBody>
+      </p:sp>
+    </p:spTree>
+    <p:extLst>
+      <p:ext uri="{BB962C8B-B14F-4D97-AF65-F5344CB8AC3E}">
+        <p14:creationId xmlns:p14="http://schemas.microsoft.com/office/powerpoint/2010/main" val="103752180"/>
+      </p:ext>
+    </p:extLst>
+  </p:cSld>
+  <p:clrMapOvr>
+    <a:masterClrMapping/>
+  </p:clrMapOvr>
+</p:notes>
+</file>
+
 <file path=ppt/slideLayouts/slideLayout1.xml><?xml version="1.0" encoding="utf-8"?>
 <p:sldLayout xmlns:a="http://schemas.openxmlformats.org/drawingml/2006/main" xmlns:r="http://schemas.openxmlformats.org/officeDocument/2006/relationships" xmlns:p="http://schemas.openxmlformats.org/presentationml/2006/main" type="title" preserve="1">
   <p:cSld name="Title Slide">
@@ -8344,7 +9883,7 @@
           <a:p>
             <a:fld id="{9778256A-E64C-9D41-928B-1D2D06E30DF4}" type="datetimeFigureOut">
               <a:rPr lang="en-US" smtClean="0"/>
-              <a:t>12/25/17</a:t>
+              <a:t>1/15/18</a:t>
             </a:fld>
             <a:endParaRPr lang="en-US"/>
           </a:p>
@@ -8514,7 +10053,7 @@
           <a:p>
             <a:fld id="{9778256A-E64C-9D41-928B-1D2D06E30DF4}" type="datetimeFigureOut">
               <a:rPr lang="en-US" smtClean="0"/>
-              <a:t>12/25/17</a:t>
+              <a:t>1/15/18</a:t>
             </a:fld>
             <a:endParaRPr lang="en-US"/>
           </a:p>
@@ -8694,7 +10233,7 @@
           <a:p>
             <a:fld id="{9778256A-E64C-9D41-928B-1D2D06E30DF4}" type="datetimeFigureOut">
               <a:rPr lang="en-US" smtClean="0"/>
-              <a:t>12/25/17</a:t>
+              <a:t>1/15/18</a:t>
             </a:fld>
             <a:endParaRPr lang="en-US"/>
           </a:p>
@@ -8864,7 +10403,7 @@
           <a:p>
             <a:fld id="{9778256A-E64C-9D41-928B-1D2D06E30DF4}" type="datetimeFigureOut">
               <a:rPr lang="en-US" smtClean="0"/>
-              <a:t>12/25/17</a:t>
+              <a:t>1/15/18</a:t>
             </a:fld>
             <a:endParaRPr lang="en-US"/>
           </a:p>
@@ -9110,7 +10649,7 @@
           <a:p>
             <a:fld id="{9778256A-E64C-9D41-928B-1D2D06E30DF4}" type="datetimeFigureOut">
               <a:rPr lang="en-US" smtClean="0"/>
-              <a:t>12/25/17</a:t>
+              <a:t>1/15/18</a:t>
             </a:fld>
             <a:endParaRPr lang="en-US"/>
           </a:p>
@@ -9342,7 +10881,7 @@
           <a:p>
             <a:fld id="{9778256A-E64C-9D41-928B-1D2D06E30DF4}" type="datetimeFigureOut">
               <a:rPr lang="en-US" smtClean="0"/>
-              <a:t>12/25/17</a:t>
+              <a:t>1/15/18</a:t>
             </a:fld>
             <a:endParaRPr lang="en-US"/>
           </a:p>
@@ -9709,7 +11248,7 @@
           <a:p>
             <a:fld id="{9778256A-E64C-9D41-928B-1D2D06E30DF4}" type="datetimeFigureOut">
               <a:rPr lang="en-US" smtClean="0"/>
-              <a:t>12/25/17</a:t>
+              <a:t>1/15/18</a:t>
             </a:fld>
             <a:endParaRPr lang="en-US"/>
           </a:p>
@@ -9827,7 +11366,7 @@
           <a:p>
             <a:fld id="{9778256A-E64C-9D41-928B-1D2D06E30DF4}" type="datetimeFigureOut">
               <a:rPr lang="en-US" smtClean="0"/>
-              <a:t>12/25/17</a:t>
+              <a:t>1/15/18</a:t>
             </a:fld>
             <a:endParaRPr lang="en-US"/>
           </a:p>
@@ -9922,7 +11461,7 @@
           <a:p>
             <a:fld id="{9778256A-E64C-9D41-928B-1D2D06E30DF4}" type="datetimeFigureOut">
               <a:rPr lang="en-US" smtClean="0"/>
-              <a:t>12/25/17</a:t>
+              <a:t>1/15/18</a:t>
             </a:fld>
             <a:endParaRPr lang="en-US"/>
           </a:p>
@@ -10199,7 +11738,7 @@
           <a:p>
             <a:fld id="{9778256A-E64C-9D41-928B-1D2D06E30DF4}" type="datetimeFigureOut">
               <a:rPr lang="en-US" smtClean="0"/>
-              <a:t>12/25/17</a:t>
+              <a:t>1/15/18</a:t>
             </a:fld>
             <a:endParaRPr lang="en-US"/>
           </a:p>
@@ -10452,7 +11991,7 @@
           <a:p>
             <a:fld id="{9778256A-E64C-9D41-928B-1D2D06E30DF4}" type="datetimeFigureOut">
               <a:rPr lang="en-US" smtClean="0"/>
-              <a:t>12/25/17</a:t>
+              <a:t>1/15/18</a:t>
             </a:fld>
             <a:endParaRPr lang="en-US"/>
           </a:p>
@@ -10665,7 +12204,7 @@
           <a:p>
             <a:fld id="{9778256A-E64C-9D41-928B-1D2D06E30DF4}" type="datetimeFigureOut">
               <a:rPr lang="en-US" smtClean="0"/>
-              <a:t>12/25/17</a:t>
+              <a:t>1/15/18</a:t>
             </a:fld>
             <a:endParaRPr lang="en-US"/>
           </a:p>
@@ -12110,6 +13649,58 @@
 </p:sld>
 </file>
 
+<file path=ppt/slides/slide4.xml><?xml version="1.0" encoding="utf-8"?>
+<p:sld xmlns:a="http://schemas.openxmlformats.org/drawingml/2006/main" xmlns:r="http://schemas.openxmlformats.org/officeDocument/2006/relationships" xmlns:p="http://schemas.openxmlformats.org/presentationml/2006/main">
+  <p:cSld>
+    <p:spTree>
+      <p:nvGrpSpPr>
+        <p:cNvPr id="1" name=""/>
+        <p:cNvGrpSpPr/>
+        <p:nvPr/>
+      </p:nvGrpSpPr>
+      <p:grpSpPr>
+        <a:xfrm>
+          <a:off x="0" y="0"/>
+          <a:ext cx="0" cy="0"/>
+          <a:chOff x="0" y="0"/>
+          <a:chExt cx="0" cy="0"/>
+        </a:xfrm>
+      </p:grpSpPr>
+      <p:graphicFrame>
+        <p:nvGraphicFramePr>
+          <p:cNvPr id="4" name="Chart 3"/>
+          <p:cNvGraphicFramePr/>
+          <p:nvPr>
+            <p:extLst>
+              <p:ext uri="{D42A27DB-BD31-4B8C-83A1-F6EECF244321}">
+                <p14:modId xmlns:p14="http://schemas.microsoft.com/office/powerpoint/2010/main" val="1400391535"/>
+              </p:ext>
+            </p:extLst>
+          </p:nvPr>
+        </p:nvGraphicFramePr>
+        <p:xfrm>
+          <a:off x="2032000" y="719666"/>
+          <a:ext cx="8128000" cy="5418667"/>
+        </p:xfrm>
+        <a:graphic>
+          <a:graphicData uri="http://schemas.openxmlformats.org/drawingml/2006/chart">
+            <c:chart xmlns:c="http://schemas.openxmlformats.org/drawingml/2006/chart" xmlns:r="http://schemas.openxmlformats.org/officeDocument/2006/relationships" r:id="rId3"/>
+          </a:graphicData>
+        </a:graphic>
+      </p:graphicFrame>
+    </p:spTree>
+    <p:extLst>
+      <p:ext uri="{BB962C8B-B14F-4D97-AF65-F5344CB8AC3E}">
+        <p14:creationId xmlns:p14="http://schemas.microsoft.com/office/powerpoint/2010/main" val="612606569"/>
+      </p:ext>
+    </p:extLst>
+  </p:cSld>
+  <p:clrMapOvr>
+    <a:masterClrMapping/>
+  </p:clrMapOvr>
+</p:sld>
+</file>
+
 <file path=ppt/theme/theme1.xml><?xml version="1.0" encoding="utf-8"?>
 <a:theme xmlns:a="http://schemas.openxmlformats.org/drawingml/2006/main" name="Office Theme">
   <a:themeElements>
@@ -12369,4 +13960,265 @@
     </a:ext>
   </a:extLst>
 </a:theme>
+</file>
+
+<file path=ppt/theme/theme2.xml><?xml version="1.0" encoding="utf-8"?>
+<a:theme xmlns:a="http://schemas.openxmlformats.org/drawingml/2006/main" name="Office Theme">
+  <a:themeElements>
+    <a:clrScheme name="Office">
+      <a:dk1>
+        <a:sysClr val="windowText" lastClr="000000"/>
+      </a:dk1>
+      <a:lt1>
+        <a:sysClr val="window" lastClr="FFFFFF"/>
+      </a:lt1>
+      <a:dk2>
+        <a:srgbClr val="44546A"/>
+      </a:dk2>
+      <a:lt2>
+        <a:srgbClr val="E7E6E6"/>
+      </a:lt2>
+      <a:accent1>
+        <a:srgbClr val="4472C4"/>
+      </a:accent1>
+      <a:accent2>
+        <a:srgbClr val="ED7D31"/>
+      </a:accent2>
+      <a:accent3>
+        <a:srgbClr val="A5A5A5"/>
+      </a:accent3>
+      <a:accent4>
+        <a:srgbClr val="FFC000"/>
+      </a:accent4>
+      <a:accent5>
+        <a:srgbClr val="5B9BD5"/>
+      </a:accent5>
+      <a:accent6>
+        <a:srgbClr val="70AD47"/>
+      </a:accent6>
+      <a:hlink>
+        <a:srgbClr val="0563C1"/>
+      </a:hlink>
+      <a:folHlink>
+        <a:srgbClr val="954F72"/>
+      </a:folHlink>
+    </a:clrScheme>
+    <a:fontScheme name="Office">
+      <a:majorFont>
+        <a:latin typeface="Calibri Light" panose="020F0302020204030204"/>
+        <a:ea typeface=""/>
+        <a:cs typeface=""/>
+        <a:font script="Jpan" typeface="Yu Gothic Light"/>
+        <a:font script="Hang" typeface="맑은 고딕"/>
+        <a:font script="Hans" typeface="DengXian Light"/>
+        <a:font script="Hant" typeface="新細明體"/>
+        <a:font script="Arab" typeface="Times New Roman"/>
+        <a:font script="Hebr" typeface="Times New Roman"/>
+        <a:font script="Thai" typeface="Angsana New"/>
+        <a:font script="Ethi" typeface="Nyala"/>
+        <a:font script="Beng" typeface="Vrinda"/>
+        <a:font script="Gujr" typeface="Shruti"/>
+        <a:font script="Khmr" typeface="MoolBoran"/>
+        <a:font script="Knda" typeface="Tunga"/>
+        <a:font script="Guru" typeface="Raavi"/>
+        <a:font script="Cans" typeface="Euphemia"/>
+        <a:font script="Cher" typeface="Plantagenet Cherokee"/>
+        <a:font script="Yiii" typeface="Microsoft Yi Baiti"/>
+        <a:font script="Tibt" typeface="Microsoft Himalaya"/>
+        <a:font script="Thaa" typeface="MV Boli"/>
+        <a:font script="Deva" typeface="Mangal"/>
+        <a:font script="Telu" typeface="Gautami"/>
+        <a:font script="Taml" typeface="Latha"/>
+        <a:font script="Syrc" typeface="Estrangelo Edessa"/>
+        <a:font script="Orya" typeface="Kalinga"/>
+        <a:font script="Mlym" typeface="Kartika"/>
+        <a:font script="Laoo" typeface="DokChampa"/>
+        <a:font script="Sinh" typeface="Iskoola Pota"/>
+        <a:font script="Mong" typeface="Mongolian Baiti"/>
+        <a:font script="Viet" typeface="Times New Roman"/>
+        <a:font script="Uigh" typeface="Microsoft Uighur"/>
+        <a:font script="Geor" typeface="Sylfaen"/>
+      </a:majorFont>
+      <a:minorFont>
+        <a:latin typeface="Calibri" panose="020F0502020204030204"/>
+        <a:ea typeface=""/>
+        <a:cs typeface=""/>
+        <a:font script="Jpan" typeface="Yu Gothic"/>
+        <a:font script="Hang" typeface="맑은 고딕"/>
+        <a:font script="Hans" typeface="DengXian"/>
+        <a:font script="Hant" typeface="新細明體"/>
+        <a:font script="Arab" typeface="Arial"/>
+        <a:font script="Hebr" typeface="Arial"/>
+        <a:font script="Thai" typeface="Cordia New"/>
+        <a:font script="Ethi" typeface="Nyala"/>
+        <a:font script="Beng" typeface="Vrinda"/>
+        <a:font script="Gujr" typeface="Shruti"/>
+        <a:font script="Khmr" typeface="DaunPenh"/>
+        <a:font script="Knda" typeface="Tunga"/>
+        <a:font script="Guru" typeface="Raavi"/>
+        <a:font script="Cans" typeface="Euphemia"/>
+        <a:font script="Cher" typeface="Plantagenet Cherokee"/>
+        <a:font script="Yiii" typeface="Microsoft Yi Baiti"/>
+        <a:font script="Tibt" typeface="Microsoft Himalaya"/>
+        <a:font script="Thaa" typeface="MV Boli"/>
+        <a:font script="Deva" typeface="Mangal"/>
+        <a:font script="Telu" typeface="Gautami"/>
+        <a:font script="Taml" typeface="Latha"/>
+        <a:font script="Syrc" typeface="Estrangelo Edessa"/>
+        <a:font script="Orya" typeface="Kalinga"/>
+        <a:font script="Mlym" typeface="Kartika"/>
+        <a:font script="Laoo" typeface="DokChampa"/>
+        <a:font script="Sinh" typeface="Iskoola Pota"/>
+        <a:font script="Mong" typeface="Mongolian Baiti"/>
+        <a:font script="Viet" typeface="Arial"/>
+        <a:font script="Uigh" typeface="Microsoft Uighur"/>
+        <a:font script="Geor" typeface="Sylfaen"/>
+      </a:minorFont>
+    </a:fontScheme>
+    <a:fmtScheme name="Office">
+      <a:fillStyleLst>
+        <a:solidFill>
+          <a:schemeClr val="phClr"/>
+        </a:solidFill>
+        <a:gradFill rotWithShape="1">
+          <a:gsLst>
+            <a:gs pos="0">
+              <a:schemeClr val="phClr">
+                <a:lumMod val="110000"/>
+                <a:satMod val="105000"/>
+                <a:tint val="67000"/>
+              </a:schemeClr>
+            </a:gs>
+            <a:gs pos="50000">
+              <a:schemeClr val="phClr">
+                <a:lumMod val="105000"/>
+                <a:satMod val="103000"/>
+                <a:tint val="73000"/>
+              </a:schemeClr>
+            </a:gs>
+            <a:gs pos="100000">
+              <a:schemeClr val="phClr">
+                <a:lumMod val="105000"/>
+                <a:satMod val="109000"/>
+                <a:tint val="81000"/>
+              </a:schemeClr>
+            </a:gs>
+          </a:gsLst>
+          <a:lin ang="5400000" scaled="0"/>
+        </a:gradFill>
+        <a:gradFill rotWithShape="1">
+          <a:gsLst>
+            <a:gs pos="0">
+              <a:schemeClr val="phClr">
+                <a:satMod val="103000"/>
+                <a:lumMod val="102000"/>
+                <a:tint val="94000"/>
+              </a:schemeClr>
+            </a:gs>
+            <a:gs pos="50000">
+              <a:schemeClr val="phClr">
+                <a:satMod val="110000"/>
+                <a:lumMod val="100000"/>
+                <a:shade val="100000"/>
+              </a:schemeClr>
+            </a:gs>
+            <a:gs pos="100000">
+              <a:schemeClr val="phClr">
+                <a:lumMod val="99000"/>
+                <a:satMod val="120000"/>
+                <a:shade val="78000"/>
+              </a:schemeClr>
+            </a:gs>
+          </a:gsLst>
+          <a:lin ang="5400000" scaled="0"/>
+        </a:gradFill>
+      </a:fillStyleLst>
+      <a:lnStyleLst>
+        <a:ln w="6350" cap="flat" cmpd="sng" algn="ctr">
+          <a:solidFill>
+            <a:schemeClr val="phClr"/>
+          </a:solidFill>
+          <a:prstDash val="solid"/>
+          <a:miter lim="800000"/>
+        </a:ln>
+        <a:ln w="12700" cap="flat" cmpd="sng" algn="ctr">
+          <a:solidFill>
+            <a:schemeClr val="phClr"/>
+          </a:solidFill>
+          <a:prstDash val="solid"/>
+          <a:miter lim="800000"/>
+        </a:ln>
+        <a:ln w="19050" cap="flat" cmpd="sng" algn="ctr">
+          <a:solidFill>
+            <a:schemeClr val="phClr"/>
+          </a:solidFill>
+          <a:prstDash val="solid"/>
+          <a:miter lim="800000"/>
+        </a:ln>
+      </a:lnStyleLst>
+      <a:effectStyleLst>
+        <a:effectStyle>
+          <a:effectLst/>
+        </a:effectStyle>
+        <a:effectStyle>
+          <a:effectLst/>
+        </a:effectStyle>
+        <a:effectStyle>
+          <a:effectLst>
+            <a:outerShdw blurRad="57150" dist="19050" dir="5400000" algn="ctr" rotWithShape="0">
+              <a:srgbClr val="000000">
+                <a:alpha val="63000"/>
+              </a:srgbClr>
+            </a:outerShdw>
+          </a:effectLst>
+        </a:effectStyle>
+      </a:effectStyleLst>
+      <a:bgFillStyleLst>
+        <a:solidFill>
+          <a:schemeClr val="phClr"/>
+        </a:solidFill>
+        <a:solidFill>
+          <a:schemeClr val="phClr">
+            <a:tint val="95000"/>
+            <a:satMod val="170000"/>
+          </a:schemeClr>
+        </a:solidFill>
+        <a:gradFill rotWithShape="1">
+          <a:gsLst>
+            <a:gs pos="0">
+              <a:schemeClr val="phClr">
+                <a:tint val="93000"/>
+                <a:satMod val="150000"/>
+                <a:shade val="98000"/>
+                <a:lumMod val="102000"/>
+              </a:schemeClr>
+            </a:gs>
+            <a:gs pos="50000">
+              <a:schemeClr val="phClr">
+                <a:tint val="98000"/>
+                <a:satMod val="130000"/>
+                <a:shade val="90000"/>
+                <a:lumMod val="103000"/>
+              </a:schemeClr>
+            </a:gs>
+            <a:gs pos="100000">
+              <a:schemeClr val="phClr">
+                <a:shade val="63000"/>
+                <a:satMod val="120000"/>
+              </a:schemeClr>
+            </a:gs>
+          </a:gsLst>
+          <a:lin ang="5400000" scaled="0"/>
+        </a:gradFill>
+      </a:bgFillStyleLst>
+    </a:fmtScheme>
+  </a:themeElements>
+  <a:objectDefaults/>
+  <a:extraClrSchemeLst/>
+  <a:extLst>
+    <a:ext uri="{05A4C25C-085E-4340-85A3-A5531E510DB2}">
+      <thm15:themeFamily xmlns:thm15="http://schemas.microsoft.com/office/thememl/2012/main" name="Office Theme" id="{62F939B6-93AF-4DB8-9C6B-D6C7DFDC589F}" vid="{4A3C46E8-61CC-4603-A589-7422A47A8E4A}"/>
+    </a:ext>
+  </a:extLst>
+</a:theme>
 </file>
--- a/projects/capstone/training_images.pptx
+++ b/projects/capstone/training_images.pptx
@@ -5,13 +5,16 @@
     <p:sldMasterId id="2147483648" r:id="rId1"/>
   </p:sldMasterIdLst>
   <p:notesMasterIdLst>
-    <p:notesMasterId r:id="rId6"/>
+    <p:notesMasterId r:id="rId9"/>
   </p:notesMasterIdLst>
   <p:sldIdLst>
     <p:sldId id="256" r:id="rId2"/>
     <p:sldId id="258" r:id="rId3"/>
     <p:sldId id="257" r:id="rId4"/>
     <p:sldId id="259" r:id="rId5"/>
+    <p:sldId id="260" r:id="rId6"/>
+    <p:sldId id="261" r:id="rId7"/>
+    <p:sldId id="262" r:id="rId8"/>
   </p:sldIdLst>
   <p:sldSz cx="12192000" cy="6858000"/>
   <p:notesSz cx="6858000" cy="9144000"/>
@@ -301,7 +304,7 @@
               <c:strCache>
                 <c:ptCount val="1"/>
                 <c:pt idx="0">
-                  <c:v>Model</c:v>
+                  <c:v>Current Model</c:v>
                 </c:pt>
               </c:strCache>
             </c:strRef>
@@ -524,6 +527,1689 @@
 </c:chartSpace>
 </file>
 
+<file path=ppt/charts/chart2.xml><?xml version="1.0" encoding="utf-8"?>
+<c:chartSpace xmlns:c="http://schemas.openxmlformats.org/drawingml/2006/chart" xmlns:a="http://schemas.openxmlformats.org/drawingml/2006/main" xmlns:r="http://schemas.openxmlformats.org/officeDocument/2006/relationships">
+  <c:date1904 val="0"/>
+  <c:lang val="en-US"/>
+  <c:roundedCorners val="0"/>
+  <mc:AlternateContent xmlns:mc="http://schemas.openxmlformats.org/markup-compatibility/2006">
+    <mc:Choice xmlns:c14="http://schemas.microsoft.com/office/drawing/2007/8/2/chart" Requires="c14">
+      <c14:style val="102"/>
+    </mc:Choice>
+    <mc:Fallback>
+      <c:style val="2"/>
+    </mc:Fallback>
+  </mc:AlternateContent>
+  <c:chart>
+    <c:title>
+      <c:tx>
+        <c:rich>
+          <a:bodyPr rot="0" spcFirstLastPara="1" vertOverflow="ellipsis" vert="horz" wrap="square" anchor="ctr" anchorCtr="1"/>
+          <a:lstStyle/>
+          <a:p>
+            <a:pPr>
+              <a:defRPr sz="1862" b="0" i="0" u="none" strike="noStrike" kern="1200" spc="0" baseline="0">
+                <a:solidFill>
+                  <a:schemeClr val="tx1">
+                    <a:lumMod val="65000"/>
+                    <a:lumOff val="35000"/>
+                  </a:schemeClr>
+                </a:solidFill>
+                <a:latin typeface="+mn-lt"/>
+                <a:ea typeface="+mn-ea"/>
+                <a:cs typeface="+mn-cs"/>
+              </a:defRPr>
+            </a:pPr>
+            <a:r>
+              <a:rPr lang="en-US" dirty="0" smtClean="0"/>
+              <a:t>Distribution of number of contrabands per subject in Stage 1 training</a:t>
+            </a:r>
+            <a:r>
+              <a:rPr lang="en-US" baseline="0" dirty="0" smtClean="0"/>
+              <a:t> set</a:t>
+            </a:r>
+            <a:endParaRPr lang="en-US" dirty="0"/>
+          </a:p>
+        </c:rich>
+      </c:tx>
+      <c:layout/>
+      <c:overlay val="0"/>
+      <c:spPr>
+        <a:noFill/>
+        <a:ln>
+          <a:noFill/>
+        </a:ln>
+        <a:effectLst/>
+      </c:spPr>
+      <c:txPr>
+        <a:bodyPr rot="0" spcFirstLastPara="1" vertOverflow="ellipsis" vert="horz" wrap="square" anchor="ctr" anchorCtr="1"/>
+        <a:lstStyle/>
+        <a:p>
+          <a:pPr>
+            <a:defRPr sz="1862" b="0" i="0" u="none" strike="noStrike" kern="1200" spc="0" baseline="0">
+              <a:solidFill>
+                <a:schemeClr val="tx1">
+                  <a:lumMod val="65000"/>
+                  <a:lumOff val="35000"/>
+                </a:schemeClr>
+              </a:solidFill>
+              <a:latin typeface="+mn-lt"/>
+              <a:ea typeface="+mn-ea"/>
+              <a:cs typeface="+mn-cs"/>
+            </a:defRPr>
+          </a:pPr>
+          <a:endParaRPr lang="en-US"/>
+        </a:p>
+      </c:txPr>
+    </c:title>
+    <c:autoTitleDeleted val="0"/>
+    <c:plotArea>
+      <c:layout/>
+      <c:barChart>
+        <c:barDir val="col"/>
+        <c:grouping val="clustered"/>
+        <c:varyColors val="0"/>
+        <c:ser>
+          <c:idx val="0"/>
+          <c:order val="0"/>
+          <c:tx>
+            <c:strRef>
+              <c:f>Sheet1!$B$1</c:f>
+              <c:strCache>
+                <c:ptCount val="1"/>
+                <c:pt idx="0">
+                  <c:v>0</c:v>
+                </c:pt>
+              </c:strCache>
+            </c:strRef>
+          </c:tx>
+          <c:spPr>
+            <a:solidFill>
+              <a:schemeClr val="accent1"/>
+            </a:solidFill>
+            <a:ln>
+              <a:noFill/>
+            </a:ln>
+            <a:effectLst/>
+          </c:spPr>
+          <c:invertIfNegative val="0"/>
+          <c:cat>
+            <c:strRef>
+              <c:f>Sheet1!$A$2</c:f>
+              <c:strCache>
+                <c:ptCount val="1"/>
+                <c:pt idx="0">
+                  <c:v>Number of  Contrabands</c:v>
+                </c:pt>
+              </c:strCache>
+            </c:strRef>
+          </c:cat>
+          <c:val>
+            <c:numRef>
+              <c:f>Sheet1!$B$2</c:f>
+              <c:numCache>
+                <c:formatCode>General</c:formatCode>
+                <c:ptCount val="1"/>
+                <c:pt idx="0">
+                  <c:v>219.0</c:v>
+                </c:pt>
+              </c:numCache>
+            </c:numRef>
+          </c:val>
+        </c:ser>
+        <c:ser>
+          <c:idx val="1"/>
+          <c:order val="1"/>
+          <c:tx>
+            <c:strRef>
+              <c:f>Sheet1!$C$1</c:f>
+              <c:strCache>
+                <c:ptCount val="1"/>
+                <c:pt idx="0">
+                  <c:v>1</c:v>
+                </c:pt>
+              </c:strCache>
+            </c:strRef>
+          </c:tx>
+          <c:spPr>
+            <a:solidFill>
+              <a:schemeClr val="accent2"/>
+            </a:solidFill>
+            <a:ln>
+              <a:noFill/>
+            </a:ln>
+            <a:effectLst/>
+          </c:spPr>
+          <c:invertIfNegative val="0"/>
+          <c:cat>
+            <c:strRef>
+              <c:f>Sheet1!$A$2</c:f>
+              <c:strCache>
+                <c:ptCount val="1"/>
+                <c:pt idx="0">
+                  <c:v>Number of  Contrabands</c:v>
+                </c:pt>
+              </c:strCache>
+            </c:strRef>
+          </c:cat>
+          <c:val>
+            <c:numRef>
+              <c:f>Sheet1!$C$2</c:f>
+              <c:numCache>
+                <c:formatCode>General</c:formatCode>
+                <c:ptCount val="1"/>
+                <c:pt idx="0">
+                  <c:v>303.0</c:v>
+                </c:pt>
+              </c:numCache>
+            </c:numRef>
+          </c:val>
+        </c:ser>
+        <c:ser>
+          <c:idx val="2"/>
+          <c:order val="2"/>
+          <c:tx>
+            <c:strRef>
+              <c:f>Sheet1!$D$1</c:f>
+              <c:strCache>
+                <c:ptCount val="1"/>
+                <c:pt idx="0">
+                  <c:v>2</c:v>
+                </c:pt>
+              </c:strCache>
+            </c:strRef>
+          </c:tx>
+          <c:spPr>
+            <a:solidFill>
+              <a:schemeClr val="accent3"/>
+            </a:solidFill>
+            <a:ln>
+              <a:noFill/>
+            </a:ln>
+            <a:effectLst/>
+          </c:spPr>
+          <c:invertIfNegative val="0"/>
+          <c:cat>
+            <c:strRef>
+              <c:f>Sheet1!$A$2</c:f>
+              <c:strCache>
+                <c:ptCount val="1"/>
+                <c:pt idx="0">
+                  <c:v>Number of  Contrabands</c:v>
+                </c:pt>
+              </c:strCache>
+            </c:strRef>
+          </c:cat>
+          <c:val>
+            <c:numRef>
+              <c:f>Sheet1!$D$2</c:f>
+              <c:numCache>
+                <c:formatCode>General</c:formatCode>
+                <c:ptCount val="1"/>
+                <c:pt idx="0">
+                  <c:v>307.0</c:v>
+                </c:pt>
+              </c:numCache>
+            </c:numRef>
+          </c:val>
+        </c:ser>
+        <c:ser>
+          <c:idx val="3"/>
+          <c:order val="3"/>
+          <c:tx>
+            <c:strRef>
+              <c:f>Sheet1!$E$1</c:f>
+              <c:strCache>
+                <c:ptCount val="1"/>
+                <c:pt idx="0">
+                  <c:v>3</c:v>
+                </c:pt>
+              </c:strCache>
+            </c:strRef>
+          </c:tx>
+          <c:spPr>
+            <a:solidFill>
+              <a:schemeClr val="accent4"/>
+            </a:solidFill>
+            <a:ln>
+              <a:noFill/>
+            </a:ln>
+            <a:effectLst/>
+          </c:spPr>
+          <c:invertIfNegative val="0"/>
+          <c:cat>
+            <c:strRef>
+              <c:f>Sheet1!$A$2</c:f>
+              <c:strCache>
+                <c:ptCount val="1"/>
+                <c:pt idx="0">
+                  <c:v>Number of  Contrabands</c:v>
+                </c:pt>
+              </c:strCache>
+            </c:strRef>
+          </c:cat>
+          <c:val>
+            <c:numRef>
+              <c:f>Sheet1!$E$2</c:f>
+              <c:numCache>
+                <c:formatCode>General</c:formatCode>
+                <c:ptCount val="1"/>
+                <c:pt idx="0">
+                  <c:v>318.0</c:v>
+                </c:pt>
+              </c:numCache>
+            </c:numRef>
+          </c:val>
+        </c:ser>
+        <c:dLbls>
+          <c:showLegendKey val="0"/>
+          <c:showVal val="0"/>
+          <c:showCatName val="0"/>
+          <c:showSerName val="0"/>
+          <c:showPercent val="0"/>
+          <c:showBubbleSize val="0"/>
+        </c:dLbls>
+        <c:gapWidth val="75"/>
+        <c:overlap val="-25"/>
+        <c:axId val="1894836448"/>
+        <c:axId val="1894838224"/>
+      </c:barChart>
+      <c:catAx>
+        <c:axId val="1894836448"/>
+        <c:scaling>
+          <c:orientation val="minMax"/>
+        </c:scaling>
+        <c:delete val="0"/>
+        <c:axPos val="b"/>
+        <c:numFmt formatCode="General" sourceLinked="1"/>
+        <c:majorTickMark val="none"/>
+        <c:minorTickMark val="none"/>
+        <c:tickLblPos val="nextTo"/>
+        <c:spPr>
+          <a:noFill/>
+          <a:ln w="9525" cap="flat" cmpd="sng" algn="ctr">
+            <a:solidFill>
+              <a:schemeClr val="tx1">
+                <a:lumMod val="15000"/>
+                <a:lumOff val="85000"/>
+              </a:schemeClr>
+            </a:solidFill>
+            <a:round/>
+          </a:ln>
+          <a:effectLst/>
+        </c:spPr>
+        <c:txPr>
+          <a:bodyPr rot="-60000000" spcFirstLastPara="1" vertOverflow="ellipsis" vert="horz" wrap="square" anchor="ctr" anchorCtr="1"/>
+          <a:lstStyle/>
+          <a:p>
+            <a:pPr>
+              <a:defRPr sz="1197" b="0" i="0" u="none" strike="noStrike" kern="1200" baseline="0">
+                <a:solidFill>
+                  <a:schemeClr val="tx1">
+                    <a:lumMod val="65000"/>
+                    <a:lumOff val="35000"/>
+                  </a:schemeClr>
+                </a:solidFill>
+                <a:latin typeface="+mn-lt"/>
+                <a:ea typeface="+mn-ea"/>
+                <a:cs typeface="+mn-cs"/>
+              </a:defRPr>
+            </a:pPr>
+            <a:endParaRPr lang="en-US"/>
+          </a:p>
+        </c:txPr>
+        <c:crossAx val="1894838224"/>
+        <c:crosses val="autoZero"/>
+        <c:auto val="1"/>
+        <c:lblAlgn val="ctr"/>
+        <c:lblOffset val="100"/>
+        <c:noMultiLvlLbl val="0"/>
+      </c:catAx>
+      <c:valAx>
+        <c:axId val="1894838224"/>
+        <c:scaling>
+          <c:orientation val="minMax"/>
+        </c:scaling>
+        <c:delete val="0"/>
+        <c:axPos val="l"/>
+        <c:majorGridlines>
+          <c:spPr>
+            <a:ln w="9525" cap="flat" cmpd="sng" algn="ctr">
+              <a:solidFill>
+                <a:schemeClr val="tx1">
+                  <a:lumMod val="15000"/>
+                  <a:lumOff val="85000"/>
+                </a:schemeClr>
+              </a:solidFill>
+              <a:round/>
+            </a:ln>
+            <a:effectLst/>
+          </c:spPr>
+        </c:majorGridlines>
+        <c:title>
+          <c:tx>
+            <c:rich>
+              <a:bodyPr rot="-5400000" spcFirstLastPara="1" vertOverflow="ellipsis" vert="horz" wrap="square" anchor="ctr" anchorCtr="1"/>
+              <a:lstStyle/>
+              <a:p>
+                <a:pPr>
+                  <a:defRPr sz="1330" b="0" i="0" u="none" strike="noStrike" kern="1200" baseline="0">
+                    <a:solidFill>
+                      <a:schemeClr val="tx1">
+                        <a:lumMod val="65000"/>
+                        <a:lumOff val="35000"/>
+                      </a:schemeClr>
+                    </a:solidFill>
+                    <a:latin typeface="+mn-lt"/>
+                    <a:ea typeface="+mn-ea"/>
+                    <a:cs typeface="+mn-cs"/>
+                  </a:defRPr>
+                </a:pPr>
+                <a:r>
+                  <a:rPr lang="en-US" dirty="0" smtClean="0"/>
+                  <a:t>Number of subjects</a:t>
+                </a:r>
+              </a:p>
+            </c:rich>
+          </c:tx>
+          <c:layout/>
+          <c:overlay val="0"/>
+          <c:spPr>
+            <a:noFill/>
+            <a:ln>
+              <a:noFill/>
+            </a:ln>
+            <a:effectLst/>
+          </c:spPr>
+          <c:txPr>
+            <a:bodyPr rot="-5400000" spcFirstLastPara="1" vertOverflow="ellipsis" vert="horz" wrap="square" anchor="ctr" anchorCtr="1"/>
+            <a:lstStyle/>
+            <a:p>
+              <a:pPr>
+                <a:defRPr sz="1330" b="0" i="0" u="none" strike="noStrike" kern="1200" baseline="0">
+                  <a:solidFill>
+                    <a:schemeClr val="tx1">
+                      <a:lumMod val="65000"/>
+                      <a:lumOff val="35000"/>
+                    </a:schemeClr>
+                  </a:solidFill>
+                  <a:latin typeface="+mn-lt"/>
+                  <a:ea typeface="+mn-ea"/>
+                  <a:cs typeface="+mn-cs"/>
+                </a:defRPr>
+              </a:pPr>
+              <a:endParaRPr lang="en-US"/>
+            </a:p>
+          </c:txPr>
+        </c:title>
+        <c:majorTickMark val="none"/>
+        <c:minorTickMark val="none"/>
+        <c:tickLblPos val="nextTo"/>
+        <c:spPr>
+          <a:noFill/>
+          <a:ln>
+            <a:noFill/>
+          </a:ln>
+          <a:effectLst/>
+        </c:spPr>
+        <c:txPr>
+          <a:bodyPr rot="-60000000" spcFirstLastPara="1" vertOverflow="ellipsis" vert="horz" wrap="square" anchor="ctr" anchorCtr="1"/>
+          <a:lstStyle/>
+          <a:p>
+            <a:pPr>
+              <a:defRPr sz="1197" b="0" i="0" u="none" strike="noStrike" kern="1200" baseline="0">
+                <a:solidFill>
+                  <a:schemeClr val="tx1">
+                    <a:lumMod val="65000"/>
+                    <a:lumOff val="35000"/>
+                  </a:schemeClr>
+                </a:solidFill>
+                <a:latin typeface="+mn-lt"/>
+                <a:ea typeface="+mn-ea"/>
+                <a:cs typeface="+mn-cs"/>
+              </a:defRPr>
+            </a:pPr>
+            <a:endParaRPr lang="en-US"/>
+          </a:p>
+        </c:txPr>
+        <c:crossAx val="1894836448"/>
+        <c:crosses val="autoZero"/>
+        <c:crossBetween val="between"/>
+      </c:valAx>
+      <c:spPr>
+        <a:noFill/>
+        <a:ln>
+          <a:noFill/>
+        </a:ln>
+        <a:effectLst/>
+      </c:spPr>
+    </c:plotArea>
+    <c:legend>
+      <c:legendPos val="b"/>
+      <c:layout/>
+      <c:overlay val="0"/>
+      <c:spPr>
+        <a:noFill/>
+        <a:ln>
+          <a:noFill/>
+        </a:ln>
+        <a:effectLst/>
+      </c:spPr>
+      <c:txPr>
+        <a:bodyPr rot="0" spcFirstLastPara="1" vertOverflow="ellipsis" vert="horz" wrap="square" anchor="ctr" anchorCtr="1"/>
+        <a:lstStyle/>
+        <a:p>
+          <a:pPr>
+            <a:defRPr sz="1197" b="0" i="0" u="none" strike="noStrike" kern="1200" baseline="0">
+              <a:solidFill>
+                <a:schemeClr val="tx1">
+                  <a:lumMod val="65000"/>
+                  <a:lumOff val="35000"/>
+                </a:schemeClr>
+              </a:solidFill>
+              <a:latin typeface="+mn-lt"/>
+              <a:ea typeface="+mn-ea"/>
+              <a:cs typeface="+mn-cs"/>
+            </a:defRPr>
+          </a:pPr>
+          <a:endParaRPr lang="en-US"/>
+        </a:p>
+      </c:txPr>
+    </c:legend>
+    <c:plotVisOnly val="1"/>
+    <c:dispBlanksAs val="gap"/>
+    <c:showDLblsOverMax val="0"/>
+  </c:chart>
+  <c:spPr>
+    <a:noFill/>
+    <a:ln>
+      <a:noFill/>
+    </a:ln>
+    <a:effectLst/>
+  </c:spPr>
+  <c:txPr>
+    <a:bodyPr/>
+    <a:lstStyle/>
+    <a:p>
+      <a:pPr>
+        <a:defRPr/>
+      </a:pPr>
+      <a:endParaRPr lang="en-US"/>
+    </a:p>
+  </c:txPr>
+  <c:externalData r:id="rId3">
+    <c:autoUpdate val="0"/>
+  </c:externalData>
+</c:chartSpace>
+</file>
+
+<file path=ppt/charts/chart3.xml><?xml version="1.0" encoding="utf-8"?>
+<c:chartSpace xmlns:c="http://schemas.openxmlformats.org/drawingml/2006/chart" xmlns:a="http://schemas.openxmlformats.org/drawingml/2006/main" xmlns:r="http://schemas.openxmlformats.org/officeDocument/2006/relationships">
+  <c:date1904 val="0"/>
+  <c:lang val="en-US"/>
+  <c:roundedCorners val="0"/>
+  <mc:AlternateContent xmlns:mc="http://schemas.openxmlformats.org/markup-compatibility/2006">
+    <mc:Choice xmlns:c14="http://schemas.microsoft.com/office/drawing/2007/8/2/chart" Requires="c14">
+      <c14:style val="102"/>
+    </mc:Choice>
+    <mc:Fallback>
+      <c:style val="2"/>
+    </mc:Fallback>
+  </mc:AlternateContent>
+  <c:chart>
+    <c:title>
+      <c:tx>
+        <c:rich>
+          <a:bodyPr rot="0" spcFirstLastPara="1" vertOverflow="ellipsis" vert="horz" wrap="square" anchor="ctr" anchorCtr="1"/>
+          <a:lstStyle/>
+          <a:p>
+            <a:pPr>
+              <a:defRPr sz="1862" b="0" i="0" u="none" strike="noStrike" kern="1200" spc="0" baseline="0">
+                <a:solidFill>
+                  <a:schemeClr val="tx1">
+                    <a:lumMod val="65000"/>
+                    <a:lumOff val="35000"/>
+                  </a:schemeClr>
+                </a:solidFill>
+                <a:latin typeface="+mn-lt"/>
+                <a:ea typeface="+mn-ea"/>
+                <a:cs typeface="+mn-cs"/>
+              </a:defRPr>
+            </a:pPr>
+            <a:r>
+              <a:rPr lang="en-US" dirty="0" smtClean="0"/>
+              <a:t>Distribution</a:t>
+            </a:r>
+            <a:r>
+              <a:rPr lang="en-US" baseline="0" dirty="0" smtClean="0"/>
+              <a:t> of threat zones in Stage 1 dataset</a:t>
+            </a:r>
+            <a:endParaRPr lang="en-US" dirty="0"/>
+          </a:p>
+        </c:rich>
+      </c:tx>
+      <c:layout/>
+      <c:overlay val="0"/>
+      <c:spPr>
+        <a:noFill/>
+        <a:ln>
+          <a:noFill/>
+        </a:ln>
+        <a:effectLst/>
+      </c:spPr>
+      <c:txPr>
+        <a:bodyPr rot="0" spcFirstLastPara="1" vertOverflow="ellipsis" vert="horz" wrap="square" anchor="ctr" anchorCtr="1"/>
+        <a:lstStyle/>
+        <a:p>
+          <a:pPr>
+            <a:defRPr sz="1862" b="0" i="0" u="none" strike="noStrike" kern="1200" spc="0" baseline="0">
+              <a:solidFill>
+                <a:schemeClr val="tx1">
+                  <a:lumMod val="65000"/>
+                  <a:lumOff val="35000"/>
+                </a:schemeClr>
+              </a:solidFill>
+              <a:latin typeface="+mn-lt"/>
+              <a:ea typeface="+mn-ea"/>
+              <a:cs typeface="+mn-cs"/>
+            </a:defRPr>
+          </a:pPr>
+          <a:endParaRPr lang="en-US"/>
+        </a:p>
+      </c:txPr>
+    </c:title>
+    <c:autoTitleDeleted val="0"/>
+    <c:plotArea>
+      <c:layout/>
+      <c:barChart>
+        <c:barDir val="col"/>
+        <c:grouping val="clustered"/>
+        <c:varyColors val="0"/>
+        <c:ser>
+          <c:idx val="0"/>
+          <c:order val="0"/>
+          <c:tx>
+            <c:strRef>
+              <c:f>Sheet1!$B$1</c:f>
+              <c:strCache>
+                <c:ptCount val="1"/>
+                <c:pt idx="0">
+                  <c:v>1</c:v>
+                </c:pt>
+              </c:strCache>
+            </c:strRef>
+          </c:tx>
+          <c:spPr>
+            <a:solidFill>
+              <a:schemeClr val="accent1"/>
+            </a:solidFill>
+            <a:ln>
+              <a:noFill/>
+            </a:ln>
+            <a:effectLst/>
+          </c:spPr>
+          <c:invertIfNegative val="0"/>
+          <c:cat>
+            <c:strRef>
+              <c:f>Sheet1!$A$2</c:f>
+              <c:strCache>
+                <c:ptCount val="1"/>
+                <c:pt idx="0">
+                  <c:v>Body Zones</c:v>
+                </c:pt>
+              </c:strCache>
+            </c:strRef>
+          </c:cat>
+          <c:val>
+            <c:numRef>
+              <c:f>Sheet1!$B$2</c:f>
+              <c:numCache>
+                <c:formatCode>General</c:formatCode>
+                <c:ptCount val="1"/>
+                <c:pt idx="0">
+                  <c:v>133.0</c:v>
+                </c:pt>
+              </c:numCache>
+            </c:numRef>
+          </c:val>
+        </c:ser>
+        <c:ser>
+          <c:idx val="1"/>
+          <c:order val="1"/>
+          <c:tx>
+            <c:strRef>
+              <c:f>Sheet1!$C$1</c:f>
+              <c:strCache>
+                <c:ptCount val="1"/>
+                <c:pt idx="0">
+                  <c:v>2</c:v>
+                </c:pt>
+              </c:strCache>
+            </c:strRef>
+          </c:tx>
+          <c:spPr>
+            <a:solidFill>
+              <a:schemeClr val="accent2"/>
+            </a:solidFill>
+            <a:ln>
+              <a:noFill/>
+            </a:ln>
+            <a:effectLst/>
+          </c:spPr>
+          <c:invertIfNegative val="0"/>
+          <c:cat>
+            <c:strRef>
+              <c:f>Sheet1!$A$2</c:f>
+              <c:strCache>
+                <c:ptCount val="1"/>
+                <c:pt idx="0">
+                  <c:v>Body Zones</c:v>
+                </c:pt>
+              </c:strCache>
+            </c:strRef>
+          </c:cat>
+          <c:val>
+            <c:numRef>
+              <c:f>Sheet1!$C$2</c:f>
+              <c:numCache>
+                <c:formatCode>General</c:formatCode>
+                <c:ptCount val="1"/>
+                <c:pt idx="0">
+                  <c:v>129.0</c:v>
+                </c:pt>
+              </c:numCache>
+            </c:numRef>
+          </c:val>
+        </c:ser>
+        <c:ser>
+          <c:idx val="2"/>
+          <c:order val="2"/>
+          <c:tx>
+            <c:strRef>
+              <c:f>Sheet1!$D$1</c:f>
+              <c:strCache>
+                <c:ptCount val="1"/>
+                <c:pt idx="0">
+                  <c:v>3</c:v>
+                </c:pt>
+              </c:strCache>
+            </c:strRef>
+          </c:tx>
+          <c:spPr>
+            <a:solidFill>
+              <a:schemeClr val="accent3"/>
+            </a:solidFill>
+            <a:ln>
+              <a:noFill/>
+            </a:ln>
+            <a:effectLst/>
+          </c:spPr>
+          <c:invertIfNegative val="0"/>
+          <c:cat>
+            <c:strRef>
+              <c:f>Sheet1!$A$2</c:f>
+              <c:strCache>
+                <c:ptCount val="1"/>
+                <c:pt idx="0">
+                  <c:v>Body Zones</c:v>
+                </c:pt>
+              </c:strCache>
+            </c:strRef>
+          </c:cat>
+          <c:val>
+            <c:numRef>
+              <c:f>Sheet1!$D$2</c:f>
+              <c:numCache>
+                <c:formatCode>General</c:formatCode>
+                <c:ptCount val="1"/>
+                <c:pt idx="0">
+                  <c:v>104.0</c:v>
+                </c:pt>
+              </c:numCache>
+            </c:numRef>
+          </c:val>
+        </c:ser>
+        <c:ser>
+          <c:idx val="3"/>
+          <c:order val="3"/>
+          <c:tx>
+            <c:strRef>
+              <c:f>Sheet1!$E$1</c:f>
+              <c:strCache>
+                <c:ptCount val="1"/>
+                <c:pt idx="0">
+                  <c:v>4</c:v>
+                </c:pt>
+              </c:strCache>
+            </c:strRef>
+          </c:tx>
+          <c:spPr>
+            <a:solidFill>
+              <a:schemeClr val="accent4"/>
+            </a:solidFill>
+            <a:ln>
+              <a:noFill/>
+            </a:ln>
+            <a:effectLst/>
+          </c:spPr>
+          <c:invertIfNegative val="0"/>
+          <c:cat>
+            <c:strRef>
+              <c:f>Sheet1!$A$2</c:f>
+              <c:strCache>
+                <c:ptCount val="1"/>
+                <c:pt idx="0">
+                  <c:v>Body Zones</c:v>
+                </c:pt>
+              </c:strCache>
+            </c:strRef>
+          </c:cat>
+          <c:val>
+            <c:numRef>
+              <c:f>Sheet1!$E$2</c:f>
+              <c:numCache>
+                <c:formatCode>General</c:formatCode>
+                <c:ptCount val="1"/>
+                <c:pt idx="0">
+                  <c:v>105.0</c:v>
+                </c:pt>
+              </c:numCache>
+            </c:numRef>
+          </c:val>
+        </c:ser>
+        <c:ser>
+          <c:idx val="4"/>
+          <c:order val="4"/>
+          <c:tx>
+            <c:strRef>
+              <c:f>Sheet1!$F$1</c:f>
+              <c:strCache>
+                <c:ptCount val="1"/>
+                <c:pt idx="0">
+                  <c:v>5</c:v>
+                </c:pt>
+              </c:strCache>
+            </c:strRef>
+          </c:tx>
+          <c:spPr>
+            <a:solidFill>
+              <a:schemeClr val="accent5"/>
+            </a:solidFill>
+            <a:ln>
+              <a:noFill/>
+            </a:ln>
+            <a:effectLst/>
+          </c:spPr>
+          <c:invertIfNegative val="0"/>
+          <c:cat>
+            <c:strRef>
+              <c:f>Sheet1!$A$2</c:f>
+              <c:strCache>
+                <c:ptCount val="1"/>
+                <c:pt idx="0">
+                  <c:v>Body Zones</c:v>
+                </c:pt>
+              </c:strCache>
+            </c:strRef>
+          </c:cat>
+          <c:val>
+            <c:numRef>
+              <c:f>Sheet1!$F$2</c:f>
+              <c:numCache>
+                <c:formatCode>General</c:formatCode>
+                <c:ptCount val="1"/>
+                <c:pt idx="0">
+                  <c:v>106.0</c:v>
+                </c:pt>
+              </c:numCache>
+            </c:numRef>
+          </c:val>
+        </c:ser>
+        <c:ser>
+          <c:idx val="5"/>
+          <c:order val="5"/>
+          <c:tx>
+            <c:strRef>
+              <c:f>Sheet1!$G$1</c:f>
+              <c:strCache>
+                <c:ptCount val="1"/>
+                <c:pt idx="0">
+                  <c:v>6</c:v>
+                </c:pt>
+              </c:strCache>
+            </c:strRef>
+          </c:tx>
+          <c:spPr>
+            <a:solidFill>
+              <a:schemeClr val="accent6"/>
+            </a:solidFill>
+            <a:ln>
+              <a:noFill/>
+            </a:ln>
+            <a:effectLst/>
+          </c:spPr>
+          <c:invertIfNegative val="0"/>
+          <c:cat>
+            <c:strRef>
+              <c:f>Sheet1!$A$2</c:f>
+              <c:strCache>
+                <c:ptCount val="1"/>
+                <c:pt idx="0">
+                  <c:v>Body Zones</c:v>
+                </c:pt>
+              </c:strCache>
+            </c:strRef>
+          </c:cat>
+          <c:val>
+            <c:numRef>
+              <c:f>Sheet1!$G$2</c:f>
+              <c:numCache>
+                <c:formatCode>General</c:formatCode>
+                <c:ptCount val="1"/>
+                <c:pt idx="0">
+                  <c:v>116.0</c:v>
+                </c:pt>
+              </c:numCache>
+            </c:numRef>
+          </c:val>
+        </c:ser>
+        <c:ser>
+          <c:idx val="6"/>
+          <c:order val="6"/>
+          <c:tx>
+            <c:strRef>
+              <c:f>Sheet1!$H$1</c:f>
+              <c:strCache>
+                <c:ptCount val="1"/>
+                <c:pt idx="0">
+                  <c:v>7</c:v>
+                </c:pt>
+              </c:strCache>
+            </c:strRef>
+          </c:tx>
+          <c:spPr>
+            <a:solidFill>
+              <a:schemeClr val="accent1">
+                <a:lumMod val="60000"/>
+              </a:schemeClr>
+            </a:solidFill>
+            <a:ln>
+              <a:noFill/>
+            </a:ln>
+            <a:effectLst/>
+          </c:spPr>
+          <c:invertIfNegative val="0"/>
+          <c:cat>
+            <c:strRef>
+              <c:f>Sheet1!$A$2</c:f>
+              <c:strCache>
+                <c:ptCount val="1"/>
+                <c:pt idx="0">
+                  <c:v>Body Zones</c:v>
+                </c:pt>
+              </c:strCache>
+            </c:strRef>
+          </c:cat>
+          <c:val>
+            <c:numRef>
+              <c:f>Sheet1!$H$2</c:f>
+              <c:numCache>
+                <c:formatCode>General</c:formatCode>
+                <c:ptCount val="1"/>
+                <c:pt idx="0">
+                  <c:v>93.0</c:v>
+                </c:pt>
+              </c:numCache>
+            </c:numRef>
+          </c:val>
+        </c:ser>
+        <c:ser>
+          <c:idx val="7"/>
+          <c:order val="7"/>
+          <c:tx>
+            <c:strRef>
+              <c:f>Sheet1!$I$1</c:f>
+              <c:strCache>
+                <c:ptCount val="1"/>
+                <c:pt idx="0">
+                  <c:v>8</c:v>
+                </c:pt>
+              </c:strCache>
+            </c:strRef>
+          </c:tx>
+          <c:spPr>
+            <a:solidFill>
+              <a:schemeClr val="accent2">
+                <a:lumMod val="60000"/>
+              </a:schemeClr>
+            </a:solidFill>
+            <a:ln>
+              <a:noFill/>
+            </a:ln>
+            <a:effectLst/>
+          </c:spPr>
+          <c:invertIfNegative val="0"/>
+          <c:cat>
+            <c:strRef>
+              <c:f>Sheet1!$A$2</c:f>
+              <c:strCache>
+                <c:ptCount val="1"/>
+                <c:pt idx="0">
+                  <c:v>Body Zones</c:v>
+                </c:pt>
+              </c:strCache>
+            </c:strRef>
+          </c:cat>
+          <c:val>
+            <c:numRef>
+              <c:f>Sheet1!$I$2</c:f>
+              <c:numCache>
+                <c:formatCode>General</c:formatCode>
+                <c:ptCount val="1"/>
+                <c:pt idx="0">
+                  <c:v>124.0</c:v>
+                </c:pt>
+              </c:numCache>
+            </c:numRef>
+          </c:val>
+        </c:ser>
+        <c:ser>
+          <c:idx val="8"/>
+          <c:order val="8"/>
+          <c:tx>
+            <c:strRef>
+              <c:f>Sheet1!$J$1</c:f>
+              <c:strCache>
+                <c:ptCount val="1"/>
+                <c:pt idx="0">
+                  <c:v>9</c:v>
+                </c:pt>
+              </c:strCache>
+            </c:strRef>
+          </c:tx>
+          <c:spPr>
+            <a:solidFill>
+              <a:schemeClr val="accent3">
+                <a:lumMod val="60000"/>
+              </a:schemeClr>
+            </a:solidFill>
+            <a:ln>
+              <a:noFill/>
+            </a:ln>
+            <a:effectLst/>
+          </c:spPr>
+          <c:invertIfNegative val="0"/>
+          <c:cat>
+            <c:strRef>
+              <c:f>Sheet1!$A$2</c:f>
+              <c:strCache>
+                <c:ptCount val="1"/>
+                <c:pt idx="0">
+                  <c:v>Body Zones</c:v>
+                </c:pt>
+              </c:strCache>
+            </c:strRef>
+          </c:cat>
+          <c:val>
+            <c:numRef>
+              <c:f>Sheet1!$J$2</c:f>
+              <c:numCache>
+                <c:formatCode>General</c:formatCode>
+                <c:ptCount val="1"/>
+                <c:pt idx="0">
+                  <c:v>90.0</c:v>
+                </c:pt>
+              </c:numCache>
+            </c:numRef>
+          </c:val>
+        </c:ser>
+        <c:ser>
+          <c:idx val="9"/>
+          <c:order val="9"/>
+          <c:tx>
+            <c:strRef>
+              <c:f>Sheet1!$K$1</c:f>
+              <c:strCache>
+                <c:ptCount val="1"/>
+                <c:pt idx="0">
+                  <c:v>10</c:v>
+                </c:pt>
+              </c:strCache>
+            </c:strRef>
+          </c:tx>
+          <c:spPr>
+            <a:solidFill>
+              <a:schemeClr val="accent4">
+                <a:lumMod val="60000"/>
+              </a:schemeClr>
+            </a:solidFill>
+            <a:ln>
+              <a:noFill/>
+            </a:ln>
+            <a:effectLst/>
+          </c:spPr>
+          <c:invertIfNegative val="0"/>
+          <c:cat>
+            <c:strRef>
+              <c:f>Sheet1!$A$2</c:f>
+              <c:strCache>
+                <c:ptCount val="1"/>
+                <c:pt idx="0">
+                  <c:v>Body Zones</c:v>
+                </c:pt>
+              </c:strCache>
+            </c:strRef>
+          </c:cat>
+          <c:val>
+            <c:numRef>
+              <c:f>Sheet1!$K$2</c:f>
+              <c:numCache>
+                <c:formatCode>General</c:formatCode>
+                <c:ptCount val="1"/>
+                <c:pt idx="0">
+                  <c:v>100.0</c:v>
+                </c:pt>
+              </c:numCache>
+            </c:numRef>
+          </c:val>
+        </c:ser>
+        <c:ser>
+          <c:idx val="10"/>
+          <c:order val="10"/>
+          <c:tx>
+            <c:strRef>
+              <c:f>Sheet1!$L$1</c:f>
+              <c:strCache>
+                <c:ptCount val="1"/>
+                <c:pt idx="0">
+                  <c:v>11</c:v>
+                </c:pt>
+              </c:strCache>
+            </c:strRef>
+          </c:tx>
+          <c:spPr>
+            <a:solidFill>
+              <a:schemeClr val="accent5">
+                <a:lumMod val="60000"/>
+              </a:schemeClr>
+            </a:solidFill>
+            <a:ln>
+              <a:noFill/>
+            </a:ln>
+            <a:effectLst/>
+          </c:spPr>
+          <c:invertIfNegative val="0"/>
+          <c:cat>
+            <c:strRef>
+              <c:f>Sheet1!$A$2</c:f>
+              <c:strCache>
+                <c:ptCount val="1"/>
+                <c:pt idx="0">
+                  <c:v>Body Zones</c:v>
+                </c:pt>
+              </c:strCache>
+            </c:strRef>
+          </c:cat>
+          <c:val>
+            <c:numRef>
+              <c:f>Sheet1!$L$2</c:f>
+              <c:numCache>
+                <c:formatCode>General</c:formatCode>
+                <c:ptCount val="1"/>
+                <c:pt idx="0">
+                  <c:v>116.0</c:v>
+                </c:pt>
+              </c:numCache>
+            </c:numRef>
+          </c:val>
+        </c:ser>
+        <c:ser>
+          <c:idx val="11"/>
+          <c:order val="11"/>
+          <c:tx>
+            <c:strRef>
+              <c:f>Sheet1!$M$1</c:f>
+              <c:strCache>
+                <c:ptCount val="1"/>
+                <c:pt idx="0">
+                  <c:v>12</c:v>
+                </c:pt>
+              </c:strCache>
+            </c:strRef>
+          </c:tx>
+          <c:spPr>
+            <a:solidFill>
+              <a:schemeClr val="accent6">
+                <a:lumMod val="60000"/>
+              </a:schemeClr>
+            </a:solidFill>
+            <a:ln>
+              <a:noFill/>
+            </a:ln>
+            <a:effectLst/>
+          </c:spPr>
+          <c:invertIfNegative val="0"/>
+          <c:cat>
+            <c:strRef>
+              <c:f>Sheet1!$A$2</c:f>
+              <c:strCache>
+                <c:ptCount val="1"/>
+                <c:pt idx="0">
+                  <c:v>Body Zones</c:v>
+                </c:pt>
+              </c:strCache>
+            </c:strRef>
+          </c:cat>
+          <c:val>
+            <c:numRef>
+              <c:f>Sheet1!$M$2</c:f>
+              <c:numCache>
+                <c:formatCode>General</c:formatCode>
+                <c:ptCount val="1"/>
+                <c:pt idx="0">
+                  <c:v>101.0</c:v>
+                </c:pt>
+              </c:numCache>
+            </c:numRef>
+          </c:val>
+        </c:ser>
+        <c:ser>
+          <c:idx val="12"/>
+          <c:order val="12"/>
+          <c:tx>
+            <c:strRef>
+              <c:f>Sheet1!$N$1</c:f>
+              <c:strCache>
+                <c:ptCount val="1"/>
+                <c:pt idx="0">
+                  <c:v>13</c:v>
+                </c:pt>
+              </c:strCache>
+            </c:strRef>
+          </c:tx>
+          <c:spPr>
+            <a:solidFill>
+              <a:schemeClr val="accent1">
+                <a:lumMod val="80000"/>
+                <a:lumOff val="20000"/>
+              </a:schemeClr>
+            </a:solidFill>
+            <a:ln>
+              <a:noFill/>
+            </a:ln>
+            <a:effectLst/>
+          </c:spPr>
+          <c:invertIfNegative val="0"/>
+          <c:cat>
+            <c:strRef>
+              <c:f>Sheet1!$A$2</c:f>
+              <c:strCache>
+                <c:ptCount val="1"/>
+                <c:pt idx="0">
+                  <c:v>Body Zones</c:v>
+                </c:pt>
+              </c:strCache>
+            </c:strRef>
+          </c:cat>
+          <c:val>
+            <c:numRef>
+              <c:f>Sheet1!$N$2</c:f>
+              <c:numCache>
+                <c:formatCode>General</c:formatCode>
+                <c:ptCount val="1"/>
+                <c:pt idx="0">
+                  <c:v>110.0</c:v>
+                </c:pt>
+              </c:numCache>
+            </c:numRef>
+          </c:val>
+        </c:ser>
+        <c:ser>
+          <c:idx val="13"/>
+          <c:order val="13"/>
+          <c:tx>
+            <c:strRef>
+              <c:f>Sheet1!$O$1</c:f>
+              <c:strCache>
+                <c:ptCount val="1"/>
+                <c:pt idx="0">
+                  <c:v>14</c:v>
+                </c:pt>
+              </c:strCache>
+            </c:strRef>
+          </c:tx>
+          <c:spPr>
+            <a:solidFill>
+              <a:schemeClr val="accent2">
+                <a:lumMod val="80000"/>
+                <a:lumOff val="20000"/>
+              </a:schemeClr>
+            </a:solidFill>
+            <a:ln>
+              <a:noFill/>
+            </a:ln>
+            <a:effectLst/>
+          </c:spPr>
+          <c:invertIfNegative val="0"/>
+          <c:cat>
+            <c:strRef>
+              <c:f>Sheet1!$A$2</c:f>
+              <c:strCache>
+                <c:ptCount val="1"/>
+                <c:pt idx="0">
+                  <c:v>Body Zones</c:v>
+                </c:pt>
+              </c:strCache>
+            </c:strRef>
+          </c:cat>
+          <c:val>
+            <c:numRef>
+              <c:f>Sheet1!$O$2</c:f>
+              <c:numCache>
+                <c:formatCode>General</c:formatCode>
+                <c:ptCount val="1"/>
+                <c:pt idx="0">
+                  <c:v>122.0</c:v>
+                </c:pt>
+              </c:numCache>
+            </c:numRef>
+          </c:val>
+        </c:ser>
+        <c:ser>
+          <c:idx val="14"/>
+          <c:order val="14"/>
+          <c:tx>
+            <c:strRef>
+              <c:f>Sheet1!$P$1</c:f>
+              <c:strCache>
+                <c:ptCount val="1"/>
+                <c:pt idx="0">
+                  <c:v>15</c:v>
+                </c:pt>
+              </c:strCache>
+            </c:strRef>
+          </c:tx>
+          <c:spPr>
+            <a:solidFill>
+              <a:schemeClr val="accent3">
+                <a:lumMod val="80000"/>
+                <a:lumOff val="20000"/>
+              </a:schemeClr>
+            </a:solidFill>
+            <a:ln>
+              <a:noFill/>
+            </a:ln>
+            <a:effectLst/>
+          </c:spPr>
+          <c:invertIfNegative val="0"/>
+          <c:cat>
+            <c:strRef>
+              <c:f>Sheet1!$A$2</c:f>
+              <c:strCache>
+                <c:ptCount val="1"/>
+                <c:pt idx="0">
+                  <c:v>Body Zones</c:v>
+                </c:pt>
+              </c:strCache>
+            </c:strRef>
+          </c:cat>
+          <c:val>
+            <c:numRef>
+              <c:f>Sheet1!$P$2</c:f>
+              <c:numCache>
+                <c:formatCode>General</c:formatCode>
+                <c:ptCount val="1"/>
+                <c:pt idx="0">
+                  <c:v>118.0</c:v>
+                </c:pt>
+              </c:numCache>
+            </c:numRef>
+          </c:val>
+        </c:ser>
+        <c:ser>
+          <c:idx val="15"/>
+          <c:order val="15"/>
+          <c:tx>
+            <c:strRef>
+              <c:f>Sheet1!$Q$1</c:f>
+              <c:strCache>
+                <c:ptCount val="1"/>
+                <c:pt idx="0">
+                  <c:v>16</c:v>
+                </c:pt>
+              </c:strCache>
+            </c:strRef>
+          </c:tx>
+          <c:spPr>
+            <a:solidFill>
+              <a:schemeClr val="accent4">
+                <a:lumMod val="80000"/>
+                <a:lumOff val="20000"/>
+              </a:schemeClr>
+            </a:solidFill>
+            <a:ln>
+              <a:noFill/>
+            </a:ln>
+            <a:effectLst/>
+          </c:spPr>
+          <c:invertIfNegative val="0"/>
+          <c:cat>
+            <c:strRef>
+              <c:f>Sheet1!$A$2</c:f>
+              <c:strCache>
+                <c:ptCount val="1"/>
+                <c:pt idx="0">
+                  <c:v>Body Zones</c:v>
+                </c:pt>
+              </c:strCache>
+            </c:strRef>
+          </c:cat>
+          <c:val>
+            <c:numRef>
+              <c:f>Sheet1!$Q$2</c:f>
+              <c:numCache>
+                <c:formatCode>General</c:formatCode>
+                <c:ptCount val="1"/>
+                <c:pt idx="0">
+                  <c:v>109.0</c:v>
+                </c:pt>
+              </c:numCache>
+            </c:numRef>
+          </c:val>
+        </c:ser>
+        <c:ser>
+          <c:idx val="16"/>
+          <c:order val="16"/>
+          <c:tx>
+            <c:strRef>
+              <c:f>Sheet1!$R$1</c:f>
+              <c:strCache>
+                <c:ptCount val="1"/>
+                <c:pt idx="0">
+                  <c:v>17</c:v>
+                </c:pt>
+              </c:strCache>
+            </c:strRef>
+          </c:tx>
+          <c:spPr>
+            <a:solidFill>
+              <a:schemeClr val="accent5">
+                <a:lumMod val="80000"/>
+                <a:lumOff val="20000"/>
+              </a:schemeClr>
+            </a:solidFill>
+            <a:ln>
+              <a:noFill/>
+            </a:ln>
+            <a:effectLst/>
+          </c:spPr>
+          <c:invertIfNegative val="0"/>
+          <c:cat>
+            <c:strRef>
+              <c:f>Sheet1!$A$2</c:f>
+              <c:strCache>
+                <c:ptCount val="1"/>
+                <c:pt idx="0">
+                  <c:v>Body Zones</c:v>
+                </c:pt>
+              </c:strCache>
+            </c:strRef>
+          </c:cat>
+          <c:val>
+            <c:numRef>
+              <c:f>Sheet1!$R$2</c:f>
+              <c:numCache>
+                <c:formatCode>General</c:formatCode>
+                <c:ptCount val="1"/>
+                <c:pt idx="0">
+                  <c:v>95.0</c:v>
+                </c:pt>
+              </c:numCache>
+            </c:numRef>
+          </c:val>
+        </c:ser>
+        <c:dLbls>
+          <c:showLegendKey val="0"/>
+          <c:showVal val="0"/>
+          <c:showCatName val="0"/>
+          <c:showSerName val="0"/>
+          <c:showPercent val="0"/>
+          <c:showBubbleSize val="0"/>
+        </c:dLbls>
+        <c:gapWidth val="219"/>
+        <c:overlap val="-27"/>
+        <c:axId val="1948437360"/>
+        <c:axId val="1948439136"/>
+      </c:barChart>
+      <c:catAx>
+        <c:axId val="1948437360"/>
+        <c:scaling>
+          <c:orientation val="minMax"/>
+        </c:scaling>
+        <c:delete val="0"/>
+        <c:axPos val="b"/>
+        <c:numFmt formatCode="General" sourceLinked="1"/>
+        <c:majorTickMark val="none"/>
+        <c:minorTickMark val="none"/>
+        <c:tickLblPos val="nextTo"/>
+        <c:spPr>
+          <a:noFill/>
+          <a:ln w="9525" cap="flat" cmpd="sng" algn="ctr">
+            <a:solidFill>
+              <a:schemeClr val="tx1">
+                <a:lumMod val="15000"/>
+                <a:lumOff val="85000"/>
+              </a:schemeClr>
+            </a:solidFill>
+            <a:round/>
+          </a:ln>
+          <a:effectLst/>
+        </c:spPr>
+        <c:txPr>
+          <a:bodyPr rot="-60000000" spcFirstLastPara="1" vertOverflow="ellipsis" vert="horz" wrap="square" anchor="ctr" anchorCtr="1"/>
+          <a:lstStyle/>
+          <a:p>
+            <a:pPr>
+              <a:defRPr sz="1197" b="0" i="0" u="none" strike="noStrike" kern="1200" baseline="0">
+                <a:solidFill>
+                  <a:schemeClr val="tx1">
+                    <a:lumMod val="65000"/>
+                    <a:lumOff val="35000"/>
+                  </a:schemeClr>
+                </a:solidFill>
+                <a:latin typeface="+mn-lt"/>
+                <a:ea typeface="+mn-ea"/>
+                <a:cs typeface="+mn-cs"/>
+              </a:defRPr>
+            </a:pPr>
+            <a:endParaRPr lang="en-US"/>
+          </a:p>
+        </c:txPr>
+        <c:crossAx val="1948439136"/>
+        <c:crosses val="autoZero"/>
+        <c:auto val="1"/>
+        <c:lblAlgn val="ctr"/>
+        <c:lblOffset val="100"/>
+        <c:noMultiLvlLbl val="0"/>
+      </c:catAx>
+      <c:valAx>
+        <c:axId val="1948439136"/>
+        <c:scaling>
+          <c:orientation val="minMax"/>
+        </c:scaling>
+        <c:delete val="0"/>
+        <c:axPos val="l"/>
+        <c:majorGridlines>
+          <c:spPr>
+            <a:ln w="9525" cap="flat" cmpd="sng" algn="ctr">
+              <a:solidFill>
+                <a:schemeClr val="tx1">
+                  <a:lumMod val="15000"/>
+                  <a:lumOff val="85000"/>
+                </a:schemeClr>
+              </a:solidFill>
+              <a:round/>
+            </a:ln>
+            <a:effectLst/>
+          </c:spPr>
+        </c:majorGridlines>
+        <c:title>
+          <c:tx>
+            <c:rich>
+              <a:bodyPr rot="-5400000" spcFirstLastPara="1" vertOverflow="ellipsis" vert="horz" wrap="square" anchor="ctr" anchorCtr="1"/>
+              <a:lstStyle/>
+              <a:p>
+                <a:pPr>
+                  <a:defRPr sz="1330" b="0" i="0" u="none" strike="noStrike" kern="1200" baseline="0">
+                    <a:solidFill>
+                      <a:schemeClr val="tx1">
+                        <a:lumMod val="65000"/>
+                        <a:lumOff val="35000"/>
+                      </a:schemeClr>
+                    </a:solidFill>
+                    <a:latin typeface="+mn-lt"/>
+                    <a:ea typeface="+mn-ea"/>
+                    <a:cs typeface="+mn-cs"/>
+                  </a:defRPr>
+                </a:pPr>
+                <a:r>
+                  <a:rPr lang="en-US" dirty="0" smtClean="0"/>
+                  <a:t>Number of Subjects</a:t>
+                </a:r>
+              </a:p>
+            </c:rich>
+          </c:tx>
+          <c:layout/>
+          <c:overlay val="0"/>
+          <c:spPr>
+            <a:noFill/>
+            <a:ln>
+              <a:noFill/>
+            </a:ln>
+            <a:effectLst/>
+          </c:spPr>
+          <c:txPr>
+            <a:bodyPr rot="-5400000" spcFirstLastPara="1" vertOverflow="ellipsis" vert="horz" wrap="square" anchor="ctr" anchorCtr="1"/>
+            <a:lstStyle/>
+            <a:p>
+              <a:pPr>
+                <a:defRPr sz="1330" b="0" i="0" u="none" strike="noStrike" kern="1200" baseline="0">
+                  <a:solidFill>
+                    <a:schemeClr val="tx1">
+                      <a:lumMod val="65000"/>
+                      <a:lumOff val="35000"/>
+                    </a:schemeClr>
+                  </a:solidFill>
+                  <a:latin typeface="+mn-lt"/>
+                  <a:ea typeface="+mn-ea"/>
+                  <a:cs typeface="+mn-cs"/>
+                </a:defRPr>
+              </a:pPr>
+              <a:endParaRPr lang="en-US"/>
+            </a:p>
+          </c:txPr>
+        </c:title>
+        <c:majorTickMark val="none"/>
+        <c:minorTickMark val="none"/>
+        <c:tickLblPos val="nextTo"/>
+        <c:spPr>
+          <a:noFill/>
+          <a:ln>
+            <a:noFill/>
+          </a:ln>
+          <a:effectLst/>
+        </c:spPr>
+        <c:txPr>
+          <a:bodyPr rot="-60000000" spcFirstLastPara="1" vertOverflow="ellipsis" vert="horz" wrap="square" anchor="ctr" anchorCtr="1"/>
+          <a:lstStyle/>
+          <a:p>
+            <a:pPr>
+              <a:defRPr sz="1197" b="0" i="0" u="none" strike="noStrike" kern="1200" baseline="0">
+                <a:solidFill>
+                  <a:schemeClr val="tx1">
+                    <a:lumMod val="65000"/>
+                    <a:lumOff val="35000"/>
+                  </a:schemeClr>
+                </a:solidFill>
+                <a:latin typeface="+mn-lt"/>
+                <a:ea typeface="+mn-ea"/>
+                <a:cs typeface="+mn-cs"/>
+              </a:defRPr>
+            </a:pPr>
+            <a:endParaRPr lang="en-US"/>
+          </a:p>
+        </c:txPr>
+        <c:crossAx val="1948437360"/>
+        <c:crosses val="autoZero"/>
+        <c:crossBetween val="between"/>
+      </c:valAx>
+      <c:spPr>
+        <a:noFill/>
+        <a:ln>
+          <a:noFill/>
+        </a:ln>
+        <a:effectLst/>
+      </c:spPr>
+    </c:plotArea>
+    <c:legend>
+      <c:legendPos val="b"/>
+      <c:layout/>
+      <c:overlay val="0"/>
+      <c:spPr>
+        <a:noFill/>
+        <a:ln>
+          <a:noFill/>
+        </a:ln>
+        <a:effectLst/>
+      </c:spPr>
+      <c:txPr>
+        <a:bodyPr rot="0" spcFirstLastPara="1" vertOverflow="ellipsis" vert="horz" wrap="square" anchor="ctr" anchorCtr="1"/>
+        <a:lstStyle/>
+        <a:p>
+          <a:pPr>
+            <a:defRPr sz="1197" b="0" i="0" u="none" strike="noStrike" kern="1200" baseline="0">
+              <a:solidFill>
+                <a:schemeClr val="tx1">
+                  <a:lumMod val="65000"/>
+                  <a:lumOff val="35000"/>
+                </a:schemeClr>
+              </a:solidFill>
+              <a:latin typeface="+mn-lt"/>
+              <a:ea typeface="+mn-ea"/>
+              <a:cs typeface="+mn-cs"/>
+            </a:defRPr>
+          </a:pPr>
+          <a:endParaRPr lang="en-US"/>
+        </a:p>
+      </c:txPr>
+    </c:legend>
+    <c:plotVisOnly val="1"/>
+    <c:dispBlanksAs val="gap"/>
+    <c:showDLblsOverMax val="0"/>
+  </c:chart>
+  <c:spPr>
+    <a:noFill/>
+    <a:ln>
+      <a:noFill/>
+    </a:ln>
+    <a:effectLst/>
+  </c:spPr>
+  <c:txPr>
+    <a:bodyPr/>
+    <a:lstStyle/>
+    <a:p>
+      <a:pPr>
+        <a:defRPr/>
+      </a:pPr>
+      <a:endParaRPr lang="en-US"/>
+    </a:p>
+  </c:txPr>
+  <c:externalData r:id="rId3">
+    <c:autoUpdate val="0"/>
+  </c:externalData>
+</c:chartSpace>
+</file>
+
 <file path=ppt/charts/colors1.xml><?xml version="1.0" encoding="utf-8"?>
 <cs:colorStyle xmlns:cs="http://schemas.microsoft.com/office/drawing/2012/chartStyle" xmlns:a="http://schemas.openxmlformats.org/drawingml/2006/main" meth="cycle" id="10">
   <a:schemeClr val="accent1"/>
@@ -564,7 +2250,1093 @@
 </cs:colorStyle>
 </file>
 
+<file path=ppt/charts/colors2.xml><?xml version="1.0" encoding="utf-8"?>
+<cs:colorStyle xmlns:cs="http://schemas.microsoft.com/office/drawing/2012/chartStyle" xmlns:a="http://schemas.openxmlformats.org/drawingml/2006/main" meth="cycle" id="10">
+  <a:schemeClr val="accent1"/>
+  <a:schemeClr val="accent2"/>
+  <a:schemeClr val="accent3"/>
+  <a:schemeClr val="accent4"/>
+  <a:schemeClr val="accent5"/>
+  <a:schemeClr val="accent6"/>
+  <cs:variation/>
+  <cs:variation>
+    <a:lumMod val="60000"/>
+  </cs:variation>
+  <cs:variation>
+    <a:lumMod val="80000"/>
+    <a:lumOff val="20000"/>
+  </cs:variation>
+  <cs:variation>
+    <a:lumMod val="80000"/>
+  </cs:variation>
+  <cs:variation>
+    <a:lumMod val="60000"/>
+    <a:lumOff val="40000"/>
+  </cs:variation>
+  <cs:variation>
+    <a:lumMod val="50000"/>
+  </cs:variation>
+  <cs:variation>
+    <a:lumMod val="70000"/>
+    <a:lumOff val="30000"/>
+  </cs:variation>
+  <cs:variation>
+    <a:lumMod val="70000"/>
+  </cs:variation>
+  <cs:variation>
+    <a:lumMod val="50000"/>
+    <a:lumOff val="50000"/>
+  </cs:variation>
+</cs:colorStyle>
+</file>
+
+<file path=ppt/charts/colors3.xml><?xml version="1.0" encoding="utf-8"?>
+<cs:colorStyle xmlns:cs="http://schemas.microsoft.com/office/drawing/2012/chartStyle" xmlns:a="http://schemas.openxmlformats.org/drawingml/2006/main" meth="cycle" id="10">
+  <a:schemeClr val="accent1"/>
+  <a:schemeClr val="accent2"/>
+  <a:schemeClr val="accent3"/>
+  <a:schemeClr val="accent4"/>
+  <a:schemeClr val="accent5"/>
+  <a:schemeClr val="accent6"/>
+  <cs:variation/>
+  <cs:variation>
+    <a:lumMod val="60000"/>
+  </cs:variation>
+  <cs:variation>
+    <a:lumMod val="80000"/>
+    <a:lumOff val="20000"/>
+  </cs:variation>
+  <cs:variation>
+    <a:lumMod val="80000"/>
+  </cs:variation>
+  <cs:variation>
+    <a:lumMod val="60000"/>
+    <a:lumOff val="40000"/>
+  </cs:variation>
+  <cs:variation>
+    <a:lumMod val="50000"/>
+  </cs:variation>
+  <cs:variation>
+    <a:lumMod val="70000"/>
+    <a:lumOff val="30000"/>
+  </cs:variation>
+  <cs:variation>
+    <a:lumMod val="70000"/>
+  </cs:variation>
+  <cs:variation>
+    <a:lumMod val="50000"/>
+    <a:lumOff val="50000"/>
+  </cs:variation>
+</cs:colorStyle>
+</file>
+
 <file path=ppt/charts/style1.xml><?xml version="1.0" encoding="utf-8"?>
+<cs:chartStyle xmlns:cs="http://schemas.microsoft.com/office/drawing/2012/chartStyle" xmlns:a="http://schemas.openxmlformats.org/drawingml/2006/main" id="201">
+  <cs:axisTitle>
+    <cs:lnRef idx="0"/>
+    <cs:fillRef idx="0"/>
+    <cs:effectRef idx="0"/>
+    <cs:fontRef idx="minor">
+      <a:schemeClr val="tx1">
+        <a:lumMod val="65000"/>
+        <a:lumOff val="35000"/>
+      </a:schemeClr>
+    </cs:fontRef>
+    <cs:defRPr sz="1330" kern="1200"/>
+  </cs:axisTitle>
+  <cs:categoryAxis>
+    <cs:lnRef idx="0"/>
+    <cs:fillRef idx="0"/>
+    <cs:effectRef idx="0"/>
+    <cs:fontRef idx="minor">
+      <a:schemeClr val="tx1">
+        <a:lumMod val="65000"/>
+        <a:lumOff val="35000"/>
+      </a:schemeClr>
+    </cs:fontRef>
+    <cs:spPr>
+      <a:ln w="9525" cap="flat" cmpd="sng" algn="ctr">
+        <a:solidFill>
+          <a:schemeClr val="tx1">
+            <a:lumMod val="15000"/>
+            <a:lumOff val="85000"/>
+          </a:schemeClr>
+        </a:solidFill>
+        <a:round/>
+      </a:ln>
+    </cs:spPr>
+    <cs:defRPr sz="1197" kern="1200"/>
+  </cs:categoryAxis>
+  <cs:chartArea mods="allowNoFillOverride allowNoLineOverride">
+    <cs:lnRef idx="0"/>
+    <cs:fillRef idx="0"/>
+    <cs:effectRef idx="0"/>
+    <cs:fontRef idx="minor">
+      <a:schemeClr val="tx1"/>
+    </cs:fontRef>
+    <cs:spPr>
+      <a:solidFill>
+        <a:schemeClr val="bg1"/>
+      </a:solidFill>
+      <a:ln w="9525" cap="flat" cmpd="sng" algn="ctr">
+        <a:solidFill>
+          <a:schemeClr val="tx1">
+            <a:lumMod val="15000"/>
+            <a:lumOff val="85000"/>
+          </a:schemeClr>
+        </a:solidFill>
+        <a:round/>
+      </a:ln>
+    </cs:spPr>
+    <cs:defRPr sz="1330" kern="1200"/>
+  </cs:chartArea>
+  <cs:dataLabel>
+    <cs:lnRef idx="0"/>
+    <cs:fillRef idx="0"/>
+    <cs:effectRef idx="0"/>
+    <cs:fontRef idx="minor">
+      <a:schemeClr val="tx1">
+        <a:lumMod val="75000"/>
+        <a:lumOff val="25000"/>
+      </a:schemeClr>
+    </cs:fontRef>
+    <cs:defRPr sz="1197" kern="1200"/>
+  </cs:dataLabel>
+  <cs:dataLabelCallout>
+    <cs:lnRef idx="0"/>
+    <cs:fillRef idx="0"/>
+    <cs:effectRef idx="0"/>
+    <cs:fontRef idx="minor">
+      <a:schemeClr val="dk1">
+        <a:lumMod val="65000"/>
+        <a:lumOff val="35000"/>
+      </a:schemeClr>
+    </cs:fontRef>
+    <cs:spPr>
+      <a:solidFill>
+        <a:schemeClr val="lt1"/>
+      </a:solidFill>
+      <a:ln>
+        <a:solidFill>
+          <a:schemeClr val="dk1">
+            <a:lumMod val="25000"/>
+            <a:lumOff val="75000"/>
+          </a:schemeClr>
+        </a:solidFill>
+      </a:ln>
+    </cs:spPr>
+    <cs:defRPr sz="1197" kern="1200"/>
+    <cs:bodyPr rot="0" spcFirstLastPara="1" vertOverflow="clip" horzOverflow="clip" vert="horz" wrap="square" lIns="36576" tIns="18288" rIns="36576" bIns="18288" anchor="ctr" anchorCtr="1">
+      <a:spAutoFit/>
+    </cs:bodyPr>
+  </cs:dataLabelCallout>
+  <cs:dataPoint>
+    <cs:lnRef idx="0"/>
+    <cs:fillRef idx="1">
+      <cs:styleClr val="auto"/>
+    </cs:fillRef>
+    <cs:effectRef idx="0"/>
+    <cs:fontRef idx="minor">
+      <a:schemeClr val="tx1"/>
+    </cs:fontRef>
+  </cs:dataPoint>
+  <cs:dataPoint3D>
+    <cs:lnRef idx="0"/>
+    <cs:fillRef idx="1">
+      <cs:styleClr val="auto"/>
+    </cs:fillRef>
+    <cs:effectRef idx="0"/>
+    <cs:fontRef idx="minor">
+      <a:schemeClr val="tx1"/>
+    </cs:fontRef>
+  </cs:dataPoint3D>
+  <cs:dataPointLine>
+    <cs:lnRef idx="0">
+      <cs:styleClr val="auto"/>
+    </cs:lnRef>
+    <cs:fillRef idx="1"/>
+    <cs:effectRef idx="0"/>
+    <cs:fontRef idx="minor">
+      <a:schemeClr val="tx1"/>
+    </cs:fontRef>
+    <cs:spPr>
+      <a:ln w="28575" cap="rnd">
+        <a:solidFill>
+          <a:schemeClr val="phClr"/>
+        </a:solidFill>
+        <a:round/>
+      </a:ln>
+    </cs:spPr>
+  </cs:dataPointLine>
+  <cs:dataPointMarker>
+    <cs:lnRef idx="0">
+      <cs:styleClr val="auto"/>
+    </cs:lnRef>
+    <cs:fillRef idx="1">
+      <cs:styleClr val="auto"/>
+    </cs:fillRef>
+    <cs:effectRef idx="0"/>
+    <cs:fontRef idx="minor">
+      <a:schemeClr val="tx1"/>
+    </cs:fontRef>
+    <cs:spPr>
+      <a:ln w="9525">
+        <a:solidFill>
+          <a:schemeClr val="phClr"/>
+        </a:solidFill>
+      </a:ln>
+    </cs:spPr>
+  </cs:dataPointMarker>
+  <cs:dataPointMarkerLayout symbol="circle" size="5"/>
+  <cs:dataPointWireframe>
+    <cs:lnRef idx="0">
+      <cs:styleClr val="auto"/>
+    </cs:lnRef>
+    <cs:fillRef idx="1"/>
+    <cs:effectRef idx="0"/>
+    <cs:fontRef idx="minor">
+      <a:schemeClr val="tx1"/>
+    </cs:fontRef>
+    <cs:spPr>
+      <a:ln w="9525" cap="rnd">
+        <a:solidFill>
+          <a:schemeClr val="phClr"/>
+        </a:solidFill>
+        <a:round/>
+      </a:ln>
+    </cs:spPr>
+  </cs:dataPointWireframe>
+  <cs:dataTable>
+    <cs:lnRef idx="0"/>
+    <cs:fillRef idx="0"/>
+    <cs:effectRef idx="0"/>
+    <cs:fontRef idx="minor">
+      <a:schemeClr val="tx1">
+        <a:lumMod val="65000"/>
+        <a:lumOff val="35000"/>
+      </a:schemeClr>
+    </cs:fontRef>
+    <cs:spPr>
+      <a:noFill/>
+      <a:ln w="9525" cap="flat" cmpd="sng" algn="ctr">
+        <a:solidFill>
+          <a:schemeClr val="tx1">
+            <a:lumMod val="15000"/>
+            <a:lumOff val="85000"/>
+          </a:schemeClr>
+        </a:solidFill>
+        <a:round/>
+      </a:ln>
+    </cs:spPr>
+    <cs:defRPr sz="1197" kern="1200"/>
+  </cs:dataTable>
+  <cs:downBar>
+    <cs:lnRef idx="0"/>
+    <cs:fillRef idx="0"/>
+    <cs:effectRef idx="0"/>
+    <cs:fontRef idx="minor">
+      <a:schemeClr val="dk1"/>
+    </cs:fontRef>
+    <cs:spPr>
+      <a:solidFill>
+        <a:schemeClr val="dk1">
+          <a:lumMod val="65000"/>
+          <a:lumOff val="35000"/>
+        </a:schemeClr>
+      </a:solidFill>
+      <a:ln w="9525">
+        <a:solidFill>
+          <a:schemeClr val="tx1">
+            <a:lumMod val="65000"/>
+            <a:lumOff val="35000"/>
+          </a:schemeClr>
+        </a:solidFill>
+      </a:ln>
+    </cs:spPr>
+  </cs:downBar>
+  <cs:dropLine>
+    <cs:lnRef idx="0"/>
+    <cs:fillRef idx="0"/>
+    <cs:effectRef idx="0"/>
+    <cs:fontRef idx="minor">
+      <a:schemeClr val="tx1"/>
+    </cs:fontRef>
+    <cs:spPr>
+      <a:ln w="9525" cap="flat" cmpd="sng" algn="ctr">
+        <a:solidFill>
+          <a:schemeClr val="tx1">
+            <a:lumMod val="35000"/>
+            <a:lumOff val="65000"/>
+          </a:schemeClr>
+        </a:solidFill>
+        <a:round/>
+      </a:ln>
+    </cs:spPr>
+  </cs:dropLine>
+  <cs:errorBar>
+    <cs:lnRef idx="0"/>
+    <cs:fillRef idx="0"/>
+    <cs:effectRef idx="0"/>
+    <cs:fontRef idx="minor">
+      <a:schemeClr val="tx1"/>
+    </cs:fontRef>
+    <cs:spPr>
+      <a:ln w="9525" cap="flat" cmpd="sng" algn="ctr">
+        <a:solidFill>
+          <a:schemeClr val="tx1">
+            <a:lumMod val="65000"/>
+            <a:lumOff val="35000"/>
+          </a:schemeClr>
+        </a:solidFill>
+        <a:round/>
+      </a:ln>
+    </cs:spPr>
+  </cs:errorBar>
+  <cs:floor>
+    <cs:lnRef idx="0"/>
+    <cs:fillRef idx="0"/>
+    <cs:effectRef idx="0"/>
+    <cs:fontRef idx="minor">
+      <a:schemeClr val="tx1"/>
+    </cs:fontRef>
+    <cs:spPr>
+      <a:noFill/>
+      <a:ln>
+        <a:noFill/>
+      </a:ln>
+    </cs:spPr>
+  </cs:floor>
+  <cs:gridlineMajor>
+    <cs:lnRef idx="0"/>
+    <cs:fillRef idx="0"/>
+    <cs:effectRef idx="0"/>
+    <cs:fontRef idx="minor">
+      <a:schemeClr val="tx1"/>
+    </cs:fontRef>
+    <cs:spPr>
+      <a:ln w="9525" cap="flat" cmpd="sng" algn="ctr">
+        <a:solidFill>
+          <a:schemeClr val="tx1">
+            <a:lumMod val="15000"/>
+            <a:lumOff val="85000"/>
+          </a:schemeClr>
+        </a:solidFill>
+        <a:round/>
+      </a:ln>
+    </cs:spPr>
+  </cs:gridlineMajor>
+  <cs:gridlineMinor>
+    <cs:lnRef idx="0"/>
+    <cs:fillRef idx="0"/>
+    <cs:effectRef idx="0"/>
+    <cs:fontRef idx="minor">
+      <a:schemeClr val="tx1"/>
+    </cs:fontRef>
+    <cs:spPr>
+      <a:ln w="9525" cap="flat" cmpd="sng" algn="ctr">
+        <a:solidFill>
+          <a:schemeClr val="tx1">
+            <a:lumMod val="5000"/>
+            <a:lumOff val="95000"/>
+          </a:schemeClr>
+        </a:solidFill>
+        <a:round/>
+      </a:ln>
+    </cs:spPr>
+  </cs:gridlineMinor>
+  <cs:hiLoLine>
+    <cs:lnRef idx="0"/>
+    <cs:fillRef idx="0"/>
+    <cs:effectRef idx="0"/>
+    <cs:fontRef idx="minor">
+      <a:schemeClr val="tx1"/>
+    </cs:fontRef>
+    <cs:spPr>
+      <a:ln w="9525" cap="flat" cmpd="sng" algn="ctr">
+        <a:solidFill>
+          <a:schemeClr val="tx1">
+            <a:lumMod val="75000"/>
+            <a:lumOff val="25000"/>
+          </a:schemeClr>
+        </a:solidFill>
+        <a:round/>
+      </a:ln>
+    </cs:spPr>
+  </cs:hiLoLine>
+  <cs:leaderLine>
+    <cs:lnRef idx="0"/>
+    <cs:fillRef idx="0"/>
+    <cs:effectRef idx="0"/>
+    <cs:fontRef idx="minor">
+      <a:schemeClr val="tx1"/>
+    </cs:fontRef>
+    <cs:spPr>
+      <a:ln w="9525" cap="flat" cmpd="sng" algn="ctr">
+        <a:solidFill>
+          <a:schemeClr val="tx1">
+            <a:lumMod val="35000"/>
+            <a:lumOff val="65000"/>
+          </a:schemeClr>
+        </a:solidFill>
+        <a:round/>
+      </a:ln>
+    </cs:spPr>
+  </cs:leaderLine>
+  <cs:legend>
+    <cs:lnRef idx="0"/>
+    <cs:fillRef idx="0"/>
+    <cs:effectRef idx="0"/>
+    <cs:fontRef idx="minor">
+      <a:schemeClr val="tx1">
+        <a:lumMod val="65000"/>
+        <a:lumOff val="35000"/>
+      </a:schemeClr>
+    </cs:fontRef>
+    <cs:defRPr sz="1197" kern="1200"/>
+  </cs:legend>
+  <cs:plotArea mods="allowNoFillOverride allowNoLineOverride">
+    <cs:lnRef idx="0"/>
+    <cs:fillRef idx="0"/>
+    <cs:effectRef idx="0"/>
+    <cs:fontRef idx="minor">
+      <a:schemeClr val="tx1"/>
+    </cs:fontRef>
+  </cs:plotArea>
+  <cs:plotArea3D mods="allowNoFillOverride allowNoLineOverride">
+    <cs:lnRef idx="0"/>
+    <cs:fillRef idx="0"/>
+    <cs:effectRef idx="0"/>
+    <cs:fontRef idx="minor">
+      <a:schemeClr val="tx1"/>
+    </cs:fontRef>
+  </cs:plotArea3D>
+  <cs:seriesAxis>
+    <cs:lnRef idx="0"/>
+    <cs:fillRef idx="0"/>
+    <cs:effectRef idx="0"/>
+    <cs:fontRef idx="minor">
+      <a:schemeClr val="tx1">
+        <a:lumMod val="65000"/>
+        <a:lumOff val="35000"/>
+      </a:schemeClr>
+    </cs:fontRef>
+    <cs:defRPr sz="1197" kern="1200"/>
+  </cs:seriesAxis>
+  <cs:seriesLine>
+    <cs:lnRef idx="0"/>
+    <cs:fillRef idx="0"/>
+    <cs:effectRef idx="0"/>
+    <cs:fontRef idx="minor">
+      <a:schemeClr val="tx1"/>
+    </cs:fontRef>
+    <cs:spPr>
+      <a:ln w="9525" cap="flat" cmpd="sng" algn="ctr">
+        <a:solidFill>
+          <a:schemeClr val="tx1">
+            <a:lumMod val="35000"/>
+            <a:lumOff val="65000"/>
+          </a:schemeClr>
+        </a:solidFill>
+        <a:round/>
+      </a:ln>
+    </cs:spPr>
+  </cs:seriesLine>
+  <cs:title>
+    <cs:lnRef idx="0"/>
+    <cs:fillRef idx="0"/>
+    <cs:effectRef idx="0"/>
+    <cs:fontRef idx="minor">
+      <a:schemeClr val="tx1">
+        <a:lumMod val="65000"/>
+        <a:lumOff val="35000"/>
+      </a:schemeClr>
+    </cs:fontRef>
+    <cs:defRPr sz="1862" b="0" kern="1200" spc="0" baseline="0"/>
+  </cs:title>
+  <cs:trendline>
+    <cs:lnRef idx="0">
+      <cs:styleClr val="auto"/>
+    </cs:lnRef>
+    <cs:fillRef idx="0"/>
+    <cs:effectRef idx="0"/>
+    <cs:fontRef idx="minor">
+      <a:schemeClr val="tx1"/>
+    </cs:fontRef>
+    <cs:spPr>
+      <a:ln w="19050" cap="rnd">
+        <a:solidFill>
+          <a:schemeClr val="phClr"/>
+        </a:solidFill>
+        <a:prstDash val="sysDot"/>
+      </a:ln>
+    </cs:spPr>
+  </cs:trendline>
+  <cs:trendlineLabel>
+    <cs:lnRef idx="0"/>
+    <cs:fillRef idx="0"/>
+    <cs:effectRef idx="0"/>
+    <cs:fontRef idx="minor">
+      <a:schemeClr val="tx1">
+        <a:lumMod val="65000"/>
+        <a:lumOff val="35000"/>
+      </a:schemeClr>
+    </cs:fontRef>
+    <cs:defRPr sz="1197" kern="1200"/>
+  </cs:trendlineLabel>
+  <cs:upBar>
+    <cs:lnRef idx="0"/>
+    <cs:fillRef idx="0"/>
+    <cs:effectRef idx="0"/>
+    <cs:fontRef idx="minor">
+      <a:schemeClr val="dk1"/>
+    </cs:fontRef>
+    <cs:spPr>
+      <a:solidFill>
+        <a:schemeClr val="lt1"/>
+      </a:solidFill>
+      <a:ln w="9525">
+        <a:solidFill>
+          <a:schemeClr val="tx1">
+            <a:lumMod val="15000"/>
+            <a:lumOff val="85000"/>
+          </a:schemeClr>
+        </a:solidFill>
+      </a:ln>
+    </cs:spPr>
+  </cs:upBar>
+  <cs:valueAxis>
+    <cs:lnRef idx="0"/>
+    <cs:fillRef idx="0"/>
+    <cs:effectRef idx="0"/>
+    <cs:fontRef idx="minor">
+      <a:schemeClr val="tx1">
+        <a:lumMod val="65000"/>
+        <a:lumOff val="35000"/>
+      </a:schemeClr>
+    </cs:fontRef>
+    <cs:defRPr sz="1197" kern="1200"/>
+  </cs:valueAxis>
+  <cs:wall>
+    <cs:lnRef idx="0"/>
+    <cs:fillRef idx="0"/>
+    <cs:effectRef idx="0"/>
+    <cs:fontRef idx="minor">
+      <a:schemeClr val="tx1"/>
+    </cs:fontRef>
+    <cs:spPr>
+      <a:noFill/>
+      <a:ln>
+        <a:noFill/>
+      </a:ln>
+    </cs:spPr>
+  </cs:wall>
+</cs:chartStyle>
+</file>
+
+<file path=ppt/charts/style2.xml><?xml version="1.0" encoding="utf-8"?>
+<cs:chartStyle xmlns:cs="http://schemas.microsoft.com/office/drawing/2012/chartStyle" xmlns:a="http://schemas.openxmlformats.org/drawingml/2006/main" id="201">
+  <cs:axisTitle>
+    <cs:lnRef idx="0"/>
+    <cs:fillRef idx="0"/>
+    <cs:effectRef idx="0"/>
+    <cs:fontRef idx="minor">
+      <a:schemeClr val="tx1">
+        <a:lumMod val="65000"/>
+        <a:lumOff val="35000"/>
+      </a:schemeClr>
+    </cs:fontRef>
+    <cs:defRPr sz="1330" kern="1200"/>
+  </cs:axisTitle>
+  <cs:categoryAxis>
+    <cs:lnRef idx="0"/>
+    <cs:fillRef idx="0"/>
+    <cs:effectRef idx="0"/>
+    <cs:fontRef idx="minor">
+      <a:schemeClr val="tx1">
+        <a:lumMod val="65000"/>
+        <a:lumOff val="35000"/>
+      </a:schemeClr>
+    </cs:fontRef>
+    <cs:spPr>
+      <a:ln w="9525" cap="flat" cmpd="sng" algn="ctr">
+        <a:solidFill>
+          <a:schemeClr val="tx1">
+            <a:lumMod val="15000"/>
+            <a:lumOff val="85000"/>
+          </a:schemeClr>
+        </a:solidFill>
+        <a:round/>
+      </a:ln>
+    </cs:spPr>
+    <cs:defRPr sz="1197" kern="1200"/>
+  </cs:categoryAxis>
+  <cs:chartArea mods="allowNoFillOverride allowNoLineOverride">
+    <cs:lnRef idx="0"/>
+    <cs:fillRef idx="0"/>
+    <cs:effectRef idx="0"/>
+    <cs:fontRef idx="minor">
+      <a:schemeClr val="tx1"/>
+    </cs:fontRef>
+    <cs:spPr>
+      <a:solidFill>
+        <a:schemeClr val="bg1"/>
+      </a:solidFill>
+      <a:ln w="9525" cap="flat" cmpd="sng" algn="ctr">
+        <a:solidFill>
+          <a:schemeClr val="tx1">
+            <a:lumMod val="15000"/>
+            <a:lumOff val="85000"/>
+          </a:schemeClr>
+        </a:solidFill>
+        <a:round/>
+      </a:ln>
+    </cs:spPr>
+    <cs:defRPr sz="1330" kern="1200"/>
+  </cs:chartArea>
+  <cs:dataLabel>
+    <cs:lnRef idx="0"/>
+    <cs:fillRef idx="0"/>
+    <cs:effectRef idx="0"/>
+    <cs:fontRef idx="minor">
+      <a:schemeClr val="tx1">
+        <a:lumMod val="75000"/>
+        <a:lumOff val="25000"/>
+      </a:schemeClr>
+    </cs:fontRef>
+    <cs:defRPr sz="1197" kern="1200"/>
+  </cs:dataLabel>
+  <cs:dataLabelCallout>
+    <cs:lnRef idx="0"/>
+    <cs:fillRef idx="0"/>
+    <cs:effectRef idx="0"/>
+    <cs:fontRef idx="minor">
+      <a:schemeClr val="dk1">
+        <a:lumMod val="65000"/>
+        <a:lumOff val="35000"/>
+      </a:schemeClr>
+    </cs:fontRef>
+    <cs:spPr>
+      <a:solidFill>
+        <a:schemeClr val="lt1"/>
+      </a:solidFill>
+      <a:ln>
+        <a:solidFill>
+          <a:schemeClr val="dk1">
+            <a:lumMod val="25000"/>
+            <a:lumOff val="75000"/>
+          </a:schemeClr>
+        </a:solidFill>
+      </a:ln>
+    </cs:spPr>
+    <cs:defRPr sz="1197" kern="1200"/>
+    <cs:bodyPr rot="0" spcFirstLastPara="1" vertOverflow="clip" horzOverflow="clip" vert="horz" wrap="square" lIns="36576" tIns="18288" rIns="36576" bIns="18288" anchor="ctr" anchorCtr="1">
+      <a:spAutoFit/>
+    </cs:bodyPr>
+  </cs:dataLabelCallout>
+  <cs:dataPoint>
+    <cs:lnRef idx="0"/>
+    <cs:fillRef idx="1">
+      <cs:styleClr val="auto"/>
+    </cs:fillRef>
+    <cs:effectRef idx="0"/>
+    <cs:fontRef idx="minor">
+      <a:schemeClr val="tx1"/>
+    </cs:fontRef>
+  </cs:dataPoint>
+  <cs:dataPoint3D>
+    <cs:lnRef idx="0"/>
+    <cs:fillRef idx="1">
+      <cs:styleClr val="auto"/>
+    </cs:fillRef>
+    <cs:effectRef idx="0"/>
+    <cs:fontRef idx="minor">
+      <a:schemeClr val="tx1"/>
+    </cs:fontRef>
+  </cs:dataPoint3D>
+  <cs:dataPointLine>
+    <cs:lnRef idx="0">
+      <cs:styleClr val="auto"/>
+    </cs:lnRef>
+    <cs:fillRef idx="1"/>
+    <cs:effectRef idx="0"/>
+    <cs:fontRef idx="minor">
+      <a:schemeClr val="tx1"/>
+    </cs:fontRef>
+    <cs:spPr>
+      <a:ln w="28575" cap="rnd">
+        <a:solidFill>
+          <a:schemeClr val="phClr"/>
+        </a:solidFill>
+        <a:round/>
+      </a:ln>
+    </cs:spPr>
+  </cs:dataPointLine>
+  <cs:dataPointMarker>
+    <cs:lnRef idx="0">
+      <cs:styleClr val="auto"/>
+    </cs:lnRef>
+    <cs:fillRef idx="1">
+      <cs:styleClr val="auto"/>
+    </cs:fillRef>
+    <cs:effectRef idx="0"/>
+    <cs:fontRef idx="minor">
+      <a:schemeClr val="tx1"/>
+    </cs:fontRef>
+    <cs:spPr>
+      <a:ln w="9525">
+        <a:solidFill>
+          <a:schemeClr val="phClr"/>
+        </a:solidFill>
+      </a:ln>
+    </cs:spPr>
+  </cs:dataPointMarker>
+  <cs:dataPointMarkerLayout symbol="circle" size="5"/>
+  <cs:dataPointWireframe>
+    <cs:lnRef idx="0">
+      <cs:styleClr val="auto"/>
+    </cs:lnRef>
+    <cs:fillRef idx="1"/>
+    <cs:effectRef idx="0"/>
+    <cs:fontRef idx="minor">
+      <a:schemeClr val="tx1"/>
+    </cs:fontRef>
+    <cs:spPr>
+      <a:ln w="9525" cap="rnd">
+        <a:solidFill>
+          <a:schemeClr val="phClr"/>
+        </a:solidFill>
+        <a:round/>
+      </a:ln>
+    </cs:spPr>
+  </cs:dataPointWireframe>
+  <cs:dataTable>
+    <cs:lnRef idx="0"/>
+    <cs:fillRef idx="0"/>
+    <cs:effectRef idx="0"/>
+    <cs:fontRef idx="minor">
+      <a:schemeClr val="tx1">
+        <a:lumMod val="65000"/>
+        <a:lumOff val="35000"/>
+      </a:schemeClr>
+    </cs:fontRef>
+    <cs:spPr>
+      <a:noFill/>
+      <a:ln w="9525" cap="flat" cmpd="sng" algn="ctr">
+        <a:solidFill>
+          <a:schemeClr val="tx1">
+            <a:lumMod val="15000"/>
+            <a:lumOff val="85000"/>
+          </a:schemeClr>
+        </a:solidFill>
+        <a:round/>
+      </a:ln>
+    </cs:spPr>
+    <cs:defRPr sz="1197" kern="1200"/>
+  </cs:dataTable>
+  <cs:downBar>
+    <cs:lnRef idx="0"/>
+    <cs:fillRef idx="0"/>
+    <cs:effectRef idx="0"/>
+    <cs:fontRef idx="minor">
+      <a:schemeClr val="dk1"/>
+    </cs:fontRef>
+    <cs:spPr>
+      <a:solidFill>
+        <a:schemeClr val="dk1">
+          <a:lumMod val="65000"/>
+          <a:lumOff val="35000"/>
+        </a:schemeClr>
+      </a:solidFill>
+      <a:ln w="9525">
+        <a:solidFill>
+          <a:schemeClr val="tx1">
+            <a:lumMod val="65000"/>
+            <a:lumOff val="35000"/>
+          </a:schemeClr>
+        </a:solidFill>
+      </a:ln>
+    </cs:spPr>
+  </cs:downBar>
+  <cs:dropLine>
+    <cs:lnRef idx="0"/>
+    <cs:fillRef idx="0"/>
+    <cs:effectRef idx="0"/>
+    <cs:fontRef idx="minor">
+      <a:schemeClr val="tx1"/>
+    </cs:fontRef>
+    <cs:spPr>
+      <a:ln w="9525" cap="flat" cmpd="sng" algn="ctr">
+        <a:solidFill>
+          <a:schemeClr val="tx1">
+            <a:lumMod val="35000"/>
+            <a:lumOff val="65000"/>
+          </a:schemeClr>
+        </a:solidFill>
+        <a:round/>
+      </a:ln>
+    </cs:spPr>
+  </cs:dropLine>
+  <cs:errorBar>
+    <cs:lnRef idx="0"/>
+    <cs:fillRef idx="0"/>
+    <cs:effectRef idx="0"/>
+    <cs:fontRef idx="minor">
+      <a:schemeClr val="tx1"/>
+    </cs:fontRef>
+    <cs:spPr>
+      <a:ln w="9525" cap="flat" cmpd="sng" algn="ctr">
+        <a:solidFill>
+          <a:schemeClr val="tx1">
+            <a:lumMod val="65000"/>
+            <a:lumOff val="35000"/>
+          </a:schemeClr>
+        </a:solidFill>
+        <a:round/>
+      </a:ln>
+    </cs:spPr>
+  </cs:errorBar>
+  <cs:floor>
+    <cs:lnRef idx="0"/>
+    <cs:fillRef idx="0"/>
+    <cs:effectRef idx="0"/>
+    <cs:fontRef idx="minor">
+      <a:schemeClr val="tx1"/>
+    </cs:fontRef>
+    <cs:spPr>
+      <a:noFill/>
+      <a:ln>
+        <a:noFill/>
+      </a:ln>
+    </cs:spPr>
+  </cs:floor>
+  <cs:gridlineMajor>
+    <cs:lnRef idx="0"/>
+    <cs:fillRef idx="0"/>
+    <cs:effectRef idx="0"/>
+    <cs:fontRef idx="minor">
+      <a:schemeClr val="tx1"/>
+    </cs:fontRef>
+    <cs:spPr>
+      <a:ln w="9525" cap="flat" cmpd="sng" algn="ctr">
+        <a:solidFill>
+          <a:schemeClr val="tx1">
+            <a:lumMod val="15000"/>
+            <a:lumOff val="85000"/>
+          </a:schemeClr>
+        </a:solidFill>
+        <a:round/>
+      </a:ln>
+    </cs:spPr>
+  </cs:gridlineMajor>
+  <cs:gridlineMinor>
+    <cs:lnRef idx="0"/>
+    <cs:fillRef idx="0"/>
+    <cs:effectRef idx="0"/>
+    <cs:fontRef idx="minor">
+      <a:schemeClr val="tx1"/>
+    </cs:fontRef>
+    <cs:spPr>
+      <a:ln w="9525" cap="flat" cmpd="sng" algn="ctr">
+        <a:solidFill>
+          <a:schemeClr val="tx1">
+            <a:lumMod val="5000"/>
+            <a:lumOff val="95000"/>
+          </a:schemeClr>
+        </a:solidFill>
+        <a:round/>
+      </a:ln>
+    </cs:spPr>
+  </cs:gridlineMinor>
+  <cs:hiLoLine>
+    <cs:lnRef idx="0"/>
+    <cs:fillRef idx="0"/>
+    <cs:effectRef idx="0"/>
+    <cs:fontRef idx="minor">
+      <a:schemeClr val="tx1"/>
+    </cs:fontRef>
+    <cs:spPr>
+      <a:ln w="9525" cap="flat" cmpd="sng" algn="ctr">
+        <a:solidFill>
+          <a:schemeClr val="tx1">
+            <a:lumMod val="75000"/>
+            <a:lumOff val="25000"/>
+          </a:schemeClr>
+        </a:solidFill>
+        <a:round/>
+      </a:ln>
+    </cs:spPr>
+  </cs:hiLoLine>
+  <cs:leaderLine>
+    <cs:lnRef idx="0"/>
+    <cs:fillRef idx="0"/>
+    <cs:effectRef idx="0"/>
+    <cs:fontRef idx="minor">
+      <a:schemeClr val="tx1"/>
+    </cs:fontRef>
+    <cs:spPr>
+      <a:ln w="9525" cap="flat" cmpd="sng" algn="ctr">
+        <a:solidFill>
+          <a:schemeClr val="tx1">
+            <a:lumMod val="35000"/>
+            <a:lumOff val="65000"/>
+          </a:schemeClr>
+        </a:solidFill>
+        <a:round/>
+      </a:ln>
+    </cs:spPr>
+  </cs:leaderLine>
+  <cs:legend>
+    <cs:lnRef idx="0"/>
+    <cs:fillRef idx="0"/>
+    <cs:effectRef idx="0"/>
+    <cs:fontRef idx="minor">
+      <a:schemeClr val="tx1">
+        <a:lumMod val="65000"/>
+        <a:lumOff val="35000"/>
+      </a:schemeClr>
+    </cs:fontRef>
+    <cs:defRPr sz="1197" kern="1200"/>
+  </cs:legend>
+  <cs:plotArea mods="allowNoFillOverride allowNoLineOverride">
+    <cs:lnRef idx="0"/>
+    <cs:fillRef idx="0"/>
+    <cs:effectRef idx="0"/>
+    <cs:fontRef idx="minor">
+      <a:schemeClr val="tx1"/>
+    </cs:fontRef>
+  </cs:plotArea>
+  <cs:plotArea3D mods="allowNoFillOverride allowNoLineOverride">
+    <cs:lnRef idx="0"/>
+    <cs:fillRef idx="0"/>
+    <cs:effectRef idx="0"/>
+    <cs:fontRef idx="minor">
+      <a:schemeClr val="tx1"/>
+    </cs:fontRef>
+  </cs:plotArea3D>
+  <cs:seriesAxis>
+    <cs:lnRef idx="0"/>
+    <cs:fillRef idx="0"/>
+    <cs:effectRef idx="0"/>
+    <cs:fontRef idx="minor">
+      <a:schemeClr val="tx1">
+        <a:lumMod val="65000"/>
+        <a:lumOff val="35000"/>
+      </a:schemeClr>
+    </cs:fontRef>
+    <cs:defRPr sz="1197" kern="1200"/>
+  </cs:seriesAxis>
+  <cs:seriesLine>
+    <cs:lnRef idx="0"/>
+    <cs:fillRef idx="0"/>
+    <cs:effectRef idx="0"/>
+    <cs:fontRef idx="minor">
+      <a:schemeClr val="tx1"/>
+    </cs:fontRef>
+    <cs:spPr>
+      <a:ln w="9525" cap="flat" cmpd="sng" algn="ctr">
+        <a:solidFill>
+          <a:schemeClr val="tx1">
+            <a:lumMod val="35000"/>
+            <a:lumOff val="65000"/>
+          </a:schemeClr>
+        </a:solidFill>
+        <a:round/>
+      </a:ln>
+    </cs:spPr>
+  </cs:seriesLine>
+  <cs:title>
+    <cs:lnRef idx="0"/>
+    <cs:fillRef idx="0"/>
+    <cs:effectRef idx="0"/>
+    <cs:fontRef idx="minor">
+      <a:schemeClr val="tx1">
+        <a:lumMod val="65000"/>
+        <a:lumOff val="35000"/>
+      </a:schemeClr>
+    </cs:fontRef>
+    <cs:defRPr sz="1862" b="0" kern="1200" spc="0" baseline="0"/>
+  </cs:title>
+  <cs:trendline>
+    <cs:lnRef idx="0">
+      <cs:styleClr val="auto"/>
+    </cs:lnRef>
+    <cs:fillRef idx="0"/>
+    <cs:effectRef idx="0"/>
+    <cs:fontRef idx="minor">
+      <a:schemeClr val="tx1"/>
+    </cs:fontRef>
+    <cs:spPr>
+      <a:ln w="19050" cap="rnd">
+        <a:solidFill>
+          <a:schemeClr val="phClr"/>
+        </a:solidFill>
+        <a:prstDash val="sysDot"/>
+      </a:ln>
+    </cs:spPr>
+  </cs:trendline>
+  <cs:trendlineLabel>
+    <cs:lnRef idx="0"/>
+    <cs:fillRef idx="0"/>
+    <cs:effectRef idx="0"/>
+    <cs:fontRef idx="minor">
+      <a:schemeClr val="tx1">
+        <a:lumMod val="65000"/>
+        <a:lumOff val="35000"/>
+      </a:schemeClr>
+    </cs:fontRef>
+    <cs:defRPr sz="1197" kern="1200"/>
+  </cs:trendlineLabel>
+  <cs:upBar>
+    <cs:lnRef idx="0"/>
+    <cs:fillRef idx="0"/>
+    <cs:effectRef idx="0"/>
+    <cs:fontRef idx="minor">
+      <a:schemeClr val="dk1"/>
+    </cs:fontRef>
+    <cs:spPr>
+      <a:solidFill>
+        <a:schemeClr val="lt1"/>
+      </a:solidFill>
+      <a:ln w="9525">
+        <a:solidFill>
+          <a:schemeClr val="tx1">
+            <a:lumMod val="15000"/>
+            <a:lumOff val="85000"/>
+          </a:schemeClr>
+        </a:solidFill>
+      </a:ln>
+    </cs:spPr>
+  </cs:upBar>
+  <cs:valueAxis>
+    <cs:lnRef idx="0"/>
+    <cs:fillRef idx="0"/>
+    <cs:effectRef idx="0"/>
+    <cs:fontRef idx="minor">
+      <a:schemeClr val="tx1">
+        <a:lumMod val="65000"/>
+        <a:lumOff val="35000"/>
+      </a:schemeClr>
+    </cs:fontRef>
+    <cs:defRPr sz="1197" kern="1200"/>
+  </cs:valueAxis>
+  <cs:wall>
+    <cs:lnRef idx="0"/>
+    <cs:fillRef idx="0"/>
+    <cs:effectRef idx="0"/>
+    <cs:fontRef idx="minor">
+      <a:schemeClr val="tx1"/>
+    </cs:fontRef>
+    <cs:spPr>
+      <a:noFill/>
+      <a:ln>
+        <a:noFill/>
+      </a:ln>
+    </cs:spPr>
+  </cs:wall>
+</cs:chartStyle>
+</file>
+
+<file path=ppt/charts/style3.xml><?xml version="1.0" encoding="utf-8"?>
 <cs:chartStyle xmlns:cs="http://schemas.microsoft.com/office/drawing/2012/chartStyle" xmlns:a="http://schemas.openxmlformats.org/drawingml/2006/main" id="201">
   <cs:axisTitle>
     <cs:lnRef idx="0"/>
@@ -9712,7 +12484,7 @@
           <a:bodyPr/>
           <a:lstStyle/>
           <a:p>
-            <a:endParaRPr lang="en-US"/>
+            <a:endParaRPr lang="en-US" dirty="0"/>
           </a:p>
         </p:txBody>
       </p:sp>
@@ -13673,7 +16445,7 @@
           <p:nvPr>
             <p:extLst>
               <p:ext uri="{D42A27DB-BD31-4B8C-83A1-F6EECF244321}">
-                <p14:modId xmlns:p14="http://schemas.microsoft.com/office/powerpoint/2010/main" val="1400391535"/>
+                <p14:modId xmlns:p14="http://schemas.microsoft.com/office/powerpoint/2010/main" val="550697914"/>
               </p:ext>
             </p:extLst>
           </p:nvPr>
@@ -13692,6 +16464,1977 @@
     <p:extLst>
       <p:ext uri="{BB962C8B-B14F-4D97-AF65-F5344CB8AC3E}">
         <p14:creationId xmlns:p14="http://schemas.microsoft.com/office/powerpoint/2010/main" val="612606569"/>
+      </p:ext>
+    </p:extLst>
+  </p:cSld>
+  <p:clrMapOvr>
+    <a:masterClrMapping/>
+  </p:clrMapOvr>
+</p:sld>
+</file>
+
+<file path=ppt/slides/slide5.xml><?xml version="1.0" encoding="utf-8"?>
+<p:sld xmlns:a="http://schemas.openxmlformats.org/drawingml/2006/main" xmlns:r="http://schemas.openxmlformats.org/officeDocument/2006/relationships" xmlns:p="http://schemas.openxmlformats.org/presentationml/2006/main">
+  <p:cSld>
+    <p:spTree>
+      <p:nvGrpSpPr>
+        <p:cNvPr id="1" name=""/>
+        <p:cNvGrpSpPr/>
+        <p:nvPr/>
+      </p:nvGrpSpPr>
+      <p:grpSpPr>
+        <a:xfrm>
+          <a:off x="0" y="0"/>
+          <a:ext cx="0" cy="0"/>
+          <a:chOff x="0" y="0"/>
+          <a:chExt cx="0" cy="0"/>
+        </a:xfrm>
+      </p:grpSpPr>
+      <p:graphicFrame>
+        <p:nvGraphicFramePr>
+          <p:cNvPr id="4" name="Chart 3" title="Number of Subjects"/>
+          <p:cNvGraphicFramePr/>
+          <p:nvPr>
+            <p:extLst>
+              <p:ext uri="{D42A27DB-BD31-4B8C-83A1-F6EECF244321}">
+                <p14:modId xmlns:p14="http://schemas.microsoft.com/office/powerpoint/2010/main" val="59337068"/>
+              </p:ext>
+            </p:extLst>
+          </p:nvPr>
+        </p:nvGraphicFramePr>
+        <p:xfrm>
+          <a:off x="2032000" y="719666"/>
+          <a:ext cx="8128000" cy="5418667"/>
+        </p:xfrm>
+        <a:graphic>
+          <a:graphicData uri="http://schemas.openxmlformats.org/drawingml/2006/chart">
+            <c:chart xmlns:c="http://schemas.openxmlformats.org/drawingml/2006/chart" xmlns:r="http://schemas.openxmlformats.org/officeDocument/2006/relationships" r:id="rId2"/>
+          </a:graphicData>
+        </a:graphic>
+      </p:graphicFrame>
+    </p:spTree>
+    <p:extLst>
+      <p:ext uri="{BB962C8B-B14F-4D97-AF65-F5344CB8AC3E}">
+        <p14:creationId xmlns:p14="http://schemas.microsoft.com/office/powerpoint/2010/main" val="2072805675"/>
+      </p:ext>
+    </p:extLst>
+  </p:cSld>
+  <p:clrMapOvr>
+    <a:masterClrMapping/>
+  </p:clrMapOvr>
+</p:sld>
+</file>
+
+<file path=ppt/slides/slide6.xml><?xml version="1.0" encoding="utf-8"?>
+<p:sld xmlns:a="http://schemas.openxmlformats.org/drawingml/2006/main" xmlns:r="http://schemas.openxmlformats.org/officeDocument/2006/relationships" xmlns:p="http://schemas.openxmlformats.org/presentationml/2006/main">
+  <p:cSld>
+    <p:spTree>
+      <p:nvGrpSpPr>
+        <p:cNvPr id="1" name=""/>
+        <p:cNvGrpSpPr/>
+        <p:nvPr/>
+      </p:nvGrpSpPr>
+      <p:grpSpPr>
+        <a:xfrm>
+          <a:off x="0" y="0"/>
+          <a:ext cx="0" cy="0"/>
+          <a:chOff x="0" y="0"/>
+          <a:chExt cx="0" cy="0"/>
+        </a:xfrm>
+      </p:grpSpPr>
+      <p:graphicFrame>
+        <p:nvGraphicFramePr>
+          <p:cNvPr id="4" name="Chart 3"/>
+          <p:cNvGraphicFramePr/>
+          <p:nvPr>
+            <p:extLst>
+              <p:ext uri="{D42A27DB-BD31-4B8C-83A1-F6EECF244321}">
+                <p14:modId xmlns:p14="http://schemas.microsoft.com/office/powerpoint/2010/main" val="1336869554"/>
+              </p:ext>
+            </p:extLst>
+          </p:nvPr>
+        </p:nvGraphicFramePr>
+        <p:xfrm>
+          <a:off x="2032000" y="719666"/>
+          <a:ext cx="8128000" cy="5418667"/>
+        </p:xfrm>
+        <a:graphic>
+          <a:graphicData uri="http://schemas.openxmlformats.org/drawingml/2006/chart">
+            <c:chart xmlns:c="http://schemas.openxmlformats.org/drawingml/2006/chart" xmlns:r="http://schemas.openxmlformats.org/officeDocument/2006/relationships" r:id="rId2"/>
+          </a:graphicData>
+        </a:graphic>
+      </p:graphicFrame>
+    </p:spTree>
+    <p:extLst>
+      <p:ext uri="{BB962C8B-B14F-4D97-AF65-F5344CB8AC3E}">
+        <p14:creationId xmlns:p14="http://schemas.microsoft.com/office/powerpoint/2010/main" val="845689668"/>
+      </p:ext>
+    </p:extLst>
+  </p:cSld>
+  <p:clrMapOvr>
+    <a:masterClrMapping/>
+  </p:clrMapOvr>
+</p:sld>
+</file>
+
+<file path=ppt/slides/slide7.xml><?xml version="1.0" encoding="utf-8"?>
+<p:sld xmlns:a="http://schemas.openxmlformats.org/drawingml/2006/main" xmlns:r="http://schemas.openxmlformats.org/officeDocument/2006/relationships" xmlns:p="http://schemas.openxmlformats.org/presentationml/2006/main">
+  <p:cSld>
+    <p:spTree>
+      <p:nvGrpSpPr>
+        <p:cNvPr id="1" name=""/>
+        <p:cNvGrpSpPr/>
+        <p:nvPr/>
+      </p:nvGrpSpPr>
+      <p:grpSpPr>
+        <a:xfrm>
+          <a:off x="0" y="0"/>
+          <a:ext cx="0" cy="0"/>
+          <a:chOff x="0" y="0"/>
+          <a:chExt cx="0" cy="0"/>
+        </a:xfrm>
+      </p:grpSpPr>
+      <p:sp>
+        <p:nvSpPr>
+          <p:cNvPr id="91" name="Rounded Rectangle 90"/>
+          <p:cNvSpPr/>
+          <p:nvPr/>
+        </p:nvSpPr>
+        <p:spPr>
+          <a:xfrm>
+            <a:off x="147918" y="124151"/>
+            <a:ext cx="11914093" cy="3773466"/>
+          </a:xfrm>
+          <a:prstGeom prst="roundRect">
+            <a:avLst/>
+          </a:prstGeom>
+          <a:solidFill>
+            <a:schemeClr val="accent6">
+              <a:lumMod val="40000"/>
+              <a:lumOff val="60000"/>
+              <a:alpha val="28000"/>
+            </a:schemeClr>
+          </a:solidFill>
+          <a:ln w="25400">
+            <a:prstDash val="sysDash"/>
+          </a:ln>
+        </p:spPr>
+        <p:style>
+          <a:lnRef idx="2">
+            <a:schemeClr val="accent1">
+              <a:shade val="50000"/>
+            </a:schemeClr>
+          </a:lnRef>
+          <a:fillRef idx="1">
+            <a:schemeClr val="accent1"/>
+          </a:fillRef>
+          <a:effectRef idx="0">
+            <a:schemeClr val="accent1"/>
+          </a:effectRef>
+          <a:fontRef idx="minor">
+            <a:schemeClr val="lt1"/>
+          </a:fontRef>
+        </p:style>
+        <p:txBody>
+          <a:bodyPr rtlCol="0" anchor="ctr"/>
+          <a:lstStyle/>
+          <a:p>
+            <a:pPr algn="ctr"/>
+            <a:endParaRPr lang="en-US"/>
+          </a:p>
+        </p:txBody>
+      </p:sp>
+      <p:sp>
+        <p:nvSpPr>
+          <p:cNvPr id="92" name="Rounded Rectangle 91"/>
+          <p:cNvSpPr/>
+          <p:nvPr/>
+        </p:nvSpPr>
+        <p:spPr>
+          <a:xfrm>
+            <a:off x="147918" y="4208929"/>
+            <a:ext cx="11914093" cy="2479161"/>
+          </a:xfrm>
+          <a:prstGeom prst="roundRect">
+            <a:avLst/>
+          </a:prstGeom>
+          <a:solidFill>
+            <a:schemeClr val="accent2">
+              <a:lumMod val="40000"/>
+              <a:lumOff val="60000"/>
+              <a:alpha val="22000"/>
+            </a:schemeClr>
+          </a:solidFill>
+          <a:ln w="25400">
+            <a:prstDash val="sysDash"/>
+          </a:ln>
+        </p:spPr>
+        <p:style>
+          <a:lnRef idx="2">
+            <a:schemeClr val="accent1">
+              <a:shade val="50000"/>
+            </a:schemeClr>
+          </a:lnRef>
+          <a:fillRef idx="1">
+            <a:schemeClr val="accent1"/>
+          </a:fillRef>
+          <a:effectRef idx="0">
+            <a:schemeClr val="accent1"/>
+          </a:effectRef>
+          <a:fontRef idx="minor">
+            <a:schemeClr val="lt1"/>
+          </a:fontRef>
+        </p:style>
+        <p:txBody>
+          <a:bodyPr rtlCol="0" anchor="ctr"/>
+          <a:lstStyle/>
+          <a:p>
+            <a:pPr algn="ctr"/>
+            <a:endParaRPr lang="en-US"/>
+          </a:p>
+        </p:txBody>
+      </p:sp>
+      <p:sp>
+        <p:nvSpPr>
+          <p:cNvPr id="4" name="Rounded Rectangle 3"/>
+          <p:cNvSpPr/>
+          <p:nvPr/>
+        </p:nvSpPr>
+        <p:spPr>
+          <a:xfrm>
+            <a:off x="2809859" y="1441759"/>
+            <a:ext cx="1272208" cy="795131"/>
+          </a:xfrm>
+          <a:prstGeom prst="roundRect">
+            <a:avLst/>
+          </a:prstGeom>
+        </p:spPr>
+        <p:style>
+          <a:lnRef idx="2">
+            <a:schemeClr val="accent1">
+              <a:shade val="50000"/>
+            </a:schemeClr>
+          </a:lnRef>
+          <a:fillRef idx="1">
+            <a:schemeClr val="accent1"/>
+          </a:fillRef>
+          <a:effectRef idx="0">
+            <a:schemeClr val="accent1"/>
+          </a:effectRef>
+          <a:fontRef idx="minor">
+            <a:schemeClr val="lt1"/>
+          </a:fontRef>
+        </p:style>
+        <p:txBody>
+          <a:bodyPr rtlCol="0" anchor="ctr"/>
+          <a:lstStyle/>
+          <a:p>
+            <a:pPr algn="ctr"/>
+            <a:r>
+              <a:rPr lang="en-US" sz="1200" dirty="0" smtClean="0"/>
+              <a:t>Object Detection  Training </a:t>
+            </a:r>
+            <a:endParaRPr lang="en-US" sz="1200" dirty="0"/>
+          </a:p>
+        </p:txBody>
+      </p:sp>
+      <p:sp>
+        <p:nvSpPr>
+          <p:cNvPr id="5" name="Can 4"/>
+          <p:cNvSpPr/>
+          <p:nvPr/>
+        </p:nvSpPr>
+        <p:spPr>
+          <a:xfrm>
+            <a:off x="460029" y="262417"/>
+            <a:ext cx="954156" cy="616226"/>
+          </a:xfrm>
+          <a:prstGeom prst="can">
+            <a:avLst/>
+          </a:prstGeom>
+        </p:spPr>
+        <p:style>
+          <a:lnRef idx="2">
+            <a:schemeClr val="accent1">
+              <a:shade val="50000"/>
+            </a:schemeClr>
+          </a:lnRef>
+          <a:fillRef idx="1">
+            <a:schemeClr val="accent1"/>
+          </a:fillRef>
+          <a:effectRef idx="0">
+            <a:schemeClr val="accent1"/>
+          </a:effectRef>
+          <a:fontRef idx="minor">
+            <a:schemeClr val="lt1"/>
+          </a:fontRef>
+        </p:style>
+        <p:txBody>
+          <a:bodyPr rtlCol="0" anchor="ctr"/>
+          <a:lstStyle/>
+          <a:p>
+            <a:pPr algn="ctr"/>
+            <a:r>
+              <a:rPr lang="en-US" sz="1200" dirty="0" smtClean="0"/>
+              <a:t>Training Scans</a:t>
+            </a:r>
+            <a:endParaRPr lang="en-US" sz="1200" dirty="0"/>
+          </a:p>
+        </p:txBody>
+      </p:sp>
+      <p:sp>
+        <p:nvSpPr>
+          <p:cNvPr id="8" name="Rounded Rectangle 7"/>
+          <p:cNvSpPr/>
+          <p:nvPr/>
+        </p:nvSpPr>
+        <p:spPr>
+          <a:xfrm>
+            <a:off x="1665489" y="1569605"/>
+            <a:ext cx="822218" cy="555031"/>
+          </a:xfrm>
+          <a:prstGeom prst="roundRect">
+            <a:avLst/>
+          </a:prstGeom>
+        </p:spPr>
+        <p:style>
+          <a:lnRef idx="2">
+            <a:schemeClr val="accent1">
+              <a:shade val="50000"/>
+            </a:schemeClr>
+          </a:lnRef>
+          <a:fillRef idx="1">
+            <a:schemeClr val="accent1"/>
+          </a:fillRef>
+          <a:effectRef idx="0">
+            <a:schemeClr val="accent1"/>
+          </a:effectRef>
+          <a:fontRef idx="minor">
+            <a:schemeClr val="lt1"/>
+          </a:fontRef>
+        </p:style>
+        <p:txBody>
+          <a:bodyPr rtlCol="0" anchor="ctr"/>
+          <a:lstStyle/>
+          <a:p>
+            <a:pPr algn="ctr"/>
+            <a:r>
+              <a:rPr lang="en-US" sz="1200" dirty="0" smtClean="0"/>
+              <a:t>Hand Label Images</a:t>
+            </a:r>
+            <a:endParaRPr lang="en-US" sz="1200" dirty="0"/>
+          </a:p>
+        </p:txBody>
+      </p:sp>
+      <p:sp>
+        <p:nvSpPr>
+          <p:cNvPr id="14" name="Rounded Rectangle 13"/>
+          <p:cNvSpPr/>
+          <p:nvPr/>
+        </p:nvSpPr>
+        <p:spPr>
+          <a:xfrm>
+            <a:off x="6126609" y="2705499"/>
+            <a:ext cx="1139294" cy="1040296"/>
+          </a:xfrm>
+          <a:prstGeom prst="roundRect">
+            <a:avLst/>
+          </a:prstGeom>
+          <a:solidFill>
+            <a:schemeClr val="accent2">
+              <a:lumMod val="75000"/>
+            </a:schemeClr>
+          </a:solidFill>
+        </p:spPr>
+        <p:style>
+          <a:lnRef idx="2">
+            <a:schemeClr val="accent1">
+              <a:shade val="50000"/>
+            </a:schemeClr>
+          </a:lnRef>
+          <a:fillRef idx="1">
+            <a:schemeClr val="accent1"/>
+          </a:fillRef>
+          <a:effectRef idx="0">
+            <a:schemeClr val="accent1"/>
+          </a:effectRef>
+          <a:fontRef idx="minor">
+            <a:schemeClr val="lt1"/>
+          </a:fontRef>
+        </p:style>
+        <p:txBody>
+          <a:bodyPr rtlCol="0" anchor="ctr"/>
+          <a:lstStyle/>
+          <a:p>
+            <a:pPr algn="ctr"/>
+            <a:r>
+              <a:rPr lang="en-US" sz="1200" dirty="0" smtClean="0"/>
+              <a:t>Custom Zone Predictor</a:t>
+            </a:r>
+            <a:endParaRPr lang="en-US" sz="1200" dirty="0"/>
+          </a:p>
+        </p:txBody>
+      </p:sp>
+      <p:sp>
+        <p:nvSpPr>
+          <p:cNvPr id="17" name="Document 16"/>
+          <p:cNvSpPr/>
+          <p:nvPr/>
+        </p:nvSpPr>
+        <p:spPr>
+          <a:xfrm>
+            <a:off x="417742" y="2877778"/>
+            <a:ext cx="954156" cy="695739"/>
+          </a:xfrm>
+          <a:prstGeom prst="flowChartDocument">
+            <a:avLst/>
+          </a:prstGeom>
+        </p:spPr>
+        <p:style>
+          <a:lnRef idx="2">
+            <a:schemeClr val="accent1">
+              <a:shade val="50000"/>
+            </a:schemeClr>
+          </a:lnRef>
+          <a:fillRef idx="1">
+            <a:schemeClr val="accent1"/>
+          </a:fillRef>
+          <a:effectRef idx="0">
+            <a:schemeClr val="accent1"/>
+          </a:effectRef>
+          <a:fontRef idx="minor">
+            <a:schemeClr val="lt1"/>
+          </a:fontRef>
+        </p:style>
+        <p:txBody>
+          <a:bodyPr rtlCol="0" anchor="ctr"/>
+          <a:lstStyle/>
+          <a:p>
+            <a:pPr algn="ctr"/>
+            <a:r>
+              <a:rPr lang="en-US" sz="1200" dirty="0" smtClean="0"/>
+              <a:t>Training Labels</a:t>
+            </a:r>
+            <a:endParaRPr lang="en-US" sz="1200" dirty="0"/>
+          </a:p>
+        </p:txBody>
+      </p:sp>
+      <p:sp>
+        <p:nvSpPr>
+          <p:cNvPr id="19" name="Rounded Rectangle 18"/>
+          <p:cNvSpPr/>
+          <p:nvPr/>
+        </p:nvSpPr>
+        <p:spPr>
+          <a:xfrm>
+            <a:off x="9155108" y="1326972"/>
+            <a:ext cx="1136854" cy="1040296"/>
+          </a:xfrm>
+          <a:prstGeom prst="roundRect">
+            <a:avLst/>
+          </a:prstGeom>
+        </p:spPr>
+        <p:style>
+          <a:lnRef idx="2">
+            <a:schemeClr val="accent1">
+              <a:shade val="50000"/>
+            </a:schemeClr>
+          </a:lnRef>
+          <a:fillRef idx="1">
+            <a:schemeClr val="accent1"/>
+          </a:fillRef>
+          <a:effectRef idx="0">
+            <a:schemeClr val="accent1"/>
+          </a:effectRef>
+          <a:fontRef idx="minor">
+            <a:schemeClr val="lt1"/>
+          </a:fontRef>
+        </p:style>
+        <p:txBody>
+          <a:bodyPr rtlCol="0" anchor="ctr"/>
+          <a:lstStyle/>
+          <a:p>
+            <a:pPr algn="ctr"/>
+            <a:r>
+              <a:rPr lang="en-US" sz="1200" dirty="0" smtClean="0"/>
+              <a:t>Zone Prediction Training XGBOOST</a:t>
+            </a:r>
+            <a:endParaRPr lang="en-US" sz="1200" dirty="0"/>
+          </a:p>
+        </p:txBody>
+      </p:sp>
+      <p:sp>
+        <p:nvSpPr>
+          <p:cNvPr id="21" name="Can 20"/>
+          <p:cNvSpPr/>
+          <p:nvPr/>
+        </p:nvSpPr>
+        <p:spPr>
+          <a:xfrm>
+            <a:off x="455837" y="5187436"/>
+            <a:ext cx="954156" cy="616226"/>
+          </a:xfrm>
+          <a:prstGeom prst="can">
+            <a:avLst/>
+          </a:prstGeom>
+        </p:spPr>
+        <p:style>
+          <a:lnRef idx="2">
+            <a:schemeClr val="accent1">
+              <a:shade val="50000"/>
+            </a:schemeClr>
+          </a:lnRef>
+          <a:fillRef idx="1">
+            <a:schemeClr val="accent1"/>
+          </a:fillRef>
+          <a:effectRef idx="0">
+            <a:schemeClr val="accent1"/>
+          </a:effectRef>
+          <a:fontRef idx="minor">
+            <a:schemeClr val="lt1"/>
+          </a:fontRef>
+        </p:style>
+        <p:txBody>
+          <a:bodyPr rtlCol="0" anchor="ctr"/>
+          <a:lstStyle/>
+          <a:p>
+            <a:pPr algn="ctr"/>
+            <a:r>
+              <a:rPr lang="en-US" sz="1200" dirty="0" smtClean="0"/>
+              <a:t>Test Scans</a:t>
+            </a:r>
+            <a:endParaRPr lang="en-US" sz="1200" dirty="0"/>
+          </a:p>
+        </p:txBody>
+      </p:sp>
+      <p:sp>
+        <p:nvSpPr>
+          <p:cNvPr id="27" name="Rounded Rectangle 26"/>
+          <p:cNvSpPr/>
+          <p:nvPr/>
+        </p:nvSpPr>
+        <p:spPr>
+          <a:xfrm>
+            <a:off x="4482959" y="1441556"/>
+            <a:ext cx="1272208" cy="795131"/>
+          </a:xfrm>
+          <a:prstGeom prst="roundRect">
+            <a:avLst/>
+          </a:prstGeom>
+          <a:solidFill>
+            <a:schemeClr val="accent4">
+              <a:lumMod val="75000"/>
+            </a:schemeClr>
+          </a:solidFill>
+        </p:spPr>
+        <p:style>
+          <a:lnRef idx="2">
+            <a:schemeClr val="accent1">
+              <a:shade val="50000"/>
+            </a:schemeClr>
+          </a:lnRef>
+          <a:fillRef idx="1">
+            <a:schemeClr val="accent1"/>
+          </a:fillRef>
+          <a:effectRef idx="0">
+            <a:schemeClr val="accent1"/>
+          </a:effectRef>
+          <a:fontRef idx="minor">
+            <a:schemeClr val="lt1"/>
+          </a:fontRef>
+        </p:style>
+        <p:txBody>
+          <a:bodyPr rtlCol="0" anchor="ctr"/>
+          <a:lstStyle/>
+          <a:p>
+            <a:pPr algn="ctr"/>
+            <a:r>
+              <a:rPr lang="en-US" sz="1200" dirty="0" smtClean="0"/>
+              <a:t>Object Detection Model</a:t>
+            </a:r>
+            <a:endParaRPr lang="en-US" sz="1200" dirty="0"/>
+          </a:p>
+        </p:txBody>
+      </p:sp>
+      <p:sp>
+        <p:nvSpPr>
+          <p:cNvPr id="30" name="Rounded Rectangle 29"/>
+          <p:cNvSpPr/>
+          <p:nvPr/>
+        </p:nvSpPr>
+        <p:spPr>
+          <a:xfrm>
+            <a:off x="9152188" y="2705498"/>
+            <a:ext cx="1139773" cy="1040297"/>
+          </a:xfrm>
+          <a:prstGeom prst="roundRect">
+            <a:avLst/>
+          </a:prstGeom>
+          <a:solidFill>
+            <a:schemeClr val="accent6">
+              <a:lumMod val="75000"/>
+            </a:schemeClr>
+          </a:solidFill>
+        </p:spPr>
+        <p:style>
+          <a:lnRef idx="2">
+            <a:schemeClr val="accent1">
+              <a:shade val="50000"/>
+            </a:schemeClr>
+          </a:lnRef>
+          <a:fillRef idx="1">
+            <a:schemeClr val="accent1"/>
+          </a:fillRef>
+          <a:effectRef idx="0">
+            <a:schemeClr val="accent1"/>
+          </a:effectRef>
+          <a:fontRef idx="minor">
+            <a:schemeClr val="lt1"/>
+          </a:fontRef>
+        </p:style>
+        <p:txBody>
+          <a:bodyPr rtlCol="0" anchor="ctr"/>
+          <a:lstStyle/>
+          <a:p>
+            <a:pPr algn="ctr"/>
+            <a:r>
+              <a:rPr lang="en-US" sz="1200" dirty="0" smtClean="0"/>
+              <a:t>XGBOOST Model to predict zones</a:t>
+            </a:r>
+            <a:endParaRPr lang="en-US" sz="1200" dirty="0"/>
+          </a:p>
+        </p:txBody>
+      </p:sp>
+      <p:sp>
+        <p:nvSpPr>
+          <p:cNvPr id="31" name="Can 30"/>
+          <p:cNvSpPr/>
+          <p:nvPr/>
+        </p:nvSpPr>
+        <p:spPr>
+          <a:xfrm>
+            <a:off x="563413" y="1220566"/>
+            <a:ext cx="707630" cy="492762"/>
+          </a:xfrm>
+          <a:prstGeom prst="can">
+            <a:avLst/>
+          </a:prstGeom>
+        </p:spPr>
+        <p:style>
+          <a:lnRef idx="2">
+            <a:schemeClr val="accent1">
+              <a:shade val="50000"/>
+            </a:schemeClr>
+          </a:lnRef>
+          <a:fillRef idx="1">
+            <a:schemeClr val="accent1"/>
+          </a:fillRef>
+          <a:effectRef idx="0">
+            <a:schemeClr val="accent1"/>
+          </a:effectRef>
+          <a:fontRef idx="minor">
+            <a:schemeClr val="lt1"/>
+          </a:fontRef>
+        </p:style>
+        <p:txBody>
+          <a:bodyPr rtlCol="0" anchor="ctr"/>
+          <a:lstStyle/>
+          <a:p>
+            <a:pPr algn="ctr"/>
+            <a:r>
+              <a:rPr lang="en-US" sz="1000" dirty="0" smtClean="0"/>
+              <a:t>Subset of Training Scans</a:t>
+            </a:r>
+            <a:endParaRPr lang="en-US" sz="1000" dirty="0"/>
+          </a:p>
+        </p:txBody>
+      </p:sp>
+      <p:sp>
+        <p:nvSpPr>
+          <p:cNvPr id="32" name="Document 31"/>
+          <p:cNvSpPr/>
+          <p:nvPr/>
+        </p:nvSpPr>
+        <p:spPr>
+          <a:xfrm>
+            <a:off x="529504" y="2063057"/>
+            <a:ext cx="761712" cy="626357"/>
+          </a:xfrm>
+          <a:prstGeom prst="flowChartDocument">
+            <a:avLst/>
+          </a:prstGeom>
+        </p:spPr>
+        <p:style>
+          <a:lnRef idx="2">
+            <a:schemeClr val="accent1">
+              <a:shade val="50000"/>
+            </a:schemeClr>
+          </a:lnRef>
+          <a:fillRef idx="1">
+            <a:schemeClr val="accent1"/>
+          </a:fillRef>
+          <a:effectRef idx="0">
+            <a:schemeClr val="accent1"/>
+          </a:effectRef>
+          <a:fontRef idx="minor">
+            <a:schemeClr val="lt1"/>
+          </a:fontRef>
+        </p:style>
+        <p:txBody>
+          <a:bodyPr rtlCol="0" anchor="ctr"/>
+          <a:lstStyle/>
+          <a:p>
+            <a:pPr algn="ctr"/>
+            <a:r>
+              <a:rPr lang="en-US" sz="1000" dirty="0" smtClean="0"/>
+              <a:t>Subset of Training Labels</a:t>
+            </a:r>
+            <a:endParaRPr lang="en-US" sz="1000" dirty="0"/>
+          </a:p>
+        </p:txBody>
+      </p:sp>
+      <p:sp>
+        <p:nvSpPr>
+          <p:cNvPr id="33" name="Rounded Rectangle 32"/>
+          <p:cNvSpPr/>
+          <p:nvPr/>
+        </p:nvSpPr>
+        <p:spPr>
+          <a:xfrm>
+            <a:off x="6126609" y="1318400"/>
+            <a:ext cx="1139294" cy="1040296"/>
+          </a:xfrm>
+          <a:prstGeom prst="roundRect">
+            <a:avLst/>
+          </a:prstGeom>
+          <a:solidFill>
+            <a:schemeClr val="accent3">
+              <a:lumMod val="75000"/>
+            </a:schemeClr>
+          </a:solidFill>
+        </p:spPr>
+        <p:style>
+          <a:lnRef idx="2">
+            <a:schemeClr val="accent1">
+              <a:shade val="50000"/>
+            </a:schemeClr>
+          </a:lnRef>
+          <a:fillRef idx="1">
+            <a:schemeClr val="accent1"/>
+          </a:fillRef>
+          <a:effectRef idx="0">
+            <a:schemeClr val="accent1"/>
+          </a:effectRef>
+          <a:fontRef idx="minor">
+            <a:schemeClr val="lt1"/>
+          </a:fontRef>
+        </p:style>
+        <p:txBody>
+          <a:bodyPr rtlCol="0" anchor="ctr"/>
+          <a:lstStyle/>
+          <a:p>
+            <a:pPr algn="ctr"/>
+            <a:r>
+              <a:rPr lang="en-US" sz="1200" dirty="0" smtClean="0"/>
+              <a:t>Bounding boxes for Head/Hands/Groin and Threats</a:t>
+            </a:r>
+            <a:endParaRPr lang="en-US" sz="1200" dirty="0"/>
+          </a:p>
+        </p:txBody>
+      </p:sp>
+      <p:sp>
+        <p:nvSpPr>
+          <p:cNvPr id="34" name="Rounded Rectangle 33"/>
+          <p:cNvSpPr/>
+          <p:nvPr/>
+        </p:nvSpPr>
+        <p:spPr>
+          <a:xfrm>
+            <a:off x="7596821" y="1322883"/>
+            <a:ext cx="1139294" cy="1040296"/>
+          </a:xfrm>
+          <a:prstGeom prst="roundRect">
+            <a:avLst/>
+          </a:prstGeom>
+        </p:spPr>
+        <p:style>
+          <a:lnRef idx="2">
+            <a:schemeClr val="accent1">
+              <a:shade val="50000"/>
+            </a:schemeClr>
+          </a:lnRef>
+          <a:fillRef idx="1">
+            <a:schemeClr val="accent1"/>
+          </a:fillRef>
+          <a:effectRef idx="0">
+            <a:schemeClr val="accent1"/>
+          </a:effectRef>
+          <a:fontRef idx="minor">
+            <a:schemeClr val="lt1"/>
+          </a:fontRef>
+        </p:style>
+        <p:txBody>
+          <a:bodyPr rtlCol="0" anchor="ctr"/>
+          <a:lstStyle/>
+          <a:p>
+            <a:pPr algn="ctr"/>
+            <a:r>
+              <a:rPr lang="en-US" sz="1200" dirty="0" smtClean="0"/>
+              <a:t>Head box Hands box Groin box Threats box Body Zone</a:t>
+            </a:r>
+            <a:endParaRPr lang="en-US" sz="1200" dirty="0"/>
+          </a:p>
+        </p:txBody>
+      </p:sp>
+      <p:cxnSp>
+        <p:nvCxnSpPr>
+          <p:cNvPr id="36" name="Straight Arrow Connector 35"/>
+          <p:cNvCxnSpPr>
+            <a:stCxn id="5" idx="3"/>
+            <a:endCxn id="31" idx="1"/>
+          </p:cNvCxnSpPr>
+          <p:nvPr/>
+        </p:nvCxnSpPr>
+        <p:spPr>
+          <a:xfrm flipH="1">
+            <a:off x="917228" y="878643"/>
+            <a:ext cx="19879" cy="341923"/>
+          </a:xfrm>
+          <a:prstGeom prst="straightConnector1">
+            <a:avLst/>
+          </a:prstGeom>
+          <a:ln>
+            <a:tailEnd type="triangle"/>
+          </a:ln>
+        </p:spPr>
+        <p:style>
+          <a:lnRef idx="1">
+            <a:schemeClr val="accent1"/>
+          </a:lnRef>
+          <a:fillRef idx="0">
+            <a:schemeClr val="accent1"/>
+          </a:fillRef>
+          <a:effectRef idx="0">
+            <a:schemeClr val="accent1"/>
+          </a:effectRef>
+          <a:fontRef idx="minor">
+            <a:schemeClr val="tx1"/>
+          </a:fontRef>
+        </p:style>
+      </p:cxnSp>
+      <p:cxnSp>
+        <p:nvCxnSpPr>
+          <p:cNvPr id="40" name="Straight Arrow Connector 39"/>
+          <p:cNvCxnSpPr>
+            <a:stCxn id="17" idx="0"/>
+            <a:endCxn id="32" idx="2"/>
+          </p:cNvCxnSpPr>
+          <p:nvPr/>
+        </p:nvCxnSpPr>
+        <p:spPr>
+          <a:xfrm flipV="1">
+            <a:off x="894820" y="2648005"/>
+            <a:ext cx="15540" cy="229773"/>
+          </a:xfrm>
+          <a:prstGeom prst="straightConnector1">
+            <a:avLst/>
+          </a:prstGeom>
+          <a:ln>
+            <a:tailEnd type="triangle"/>
+          </a:ln>
+        </p:spPr>
+        <p:style>
+          <a:lnRef idx="1">
+            <a:schemeClr val="accent1"/>
+          </a:lnRef>
+          <a:fillRef idx="0">
+            <a:schemeClr val="accent1"/>
+          </a:fillRef>
+          <a:effectRef idx="0">
+            <a:schemeClr val="accent1"/>
+          </a:effectRef>
+          <a:fontRef idx="minor">
+            <a:schemeClr val="tx1"/>
+          </a:fontRef>
+        </p:style>
+      </p:cxnSp>
+      <p:cxnSp>
+        <p:nvCxnSpPr>
+          <p:cNvPr id="42" name="Straight Arrow Connector 41"/>
+          <p:cNvCxnSpPr>
+            <a:stCxn id="31" idx="4"/>
+            <a:endCxn id="8" idx="1"/>
+          </p:cNvCxnSpPr>
+          <p:nvPr/>
+        </p:nvCxnSpPr>
+        <p:spPr>
+          <a:xfrm>
+            <a:off x="1271043" y="1466947"/>
+            <a:ext cx="394446" cy="380174"/>
+          </a:xfrm>
+          <a:prstGeom prst="straightConnector1">
+            <a:avLst/>
+          </a:prstGeom>
+          <a:ln>
+            <a:tailEnd type="triangle"/>
+          </a:ln>
+        </p:spPr>
+        <p:style>
+          <a:lnRef idx="1">
+            <a:schemeClr val="accent1"/>
+          </a:lnRef>
+          <a:fillRef idx="0">
+            <a:schemeClr val="accent1"/>
+          </a:fillRef>
+          <a:effectRef idx="0">
+            <a:schemeClr val="accent1"/>
+          </a:effectRef>
+          <a:fontRef idx="minor">
+            <a:schemeClr val="tx1"/>
+          </a:fontRef>
+        </p:style>
+      </p:cxnSp>
+      <p:cxnSp>
+        <p:nvCxnSpPr>
+          <p:cNvPr id="44" name="Straight Arrow Connector 43"/>
+          <p:cNvCxnSpPr>
+            <a:stCxn id="32" idx="3"/>
+            <a:endCxn id="8" idx="1"/>
+          </p:cNvCxnSpPr>
+          <p:nvPr/>
+        </p:nvCxnSpPr>
+        <p:spPr>
+          <a:xfrm flipV="1">
+            <a:off x="1291216" y="1847121"/>
+            <a:ext cx="374273" cy="529115"/>
+          </a:xfrm>
+          <a:prstGeom prst="straightConnector1">
+            <a:avLst/>
+          </a:prstGeom>
+          <a:ln>
+            <a:tailEnd type="triangle"/>
+          </a:ln>
+        </p:spPr>
+        <p:style>
+          <a:lnRef idx="1">
+            <a:schemeClr val="accent1"/>
+          </a:lnRef>
+          <a:fillRef idx="0">
+            <a:schemeClr val="accent1"/>
+          </a:fillRef>
+          <a:effectRef idx="0">
+            <a:schemeClr val="accent1"/>
+          </a:effectRef>
+          <a:fontRef idx="minor">
+            <a:schemeClr val="tx1"/>
+          </a:fontRef>
+        </p:style>
+      </p:cxnSp>
+      <p:cxnSp>
+        <p:nvCxnSpPr>
+          <p:cNvPr id="46" name="Straight Arrow Connector 45"/>
+          <p:cNvCxnSpPr>
+            <a:stCxn id="8" idx="3"/>
+            <a:endCxn id="4" idx="1"/>
+          </p:cNvCxnSpPr>
+          <p:nvPr/>
+        </p:nvCxnSpPr>
+        <p:spPr>
+          <a:xfrm flipV="1">
+            <a:off x="2487707" y="1839325"/>
+            <a:ext cx="322152" cy="7796"/>
+          </a:xfrm>
+          <a:prstGeom prst="straightConnector1">
+            <a:avLst/>
+          </a:prstGeom>
+          <a:ln>
+            <a:tailEnd type="triangle"/>
+          </a:ln>
+        </p:spPr>
+        <p:style>
+          <a:lnRef idx="1">
+            <a:schemeClr val="accent1"/>
+          </a:lnRef>
+          <a:fillRef idx="0">
+            <a:schemeClr val="accent1"/>
+          </a:fillRef>
+          <a:effectRef idx="0">
+            <a:schemeClr val="accent1"/>
+          </a:effectRef>
+          <a:fontRef idx="minor">
+            <a:schemeClr val="tx1"/>
+          </a:fontRef>
+        </p:style>
+      </p:cxnSp>
+      <p:cxnSp>
+        <p:nvCxnSpPr>
+          <p:cNvPr id="48" name="Straight Arrow Connector 47"/>
+          <p:cNvCxnSpPr>
+            <a:stCxn id="4" idx="3"/>
+            <a:endCxn id="27" idx="1"/>
+          </p:cNvCxnSpPr>
+          <p:nvPr/>
+        </p:nvCxnSpPr>
+        <p:spPr>
+          <a:xfrm flipV="1">
+            <a:off x="4082067" y="1839122"/>
+            <a:ext cx="400892" cy="203"/>
+          </a:xfrm>
+          <a:prstGeom prst="straightConnector1">
+            <a:avLst/>
+          </a:prstGeom>
+          <a:ln>
+            <a:tailEnd type="triangle"/>
+          </a:ln>
+        </p:spPr>
+        <p:style>
+          <a:lnRef idx="1">
+            <a:schemeClr val="accent1"/>
+          </a:lnRef>
+          <a:fillRef idx="0">
+            <a:schemeClr val="accent1"/>
+          </a:fillRef>
+          <a:effectRef idx="0">
+            <a:schemeClr val="accent1"/>
+          </a:effectRef>
+          <a:fontRef idx="minor">
+            <a:schemeClr val="tx1"/>
+          </a:fontRef>
+        </p:style>
+      </p:cxnSp>
+      <p:cxnSp>
+        <p:nvCxnSpPr>
+          <p:cNvPr id="50" name="Straight Arrow Connector 49"/>
+          <p:cNvCxnSpPr>
+            <a:stCxn id="27" idx="3"/>
+            <a:endCxn id="33" idx="1"/>
+          </p:cNvCxnSpPr>
+          <p:nvPr/>
+        </p:nvCxnSpPr>
+        <p:spPr>
+          <a:xfrm flipV="1">
+            <a:off x="5755167" y="1838548"/>
+            <a:ext cx="371442" cy="574"/>
+          </a:xfrm>
+          <a:prstGeom prst="straightConnector1">
+            <a:avLst/>
+          </a:prstGeom>
+          <a:ln>
+            <a:tailEnd type="triangle"/>
+          </a:ln>
+        </p:spPr>
+        <p:style>
+          <a:lnRef idx="1">
+            <a:schemeClr val="accent1"/>
+          </a:lnRef>
+          <a:fillRef idx="0">
+            <a:schemeClr val="accent1"/>
+          </a:fillRef>
+          <a:effectRef idx="0">
+            <a:schemeClr val="accent1"/>
+          </a:effectRef>
+          <a:fontRef idx="minor">
+            <a:schemeClr val="tx1"/>
+          </a:fontRef>
+        </p:style>
+      </p:cxnSp>
+      <p:cxnSp>
+        <p:nvCxnSpPr>
+          <p:cNvPr id="52" name="Straight Arrow Connector 51"/>
+          <p:cNvCxnSpPr>
+            <a:stCxn id="33" idx="2"/>
+            <a:endCxn id="14" idx="0"/>
+          </p:cNvCxnSpPr>
+          <p:nvPr/>
+        </p:nvCxnSpPr>
+        <p:spPr>
+          <a:xfrm>
+            <a:off x="6696256" y="2358696"/>
+            <a:ext cx="0" cy="346803"/>
+          </a:xfrm>
+          <a:prstGeom prst="straightConnector1">
+            <a:avLst/>
+          </a:prstGeom>
+          <a:ln>
+            <a:tailEnd type="triangle"/>
+          </a:ln>
+        </p:spPr>
+        <p:style>
+          <a:lnRef idx="1">
+            <a:schemeClr val="accent1"/>
+          </a:lnRef>
+          <a:fillRef idx="0">
+            <a:schemeClr val="accent1"/>
+          </a:fillRef>
+          <a:effectRef idx="0">
+            <a:schemeClr val="accent1"/>
+          </a:effectRef>
+          <a:fontRef idx="minor">
+            <a:schemeClr val="tx1"/>
+          </a:fontRef>
+        </p:style>
+      </p:cxnSp>
+      <p:cxnSp>
+        <p:nvCxnSpPr>
+          <p:cNvPr id="54" name="Straight Arrow Connector 53"/>
+          <p:cNvCxnSpPr>
+            <a:stCxn id="17" idx="3"/>
+            <a:endCxn id="14" idx="1"/>
+          </p:cNvCxnSpPr>
+          <p:nvPr/>
+        </p:nvCxnSpPr>
+        <p:spPr>
+          <a:xfrm flipV="1">
+            <a:off x="1371898" y="3225647"/>
+            <a:ext cx="4754711" cy="1"/>
+          </a:xfrm>
+          <a:prstGeom prst="straightConnector1">
+            <a:avLst/>
+          </a:prstGeom>
+          <a:ln>
+            <a:tailEnd type="triangle"/>
+          </a:ln>
+        </p:spPr>
+        <p:style>
+          <a:lnRef idx="1">
+            <a:schemeClr val="accent1"/>
+          </a:lnRef>
+          <a:fillRef idx="0">
+            <a:schemeClr val="accent1"/>
+          </a:fillRef>
+          <a:effectRef idx="0">
+            <a:schemeClr val="accent1"/>
+          </a:effectRef>
+          <a:fontRef idx="minor">
+            <a:schemeClr val="tx1"/>
+          </a:fontRef>
+        </p:style>
+      </p:cxnSp>
+      <p:cxnSp>
+        <p:nvCxnSpPr>
+          <p:cNvPr id="56" name="Straight Arrow Connector 55"/>
+          <p:cNvCxnSpPr>
+            <a:stCxn id="34" idx="3"/>
+            <a:endCxn id="19" idx="1"/>
+          </p:cNvCxnSpPr>
+          <p:nvPr/>
+        </p:nvCxnSpPr>
+        <p:spPr>
+          <a:xfrm>
+            <a:off x="8736115" y="1843031"/>
+            <a:ext cx="418993" cy="4089"/>
+          </a:xfrm>
+          <a:prstGeom prst="straightConnector1">
+            <a:avLst/>
+          </a:prstGeom>
+          <a:ln>
+            <a:tailEnd type="triangle"/>
+          </a:ln>
+        </p:spPr>
+        <p:style>
+          <a:lnRef idx="1">
+            <a:schemeClr val="accent1"/>
+          </a:lnRef>
+          <a:fillRef idx="0">
+            <a:schemeClr val="accent1"/>
+          </a:fillRef>
+          <a:effectRef idx="0">
+            <a:schemeClr val="accent1"/>
+          </a:effectRef>
+          <a:fontRef idx="minor">
+            <a:schemeClr val="tx1"/>
+          </a:fontRef>
+        </p:style>
+      </p:cxnSp>
+      <p:cxnSp>
+        <p:nvCxnSpPr>
+          <p:cNvPr id="58" name="Straight Arrow Connector 57"/>
+          <p:cNvCxnSpPr>
+            <a:endCxn id="30" idx="0"/>
+          </p:cNvCxnSpPr>
+          <p:nvPr/>
+        </p:nvCxnSpPr>
+        <p:spPr>
+          <a:xfrm>
+            <a:off x="9721835" y="2376236"/>
+            <a:ext cx="240" cy="329262"/>
+          </a:xfrm>
+          <a:prstGeom prst="straightConnector1">
+            <a:avLst/>
+          </a:prstGeom>
+          <a:ln>
+            <a:tailEnd type="triangle"/>
+          </a:ln>
+        </p:spPr>
+        <p:style>
+          <a:lnRef idx="1">
+            <a:schemeClr val="accent1"/>
+          </a:lnRef>
+          <a:fillRef idx="0">
+            <a:schemeClr val="accent1"/>
+          </a:fillRef>
+          <a:effectRef idx="0">
+            <a:schemeClr val="accent1"/>
+          </a:effectRef>
+          <a:fontRef idx="minor">
+            <a:schemeClr val="tx1"/>
+          </a:fontRef>
+        </p:style>
+      </p:cxnSp>
+      <p:cxnSp>
+        <p:nvCxnSpPr>
+          <p:cNvPr id="60" name="Elbow Connector 59"/>
+          <p:cNvCxnSpPr>
+            <a:stCxn id="14" idx="3"/>
+            <a:endCxn id="34" idx="2"/>
+          </p:cNvCxnSpPr>
+          <p:nvPr/>
+        </p:nvCxnSpPr>
+        <p:spPr>
+          <a:xfrm flipV="1">
+            <a:off x="7265903" y="2363179"/>
+            <a:ext cx="900565" cy="862468"/>
+          </a:xfrm>
+          <a:prstGeom prst="bentConnector2">
+            <a:avLst/>
+          </a:prstGeom>
+          <a:ln>
+            <a:tailEnd type="triangle"/>
+          </a:ln>
+        </p:spPr>
+        <p:style>
+          <a:lnRef idx="1">
+            <a:schemeClr val="accent1"/>
+          </a:lnRef>
+          <a:fillRef idx="0">
+            <a:schemeClr val="accent1"/>
+          </a:fillRef>
+          <a:effectRef idx="0">
+            <a:schemeClr val="accent1"/>
+          </a:effectRef>
+          <a:fontRef idx="minor">
+            <a:schemeClr val="tx1"/>
+          </a:fontRef>
+        </p:style>
+      </p:cxnSp>
+      <p:cxnSp>
+        <p:nvCxnSpPr>
+          <p:cNvPr id="62" name="Elbow Connector 61"/>
+          <p:cNvCxnSpPr>
+            <a:stCxn id="8" idx="0"/>
+            <a:endCxn id="34" idx="0"/>
+          </p:cNvCxnSpPr>
+          <p:nvPr/>
+        </p:nvCxnSpPr>
+        <p:spPr>
+          <a:xfrm rot="5400000" flipH="1" flipV="1">
+            <a:off x="4998172" y="-1598691"/>
+            <a:ext cx="246722" cy="6089870"/>
+          </a:xfrm>
+          <a:prstGeom prst="bentConnector3">
+            <a:avLst>
+              <a:gd name="adj1" fmla="val 192655"/>
+            </a:avLst>
+          </a:prstGeom>
+          <a:ln>
+            <a:tailEnd type="triangle"/>
+          </a:ln>
+        </p:spPr>
+        <p:style>
+          <a:lnRef idx="1">
+            <a:schemeClr val="accent1"/>
+          </a:lnRef>
+          <a:fillRef idx="0">
+            <a:schemeClr val="accent1"/>
+          </a:fillRef>
+          <a:effectRef idx="0">
+            <a:schemeClr val="accent1"/>
+          </a:effectRef>
+          <a:fontRef idx="minor">
+            <a:schemeClr val="tx1"/>
+          </a:fontRef>
+        </p:style>
+      </p:cxnSp>
+      <p:cxnSp>
+        <p:nvCxnSpPr>
+          <p:cNvPr id="65" name="Elbow Connector 64"/>
+          <p:cNvCxnSpPr>
+            <a:stCxn id="5" idx="4"/>
+            <a:endCxn id="27" idx="0"/>
+          </p:cNvCxnSpPr>
+          <p:nvPr/>
+        </p:nvCxnSpPr>
+        <p:spPr>
+          <a:xfrm>
+            <a:off x="1414185" y="570530"/>
+            <a:ext cx="3704878" cy="871026"/>
+          </a:xfrm>
+          <a:prstGeom prst="bentConnector2">
+            <a:avLst/>
+          </a:prstGeom>
+          <a:ln>
+            <a:tailEnd type="triangle"/>
+          </a:ln>
+        </p:spPr>
+        <p:style>
+          <a:lnRef idx="1">
+            <a:schemeClr val="accent1"/>
+          </a:lnRef>
+          <a:fillRef idx="0">
+            <a:schemeClr val="accent1"/>
+          </a:fillRef>
+          <a:effectRef idx="0">
+            <a:schemeClr val="accent1"/>
+          </a:effectRef>
+          <a:fontRef idx="minor">
+            <a:schemeClr val="tx1"/>
+          </a:fontRef>
+        </p:style>
+      </p:cxnSp>
+      <p:sp>
+        <p:nvSpPr>
+          <p:cNvPr id="67" name="Rounded Rectangle 66"/>
+          <p:cNvSpPr/>
+          <p:nvPr/>
+        </p:nvSpPr>
+        <p:spPr>
+          <a:xfrm>
+            <a:off x="4487442" y="5049847"/>
+            <a:ext cx="1272208" cy="795131"/>
+          </a:xfrm>
+          <a:prstGeom prst="roundRect">
+            <a:avLst/>
+          </a:prstGeom>
+          <a:solidFill>
+            <a:schemeClr val="accent4">
+              <a:lumMod val="75000"/>
+            </a:schemeClr>
+          </a:solidFill>
+        </p:spPr>
+        <p:style>
+          <a:lnRef idx="2">
+            <a:schemeClr val="accent1">
+              <a:shade val="50000"/>
+            </a:schemeClr>
+          </a:lnRef>
+          <a:fillRef idx="1">
+            <a:schemeClr val="accent1"/>
+          </a:fillRef>
+          <a:effectRef idx="0">
+            <a:schemeClr val="accent1"/>
+          </a:effectRef>
+          <a:fontRef idx="minor">
+            <a:schemeClr val="lt1"/>
+          </a:fontRef>
+        </p:style>
+        <p:txBody>
+          <a:bodyPr rtlCol="0" anchor="ctr"/>
+          <a:lstStyle/>
+          <a:p>
+            <a:pPr algn="ctr"/>
+            <a:r>
+              <a:rPr lang="en-US" sz="1200" dirty="0" smtClean="0"/>
+              <a:t>Object Detection Model</a:t>
+            </a:r>
+            <a:endParaRPr lang="en-US" sz="1200" dirty="0"/>
+          </a:p>
+        </p:txBody>
+      </p:sp>
+      <p:sp>
+        <p:nvSpPr>
+          <p:cNvPr id="70" name="Rounded Rectangle 69"/>
+          <p:cNvSpPr/>
+          <p:nvPr/>
+        </p:nvSpPr>
+        <p:spPr>
+          <a:xfrm>
+            <a:off x="6153503" y="4926680"/>
+            <a:ext cx="1139294" cy="1040296"/>
+          </a:xfrm>
+          <a:prstGeom prst="roundRect">
+            <a:avLst/>
+          </a:prstGeom>
+          <a:solidFill>
+            <a:schemeClr val="accent3">
+              <a:lumMod val="75000"/>
+            </a:schemeClr>
+          </a:solidFill>
+        </p:spPr>
+        <p:style>
+          <a:lnRef idx="2">
+            <a:schemeClr val="accent1">
+              <a:shade val="50000"/>
+            </a:schemeClr>
+          </a:lnRef>
+          <a:fillRef idx="1">
+            <a:schemeClr val="accent1"/>
+          </a:fillRef>
+          <a:effectRef idx="0">
+            <a:schemeClr val="accent1"/>
+          </a:effectRef>
+          <a:fontRef idx="minor">
+            <a:schemeClr val="lt1"/>
+          </a:fontRef>
+        </p:style>
+        <p:txBody>
+          <a:bodyPr rtlCol="0" anchor="ctr"/>
+          <a:lstStyle/>
+          <a:p>
+            <a:pPr algn="ctr"/>
+            <a:r>
+              <a:rPr lang="en-US" sz="1200" dirty="0" smtClean="0"/>
+              <a:t>Bounding boxes for Head/Hands/Groin and Threats</a:t>
+            </a:r>
+            <a:endParaRPr lang="en-US" sz="1200" dirty="0"/>
+          </a:p>
+        </p:txBody>
+      </p:sp>
+      <p:sp>
+        <p:nvSpPr>
+          <p:cNvPr id="71" name="Rounded Rectangle 70"/>
+          <p:cNvSpPr/>
+          <p:nvPr/>
+        </p:nvSpPr>
+        <p:spPr>
+          <a:xfrm>
+            <a:off x="9156670" y="4242945"/>
+            <a:ext cx="1135291" cy="1040297"/>
+          </a:xfrm>
+          <a:prstGeom prst="roundRect">
+            <a:avLst/>
+          </a:prstGeom>
+          <a:solidFill>
+            <a:schemeClr val="accent6">
+              <a:lumMod val="75000"/>
+            </a:schemeClr>
+          </a:solidFill>
+        </p:spPr>
+        <p:style>
+          <a:lnRef idx="2">
+            <a:schemeClr val="accent1">
+              <a:shade val="50000"/>
+            </a:schemeClr>
+          </a:lnRef>
+          <a:fillRef idx="1">
+            <a:schemeClr val="accent1"/>
+          </a:fillRef>
+          <a:effectRef idx="0">
+            <a:schemeClr val="accent1"/>
+          </a:effectRef>
+          <a:fontRef idx="minor">
+            <a:schemeClr val="lt1"/>
+          </a:fontRef>
+        </p:style>
+        <p:txBody>
+          <a:bodyPr rtlCol="0" anchor="ctr"/>
+          <a:lstStyle/>
+          <a:p>
+            <a:pPr algn="ctr"/>
+            <a:r>
+              <a:rPr lang="en-US" sz="1200" dirty="0" smtClean="0"/>
+              <a:t>XGBOOST Model to predict zones</a:t>
+            </a:r>
+            <a:endParaRPr lang="en-US" sz="1200" dirty="0"/>
+          </a:p>
+        </p:txBody>
+      </p:sp>
+      <p:sp>
+        <p:nvSpPr>
+          <p:cNvPr id="73" name="Rounded Rectangle 72"/>
+          <p:cNvSpPr/>
+          <p:nvPr/>
+        </p:nvSpPr>
+        <p:spPr>
+          <a:xfrm>
+            <a:off x="9156681" y="5547311"/>
+            <a:ext cx="1135280" cy="1040296"/>
+          </a:xfrm>
+          <a:prstGeom prst="roundRect">
+            <a:avLst/>
+          </a:prstGeom>
+          <a:solidFill>
+            <a:schemeClr val="accent2">
+              <a:lumMod val="75000"/>
+            </a:schemeClr>
+          </a:solidFill>
+        </p:spPr>
+        <p:style>
+          <a:lnRef idx="2">
+            <a:schemeClr val="accent1">
+              <a:shade val="50000"/>
+            </a:schemeClr>
+          </a:lnRef>
+          <a:fillRef idx="1">
+            <a:schemeClr val="accent1"/>
+          </a:fillRef>
+          <a:effectRef idx="0">
+            <a:schemeClr val="accent1"/>
+          </a:effectRef>
+          <a:fontRef idx="minor">
+            <a:schemeClr val="lt1"/>
+          </a:fontRef>
+        </p:style>
+        <p:txBody>
+          <a:bodyPr rtlCol="0" anchor="ctr"/>
+          <a:lstStyle/>
+          <a:p>
+            <a:pPr algn="ctr"/>
+            <a:r>
+              <a:rPr lang="en-US" sz="1200" dirty="0" smtClean="0"/>
+              <a:t>Custom Zone Predictor</a:t>
+            </a:r>
+            <a:endParaRPr lang="en-US" sz="1200" dirty="0"/>
+          </a:p>
+        </p:txBody>
+      </p:sp>
+      <p:cxnSp>
+        <p:nvCxnSpPr>
+          <p:cNvPr id="75" name="Straight Arrow Connector 74"/>
+          <p:cNvCxnSpPr>
+            <a:stCxn id="21" idx="4"/>
+            <a:endCxn id="67" idx="1"/>
+          </p:cNvCxnSpPr>
+          <p:nvPr/>
+        </p:nvCxnSpPr>
+        <p:spPr>
+          <a:xfrm flipV="1">
+            <a:off x="1409993" y="5447413"/>
+            <a:ext cx="3077449" cy="48136"/>
+          </a:xfrm>
+          <a:prstGeom prst="straightConnector1">
+            <a:avLst/>
+          </a:prstGeom>
+          <a:ln>
+            <a:tailEnd type="triangle"/>
+          </a:ln>
+        </p:spPr>
+        <p:style>
+          <a:lnRef idx="1">
+            <a:schemeClr val="accent1"/>
+          </a:lnRef>
+          <a:fillRef idx="0">
+            <a:schemeClr val="accent1"/>
+          </a:fillRef>
+          <a:effectRef idx="0">
+            <a:schemeClr val="accent1"/>
+          </a:effectRef>
+          <a:fontRef idx="minor">
+            <a:schemeClr val="tx1"/>
+          </a:fontRef>
+        </p:style>
+      </p:cxnSp>
+      <p:cxnSp>
+        <p:nvCxnSpPr>
+          <p:cNvPr id="77" name="Straight Arrow Connector 76"/>
+          <p:cNvCxnSpPr>
+            <a:stCxn id="67" idx="3"/>
+            <a:endCxn id="70" idx="1"/>
+          </p:cNvCxnSpPr>
+          <p:nvPr/>
+        </p:nvCxnSpPr>
+        <p:spPr>
+          <a:xfrm flipV="1">
+            <a:off x="5759650" y="5446828"/>
+            <a:ext cx="393853" cy="585"/>
+          </a:xfrm>
+          <a:prstGeom prst="straightConnector1">
+            <a:avLst/>
+          </a:prstGeom>
+          <a:ln>
+            <a:tailEnd type="triangle"/>
+          </a:ln>
+        </p:spPr>
+        <p:style>
+          <a:lnRef idx="1">
+            <a:schemeClr val="accent1"/>
+          </a:lnRef>
+          <a:fillRef idx="0">
+            <a:schemeClr val="accent1"/>
+          </a:fillRef>
+          <a:effectRef idx="0">
+            <a:schemeClr val="accent1"/>
+          </a:effectRef>
+          <a:fontRef idx="minor">
+            <a:schemeClr val="tx1"/>
+          </a:fontRef>
+        </p:style>
+      </p:cxnSp>
+      <p:cxnSp>
+        <p:nvCxnSpPr>
+          <p:cNvPr id="79" name="Straight Arrow Connector 78"/>
+          <p:cNvCxnSpPr>
+            <a:stCxn id="70" idx="3"/>
+            <a:endCxn id="71" idx="1"/>
+          </p:cNvCxnSpPr>
+          <p:nvPr/>
+        </p:nvCxnSpPr>
+        <p:spPr>
+          <a:xfrm flipV="1">
+            <a:off x="7292797" y="4763094"/>
+            <a:ext cx="1863873" cy="683734"/>
+          </a:xfrm>
+          <a:prstGeom prst="straightConnector1">
+            <a:avLst/>
+          </a:prstGeom>
+          <a:ln>
+            <a:tailEnd type="triangle"/>
+          </a:ln>
+        </p:spPr>
+        <p:style>
+          <a:lnRef idx="1">
+            <a:schemeClr val="accent1"/>
+          </a:lnRef>
+          <a:fillRef idx="0">
+            <a:schemeClr val="accent1"/>
+          </a:fillRef>
+          <a:effectRef idx="0">
+            <a:schemeClr val="accent1"/>
+          </a:effectRef>
+          <a:fontRef idx="minor">
+            <a:schemeClr val="tx1"/>
+          </a:fontRef>
+        </p:style>
+      </p:cxnSp>
+      <p:cxnSp>
+        <p:nvCxnSpPr>
+          <p:cNvPr id="81" name="Straight Arrow Connector 80"/>
+          <p:cNvCxnSpPr>
+            <a:stCxn id="70" idx="3"/>
+            <a:endCxn id="73" idx="1"/>
+          </p:cNvCxnSpPr>
+          <p:nvPr/>
+        </p:nvCxnSpPr>
+        <p:spPr>
+          <a:xfrm>
+            <a:off x="7292797" y="5446828"/>
+            <a:ext cx="1863884" cy="620631"/>
+          </a:xfrm>
+          <a:prstGeom prst="straightConnector1">
+            <a:avLst/>
+          </a:prstGeom>
+          <a:ln>
+            <a:tailEnd type="triangle"/>
+          </a:ln>
+        </p:spPr>
+        <p:style>
+          <a:lnRef idx="1">
+            <a:schemeClr val="accent1"/>
+          </a:lnRef>
+          <a:fillRef idx="0">
+            <a:schemeClr val="accent1"/>
+          </a:fillRef>
+          <a:effectRef idx="0">
+            <a:schemeClr val="accent1"/>
+          </a:effectRef>
+          <a:fontRef idx="minor">
+            <a:schemeClr val="tx1"/>
+          </a:fontRef>
+        </p:style>
+      </p:cxnSp>
+      <p:sp>
+        <p:nvSpPr>
+          <p:cNvPr id="82" name="Folded Corner 81"/>
+          <p:cNvSpPr/>
+          <p:nvPr/>
+        </p:nvSpPr>
+        <p:spPr>
+          <a:xfrm>
+            <a:off x="10865900" y="4359642"/>
+            <a:ext cx="793377" cy="806902"/>
+          </a:xfrm>
+          <a:prstGeom prst="foldedCorner">
+            <a:avLst/>
+          </a:prstGeom>
+        </p:spPr>
+        <p:style>
+          <a:lnRef idx="2">
+            <a:schemeClr val="accent1">
+              <a:shade val="50000"/>
+            </a:schemeClr>
+          </a:lnRef>
+          <a:fillRef idx="1">
+            <a:schemeClr val="accent1"/>
+          </a:fillRef>
+          <a:effectRef idx="0">
+            <a:schemeClr val="accent1"/>
+          </a:effectRef>
+          <a:fontRef idx="minor">
+            <a:schemeClr val="lt1"/>
+          </a:fontRef>
+        </p:style>
+        <p:txBody>
+          <a:bodyPr rtlCol="0" anchor="ctr"/>
+          <a:lstStyle/>
+          <a:p>
+            <a:pPr algn="ctr"/>
+            <a:r>
+              <a:rPr lang="en-US" sz="1200" dirty="0" smtClean="0"/>
+              <a:t>Results 1</a:t>
+            </a:r>
+            <a:endParaRPr lang="en-US" sz="1200" dirty="0"/>
+          </a:p>
+        </p:txBody>
+      </p:sp>
+      <p:sp>
+        <p:nvSpPr>
+          <p:cNvPr id="83" name="Folded Corner 82"/>
+          <p:cNvSpPr/>
+          <p:nvPr/>
+        </p:nvSpPr>
+        <p:spPr>
+          <a:xfrm>
+            <a:off x="10865900" y="5664008"/>
+            <a:ext cx="793377" cy="806902"/>
+          </a:xfrm>
+          <a:prstGeom prst="foldedCorner">
+            <a:avLst/>
+          </a:prstGeom>
+        </p:spPr>
+        <p:style>
+          <a:lnRef idx="2">
+            <a:schemeClr val="accent1">
+              <a:shade val="50000"/>
+            </a:schemeClr>
+          </a:lnRef>
+          <a:fillRef idx="1">
+            <a:schemeClr val="accent1"/>
+          </a:fillRef>
+          <a:effectRef idx="0">
+            <a:schemeClr val="accent1"/>
+          </a:effectRef>
+          <a:fontRef idx="minor">
+            <a:schemeClr val="lt1"/>
+          </a:fontRef>
+        </p:style>
+        <p:txBody>
+          <a:bodyPr rtlCol="0" anchor="ctr"/>
+          <a:lstStyle/>
+          <a:p>
+            <a:pPr algn="ctr"/>
+            <a:r>
+              <a:rPr lang="en-US" sz="1200" dirty="0" smtClean="0"/>
+              <a:t>Results 2</a:t>
+            </a:r>
+            <a:endParaRPr lang="en-US" sz="1200" dirty="0"/>
+          </a:p>
+        </p:txBody>
+      </p:sp>
+      <p:cxnSp>
+        <p:nvCxnSpPr>
+          <p:cNvPr id="85" name="Straight Arrow Connector 84"/>
+          <p:cNvCxnSpPr>
+            <a:stCxn id="71" idx="3"/>
+            <a:endCxn id="82" idx="1"/>
+          </p:cNvCxnSpPr>
+          <p:nvPr/>
+        </p:nvCxnSpPr>
+        <p:spPr>
+          <a:xfrm flipV="1">
+            <a:off x="10291961" y="4763093"/>
+            <a:ext cx="573939" cy="1"/>
+          </a:xfrm>
+          <a:prstGeom prst="straightConnector1">
+            <a:avLst/>
+          </a:prstGeom>
+          <a:ln>
+            <a:tailEnd type="triangle"/>
+          </a:ln>
+        </p:spPr>
+        <p:style>
+          <a:lnRef idx="1">
+            <a:schemeClr val="accent1"/>
+          </a:lnRef>
+          <a:fillRef idx="0">
+            <a:schemeClr val="accent1"/>
+          </a:fillRef>
+          <a:effectRef idx="0">
+            <a:schemeClr val="accent1"/>
+          </a:effectRef>
+          <a:fontRef idx="minor">
+            <a:schemeClr val="tx1"/>
+          </a:fontRef>
+        </p:style>
+      </p:cxnSp>
+      <p:cxnSp>
+        <p:nvCxnSpPr>
+          <p:cNvPr id="87" name="Straight Arrow Connector 86"/>
+          <p:cNvCxnSpPr>
+            <a:stCxn id="73" idx="3"/>
+            <a:endCxn id="83" idx="1"/>
+          </p:cNvCxnSpPr>
+          <p:nvPr/>
+        </p:nvCxnSpPr>
+        <p:spPr>
+          <a:xfrm>
+            <a:off x="10291961" y="6067459"/>
+            <a:ext cx="573939" cy="0"/>
+          </a:xfrm>
+          <a:prstGeom prst="straightConnector1">
+            <a:avLst/>
+          </a:prstGeom>
+          <a:ln>
+            <a:tailEnd type="triangle"/>
+          </a:ln>
+        </p:spPr>
+        <p:style>
+          <a:lnRef idx="1">
+            <a:schemeClr val="accent1"/>
+          </a:lnRef>
+          <a:fillRef idx="0">
+            <a:schemeClr val="accent1"/>
+          </a:fillRef>
+          <a:effectRef idx="0">
+            <a:schemeClr val="accent1"/>
+          </a:effectRef>
+          <a:fontRef idx="minor">
+            <a:schemeClr val="tx1"/>
+          </a:fontRef>
+        </p:style>
+      </p:cxnSp>
+      <p:sp>
+        <p:nvSpPr>
+          <p:cNvPr id="88" name="Can 87"/>
+          <p:cNvSpPr/>
+          <p:nvPr/>
+        </p:nvSpPr>
+        <p:spPr>
+          <a:xfrm>
+            <a:off x="2854588" y="2567323"/>
+            <a:ext cx="1160244" cy="458266"/>
+          </a:xfrm>
+          <a:prstGeom prst="can">
+            <a:avLst/>
+          </a:prstGeom>
+        </p:spPr>
+        <p:style>
+          <a:lnRef idx="2">
+            <a:schemeClr val="accent1">
+              <a:shade val="50000"/>
+            </a:schemeClr>
+          </a:lnRef>
+          <a:fillRef idx="1">
+            <a:schemeClr val="accent1"/>
+          </a:fillRef>
+          <a:effectRef idx="0">
+            <a:schemeClr val="accent1"/>
+          </a:effectRef>
+          <a:fontRef idx="minor">
+            <a:schemeClr val="lt1"/>
+          </a:fontRef>
+        </p:style>
+        <p:txBody>
+          <a:bodyPr rtlCol="0" anchor="ctr"/>
+          <a:lstStyle/>
+          <a:p>
+            <a:pPr algn="ctr"/>
+            <a:r>
+              <a:rPr lang="en-US" sz="1200" dirty="0" smtClean="0"/>
+              <a:t>Pre-Trained Model</a:t>
+            </a:r>
+            <a:endParaRPr lang="en-US" sz="1200" dirty="0"/>
+          </a:p>
+        </p:txBody>
+      </p:sp>
+      <p:cxnSp>
+        <p:nvCxnSpPr>
+          <p:cNvPr id="90" name="Straight Arrow Connector 89"/>
+          <p:cNvCxnSpPr>
+            <a:stCxn id="88" idx="1"/>
+            <a:endCxn id="4" idx="2"/>
+          </p:cNvCxnSpPr>
+          <p:nvPr/>
+        </p:nvCxnSpPr>
+        <p:spPr>
+          <a:xfrm flipV="1">
+            <a:off x="3434710" y="2236890"/>
+            <a:ext cx="11253" cy="330433"/>
+          </a:xfrm>
+          <a:prstGeom prst="straightConnector1">
+            <a:avLst/>
+          </a:prstGeom>
+          <a:ln>
+            <a:tailEnd type="triangle"/>
+          </a:ln>
+        </p:spPr>
+        <p:style>
+          <a:lnRef idx="1">
+            <a:schemeClr val="accent1"/>
+          </a:lnRef>
+          <a:fillRef idx="0">
+            <a:schemeClr val="accent1"/>
+          </a:fillRef>
+          <a:effectRef idx="0">
+            <a:schemeClr val="accent1"/>
+          </a:effectRef>
+          <a:fontRef idx="minor">
+            <a:schemeClr val="tx1"/>
+          </a:fontRef>
+        </p:style>
+      </p:cxnSp>
+      <p:sp>
+        <p:nvSpPr>
+          <p:cNvPr id="93" name="TextBox 92"/>
+          <p:cNvSpPr txBox="1"/>
+          <p:nvPr/>
+        </p:nvSpPr>
+        <p:spPr>
+          <a:xfrm>
+            <a:off x="1753192" y="124151"/>
+            <a:ext cx="3052482" cy="400110"/>
+          </a:xfrm>
+          <a:prstGeom prst="rect">
+            <a:avLst/>
+          </a:prstGeom>
+          <a:noFill/>
+        </p:spPr>
+        <p:txBody>
+          <a:bodyPr wrap="square" rtlCol="0">
+            <a:spAutoFit/>
+          </a:bodyPr>
+          <a:lstStyle/>
+          <a:p>
+            <a:r>
+              <a:rPr lang="en-US" sz="2000" b="1" dirty="0" smtClean="0"/>
+              <a:t>Training</a:t>
+            </a:r>
+            <a:endParaRPr lang="en-US" sz="2000" b="1" dirty="0"/>
+          </a:p>
+        </p:txBody>
+      </p:sp>
+      <p:sp>
+        <p:nvSpPr>
+          <p:cNvPr id="95" name="TextBox 94"/>
+          <p:cNvSpPr txBox="1"/>
+          <p:nvPr/>
+        </p:nvSpPr>
+        <p:spPr>
+          <a:xfrm>
+            <a:off x="1757675" y="4270327"/>
+            <a:ext cx="3052482" cy="400110"/>
+          </a:xfrm>
+          <a:prstGeom prst="rect">
+            <a:avLst/>
+          </a:prstGeom>
+          <a:noFill/>
+        </p:spPr>
+        <p:txBody>
+          <a:bodyPr wrap="square" rtlCol="0">
+            <a:spAutoFit/>
+          </a:bodyPr>
+          <a:lstStyle/>
+          <a:p>
+            <a:r>
+              <a:rPr lang="en-US" sz="2000" b="1" dirty="0" smtClean="0"/>
+              <a:t>Inference</a:t>
+            </a:r>
+            <a:endParaRPr lang="en-US" sz="2000" b="1" dirty="0"/>
+          </a:p>
+        </p:txBody>
+      </p:sp>
+    </p:spTree>
+    <p:extLst>
+      <p:ext uri="{BB962C8B-B14F-4D97-AF65-F5344CB8AC3E}">
+        <p14:creationId xmlns:p14="http://schemas.microsoft.com/office/powerpoint/2010/main" val="1792679164"/>
       </p:ext>
     </p:extLst>
   </p:cSld>
